--- a/3_Outputs/plots/Framework.pptx
+++ b/3_Outputs/plots/Framework.pptx
@@ -1,6 +1,6 @@
 
 <file path=ppt/presentation.xml><?xml version="1.0" encoding="utf-8"?>
-<p:presentation xmlns:a="http://schemas.openxmlformats.org/drawingml/2006/main" xmlns:r="http://schemas.openxmlformats.org/officeDocument/2006/relationships" xmlns:p="http://schemas.openxmlformats.org/presentationml/2006/main" saveSubsetFonts="1">
+<p:presentation xmlns:a="http://schemas.openxmlformats.org/drawingml/2006/main" xmlns:r="http://schemas.openxmlformats.org/officeDocument/2006/relationships" xmlns:p="http://schemas.openxmlformats.org/presentationml/2006/main" saveSubsetFonts="1" autoCompressPictures="0">
   <p:sldMasterIdLst>
     <p:sldMasterId id="2147483648" r:id="rId1"/>
   </p:sldMasterIdLst>
@@ -262,7 +262,7 @@
           <a:p>
             <a:fld id="{83984023-CDEB-467E-871D-CC7C8BABD4BD}" type="datetimeFigureOut">
               <a:rPr lang="en-AU" smtClean="0"/>
-              <a:t>25/05/2023</a:t>
+              <a:t>30/05/2023</a:t>
             </a:fld>
             <a:endParaRPr lang="en-AU"/>
           </a:p>
@@ -462,7 +462,7 @@
           <a:p>
             <a:fld id="{83984023-CDEB-467E-871D-CC7C8BABD4BD}" type="datetimeFigureOut">
               <a:rPr lang="en-AU" smtClean="0"/>
-              <a:t>25/05/2023</a:t>
+              <a:t>30/05/2023</a:t>
             </a:fld>
             <a:endParaRPr lang="en-AU"/>
           </a:p>
@@ -672,7 +672,7 @@
           <a:p>
             <a:fld id="{83984023-CDEB-467E-871D-CC7C8BABD4BD}" type="datetimeFigureOut">
               <a:rPr lang="en-AU" smtClean="0"/>
-              <a:t>25/05/2023</a:t>
+              <a:t>30/05/2023</a:t>
             </a:fld>
             <a:endParaRPr lang="en-AU"/>
           </a:p>
@@ -872,7 +872,7 @@
           <a:p>
             <a:fld id="{83984023-CDEB-467E-871D-CC7C8BABD4BD}" type="datetimeFigureOut">
               <a:rPr lang="en-AU" smtClean="0"/>
-              <a:t>25/05/2023</a:t>
+              <a:t>30/05/2023</a:t>
             </a:fld>
             <a:endParaRPr lang="en-AU"/>
           </a:p>
@@ -1148,7 +1148,7 @@
           <a:p>
             <a:fld id="{83984023-CDEB-467E-871D-CC7C8BABD4BD}" type="datetimeFigureOut">
               <a:rPr lang="en-AU" smtClean="0"/>
-              <a:t>25/05/2023</a:t>
+              <a:t>30/05/2023</a:t>
             </a:fld>
             <a:endParaRPr lang="en-AU"/>
           </a:p>
@@ -1416,7 +1416,7 @@
           <a:p>
             <a:fld id="{83984023-CDEB-467E-871D-CC7C8BABD4BD}" type="datetimeFigureOut">
               <a:rPr lang="en-AU" smtClean="0"/>
-              <a:t>25/05/2023</a:t>
+              <a:t>30/05/2023</a:t>
             </a:fld>
             <a:endParaRPr lang="en-AU"/>
           </a:p>
@@ -1831,7 +1831,7 @@
           <a:p>
             <a:fld id="{83984023-CDEB-467E-871D-CC7C8BABD4BD}" type="datetimeFigureOut">
               <a:rPr lang="en-AU" smtClean="0"/>
-              <a:t>25/05/2023</a:t>
+              <a:t>30/05/2023</a:t>
             </a:fld>
             <a:endParaRPr lang="en-AU"/>
           </a:p>
@@ -1973,7 +1973,7 @@
           <a:p>
             <a:fld id="{83984023-CDEB-467E-871D-CC7C8BABD4BD}" type="datetimeFigureOut">
               <a:rPr lang="en-AU" smtClean="0"/>
-              <a:t>25/05/2023</a:t>
+              <a:t>30/05/2023</a:t>
             </a:fld>
             <a:endParaRPr lang="en-AU"/>
           </a:p>
@@ -2086,7 +2086,7 @@
           <a:p>
             <a:fld id="{83984023-CDEB-467E-871D-CC7C8BABD4BD}" type="datetimeFigureOut">
               <a:rPr lang="en-AU" smtClean="0"/>
-              <a:t>25/05/2023</a:t>
+              <a:t>30/05/2023</a:t>
             </a:fld>
             <a:endParaRPr lang="en-AU"/>
           </a:p>
@@ -2399,7 +2399,7 @@
           <a:p>
             <a:fld id="{83984023-CDEB-467E-871D-CC7C8BABD4BD}" type="datetimeFigureOut">
               <a:rPr lang="en-AU" smtClean="0"/>
-              <a:t>25/05/2023</a:t>
+              <a:t>30/05/2023</a:t>
             </a:fld>
             <a:endParaRPr lang="en-AU"/>
           </a:p>
@@ -2688,7 +2688,7 @@
           <a:p>
             <a:fld id="{83984023-CDEB-467E-871D-CC7C8BABD4BD}" type="datetimeFigureOut">
               <a:rPr lang="en-AU" smtClean="0"/>
-              <a:t>25/05/2023</a:t>
+              <a:t>30/05/2023</a:t>
             </a:fld>
             <a:endParaRPr lang="en-AU"/>
           </a:p>
@@ -2931,7 +2931,7 @@
           <a:p>
             <a:fld id="{83984023-CDEB-467E-871D-CC7C8BABD4BD}" type="datetimeFigureOut">
               <a:rPr lang="en-AU" smtClean="0"/>
-              <a:t>25/05/2023</a:t>
+              <a:t>30/05/2023</a:t>
             </a:fld>
             <a:endParaRPr lang="en-AU"/>
           </a:p>
@@ -3348,89 +3348,12 @@
           <a:chExt cx="0" cy="0"/>
         </a:xfrm>
       </p:grpSpPr>
-      <p:pic>
-        <p:nvPicPr>
-          <p:cNvPr id="1026" name="Picture 2" descr="The Thermometer Icon. High Temperature Symbol. Flat Vector Illustration  Royalty Free SVG, Cliparts, Vectors, And Stock Illustration. Image 40776325.">
-            <a:extLst>
-              <a:ext uri="{FF2B5EF4-FFF2-40B4-BE49-F238E27FC236}">
-                <a16:creationId xmlns:a16="http://schemas.microsoft.com/office/drawing/2014/main" id="{3BAB453F-D8CE-98AA-BAB7-4E7802692464}"/>
-              </a:ext>
-            </a:extLst>
-          </p:cNvPr>
-          <p:cNvPicPr>
-            <a:picLocks noChangeAspect="1" noChangeArrowheads="1"/>
-          </p:cNvPicPr>
-          <p:nvPr/>
-        </p:nvPicPr>
-        <p:blipFill>
-          <a:blip r:embed="rId2">
-            <a:extLst>
-              <a:ext uri="{28A0092B-C50C-407E-A947-70E740481C1C}">
-                <a14:useLocalDpi xmlns:a14="http://schemas.microsoft.com/office/drawing/2010/main" val="0"/>
-              </a:ext>
-            </a:extLst>
-          </a:blip>
-          <a:srcRect/>
-          <a:stretch>
-            <a:fillRect/>
-          </a:stretch>
-        </p:blipFill>
-        <p:spPr bwMode="auto">
-          <a:xfrm>
-            <a:off x="2486852" y="1977163"/>
-            <a:ext cx="734397" cy="734397"/>
-          </a:xfrm>
-          <a:prstGeom prst="rect">
-            <a:avLst/>
-          </a:prstGeom>
-          <a:noFill/>
-          <a:extLst>
-            <a:ext uri="{909E8E84-426E-40DD-AFC4-6F175D3DCCD1}">
-              <a14:hiddenFill xmlns:a14="http://schemas.microsoft.com/office/drawing/2010/main">
-                <a:solidFill>
-                  <a:srgbClr val="FFFFFF"/>
-                </a:solidFill>
-              </a14:hiddenFill>
-            </a:ext>
-          </a:extLst>
-        </p:spPr>
-      </p:pic>
-      <p:pic>
-        <p:nvPicPr>
-          <p:cNvPr id="5" name="Picture 4">
-            <a:extLst>
-              <a:ext uri="{FF2B5EF4-FFF2-40B4-BE49-F238E27FC236}">
-                <a16:creationId xmlns:a16="http://schemas.microsoft.com/office/drawing/2014/main" id="{03E1AE6D-CD8A-D338-42A4-7FFAA97BC27E}"/>
-              </a:ext>
-            </a:extLst>
-          </p:cNvPr>
-          <p:cNvPicPr>
-            <a:picLocks noChangeAspect="1"/>
-          </p:cNvPicPr>
-          <p:nvPr/>
-        </p:nvPicPr>
-        <p:blipFill>
-          <a:blip r:embed="rId3"/>
-          <a:stretch>
-            <a:fillRect/>
-          </a:stretch>
-        </p:blipFill>
-        <p:spPr>
-          <a:xfrm>
-            <a:off x="124269" y="2636409"/>
-            <a:ext cx="1898963" cy="833744"/>
-          </a:xfrm>
-          <a:prstGeom prst="rect">
-            <a:avLst/>
-          </a:prstGeom>
-        </p:spPr>
-      </p:pic>
       <p:grpSp>
         <p:nvGrpSpPr>
-          <p:cNvPr id="8" name="Group 7">
+          <p:cNvPr id="11" name="Group 10">
             <a:extLst>
               <a:ext uri="{FF2B5EF4-FFF2-40B4-BE49-F238E27FC236}">
-                <a16:creationId xmlns:a16="http://schemas.microsoft.com/office/drawing/2014/main" id="{838BC58A-BB07-A300-0CE4-FC4E8DF2D402}"/>
+                <a16:creationId xmlns:a16="http://schemas.microsoft.com/office/drawing/2014/main" id="{3001C110-DFA2-6075-A572-6DF63D52DDFB}"/>
               </a:ext>
             </a:extLst>
           </p:cNvPr>
@@ -3439,12 +3362,199 @@
         </p:nvGrpSpPr>
         <p:grpSpPr>
           <a:xfrm>
-            <a:off x="2489057" y="945094"/>
-            <a:ext cx="1545576" cy="3716012"/>
-            <a:chOff x="5162107" y="1791370"/>
-            <a:chExt cx="2466753" cy="3189982"/>
+            <a:off x="323193" y="480590"/>
+            <a:ext cx="11177410" cy="4344838"/>
+            <a:chOff x="323193" y="480590"/>
+            <a:chExt cx="11177410" cy="4344838"/>
           </a:xfrm>
         </p:grpSpPr>
+        <p:sp>
+          <p:nvSpPr>
+            <p:cNvPr id="3" name="Rectangle 2">
+              <a:extLst>
+                <a:ext uri="{FF2B5EF4-FFF2-40B4-BE49-F238E27FC236}">
+                  <a16:creationId xmlns:a16="http://schemas.microsoft.com/office/drawing/2014/main" id="{ADC0EC5B-4A16-C1B6-47E4-C528BA6B93ED}"/>
+                </a:ext>
+              </a:extLst>
+            </p:cNvPr>
+            <p:cNvSpPr/>
+            <p:nvPr/>
+          </p:nvSpPr>
+          <p:spPr>
+            <a:xfrm>
+              <a:off x="2364912" y="482422"/>
+              <a:ext cx="5471498" cy="4343006"/>
+            </a:xfrm>
+            <a:prstGeom prst="rect">
+              <a:avLst/>
+            </a:prstGeom>
+            <a:noFill/>
+            <a:ln w="19050">
+              <a:solidFill>
+                <a:schemeClr val="tx1">
+                  <a:lumMod val="75000"/>
+                  <a:lumOff val="25000"/>
+                </a:schemeClr>
+              </a:solidFill>
+            </a:ln>
+          </p:spPr>
+          <p:style>
+            <a:lnRef idx="2">
+              <a:schemeClr val="accent1">
+                <a:shade val="50000"/>
+              </a:schemeClr>
+            </a:lnRef>
+            <a:fillRef idx="1">
+              <a:schemeClr val="accent1"/>
+            </a:fillRef>
+            <a:effectRef idx="0">
+              <a:schemeClr val="accent1"/>
+            </a:effectRef>
+            <a:fontRef idx="minor">
+              <a:schemeClr val="lt1"/>
+            </a:fontRef>
+          </p:style>
+          <p:txBody>
+            <a:bodyPr rtlCol="0" anchor="ctr"/>
+            <a:lstStyle/>
+            <a:p>
+              <a:pPr algn="ctr"/>
+              <a:endParaRPr lang="en-AU"/>
+            </a:p>
+          </p:txBody>
+        </p:sp>
+        <p:sp>
+          <p:nvSpPr>
+            <p:cNvPr id="2" name="Rectangle 1">
+              <a:extLst>
+                <a:ext uri="{FF2B5EF4-FFF2-40B4-BE49-F238E27FC236}">
+                  <a16:creationId xmlns:a16="http://schemas.microsoft.com/office/drawing/2014/main" id="{3B55FD8C-38FA-A6F8-9FF8-D030B49F6983}"/>
+                </a:ext>
+              </a:extLst>
+            </p:cNvPr>
+            <p:cNvSpPr/>
+            <p:nvPr/>
+          </p:nvSpPr>
+          <p:spPr>
+            <a:xfrm>
+              <a:off x="323193" y="480590"/>
+              <a:ext cx="1980191" cy="4343006"/>
+            </a:xfrm>
+            <a:prstGeom prst="rect">
+              <a:avLst/>
+            </a:prstGeom>
+            <a:noFill/>
+            <a:ln w="19050">
+              <a:solidFill>
+                <a:schemeClr val="tx1">
+                  <a:lumMod val="75000"/>
+                  <a:lumOff val="25000"/>
+                </a:schemeClr>
+              </a:solidFill>
+            </a:ln>
+          </p:spPr>
+          <p:style>
+            <a:lnRef idx="2">
+              <a:schemeClr val="accent1">
+                <a:shade val="50000"/>
+              </a:schemeClr>
+            </a:lnRef>
+            <a:fillRef idx="1">
+              <a:schemeClr val="accent1"/>
+            </a:fillRef>
+            <a:effectRef idx="0">
+              <a:schemeClr val="accent1"/>
+            </a:effectRef>
+            <a:fontRef idx="minor">
+              <a:schemeClr val="lt1"/>
+            </a:fontRef>
+          </p:style>
+          <p:txBody>
+            <a:bodyPr rtlCol="0" anchor="ctr"/>
+            <a:lstStyle/>
+            <a:p>
+              <a:pPr algn="ctr"/>
+              <a:endParaRPr lang="en-AU"/>
+            </a:p>
+          </p:txBody>
+        </p:sp>
+        <p:pic>
+          <p:nvPicPr>
+            <p:cNvPr id="1026" name="Picture 2" descr="The Thermometer Icon. High Temperature Symbol. Flat Vector Illustration  Royalty Free SVG, Cliparts, Vectors, And Stock Illustration. Image 40776325.">
+              <a:extLst>
+                <a:ext uri="{FF2B5EF4-FFF2-40B4-BE49-F238E27FC236}">
+                  <a16:creationId xmlns:a16="http://schemas.microsoft.com/office/drawing/2014/main" id="{3BAB453F-D8CE-98AA-BAB7-4E7802692464}"/>
+                </a:ext>
+              </a:extLst>
+            </p:cNvPr>
+            <p:cNvPicPr>
+              <a:picLocks noChangeAspect="1" noChangeArrowheads="1"/>
+            </p:cNvPicPr>
+            <p:nvPr/>
+          </p:nvPicPr>
+          <p:blipFill>
+            <a:blip r:embed="rId2">
+              <a:extLst>
+                <a:ext uri="{28A0092B-C50C-407E-A947-70E740481C1C}">
+                  <a14:useLocalDpi xmlns:a14="http://schemas.microsoft.com/office/drawing/2010/main" val="0"/>
+                </a:ext>
+              </a:extLst>
+            </a:blip>
+            <a:srcRect/>
+            <a:stretch>
+              <a:fillRect/>
+            </a:stretch>
+          </p:blipFill>
+          <p:spPr bwMode="auto">
+            <a:xfrm>
+              <a:off x="2486852" y="1977163"/>
+              <a:ext cx="734397" cy="734397"/>
+            </a:xfrm>
+            <a:prstGeom prst="rect">
+              <a:avLst/>
+            </a:prstGeom>
+            <a:noFill/>
+            <a:extLst>
+              <a:ext uri="{909E8E84-426E-40DD-AFC4-6F175D3DCCD1}">
+                <a14:hiddenFill xmlns:a14="http://schemas.microsoft.com/office/drawing/2010/main">
+                  <a:solidFill>
+                    <a:srgbClr val="FFFFFF"/>
+                  </a:solidFill>
+                </a14:hiddenFill>
+              </a:ext>
+            </a:extLst>
+          </p:spPr>
+        </p:pic>
+        <p:pic>
+          <p:nvPicPr>
+            <p:cNvPr id="5" name="Picture 4">
+              <a:extLst>
+                <a:ext uri="{FF2B5EF4-FFF2-40B4-BE49-F238E27FC236}">
+                  <a16:creationId xmlns:a16="http://schemas.microsoft.com/office/drawing/2014/main" id="{03E1AE6D-CD8A-D338-42A4-7FFAA97BC27E}"/>
+                </a:ext>
+              </a:extLst>
+            </p:cNvPr>
+            <p:cNvPicPr>
+              <a:picLocks noChangeAspect="1"/>
+            </p:cNvPicPr>
+            <p:nvPr/>
+          </p:nvPicPr>
+          <p:blipFill>
+            <a:blip r:embed="rId3"/>
+            <a:stretch>
+              <a:fillRect/>
+            </a:stretch>
+          </p:blipFill>
+          <p:spPr>
+            <a:xfrm>
+              <a:off x="386342" y="2608397"/>
+              <a:ext cx="1898963" cy="838800"/>
+            </a:xfrm>
+            <a:prstGeom prst="rect">
+              <a:avLst/>
+            </a:prstGeom>
+          </p:spPr>
+        </p:pic>
         <p:sp>
           <p:nvSpPr>
             <p:cNvPr id="13" name="TextBox 12">
@@ -3459,8 +3569,8 @@
           </p:nvSpPr>
           <p:spPr>
             <a:xfrm>
-              <a:off x="5410238" y="1791370"/>
-              <a:ext cx="2051302" cy="197392"/>
+              <a:off x="2644527" y="945094"/>
+              <a:ext cx="1285270" cy="229942"/>
             </a:xfrm>
             <a:prstGeom prst="rect">
               <a:avLst/>
@@ -3497,8 +3607,8 @@
           </p:nvSpPr>
           <p:spPr>
             <a:xfrm>
-              <a:off x="5162107" y="2066594"/>
-              <a:ext cx="2466753" cy="2914758"/>
+              <a:off x="2489057" y="1265703"/>
+              <a:ext cx="1545576" cy="3395403"/>
             </a:xfrm>
             <a:prstGeom prst="roundRect">
               <a:avLst/>
@@ -3506,8 +3616,11 @@
             <a:noFill/>
             <a:ln>
               <a:solidFill>
-                <a:schemeClr val="tx1"/>
+                <a:schemeClr val="bg1">
+                  <a:lumMod val="85000"/>
+                </a:schemeClr>
               </a:solidFill>
+              <a:prstDash val="sysDash"/>
             </a:ln>
           </p:spPr>
           <p:style>
@@ -3540,1120 +3653,1033 @@
             </a:p>
           </p:txBody>
         </p:sp>
-      </p:grpSp>
-      <p:cxnSp>
-        <p:nvCxnSpPr>
-          <p:cNvPr id="22" name="Straight Connector 21">
-            <a:extLst>
-              <a:ext uri="{FF2B5EF4-FFF2-40B4-BE49-F238E27FC236}">
-                <a16:creationId xmlns:a16="http://schemas.microsoft.com/office/drawing/2014/main" id="{4B88ABB8-DFC3-B519-756D-0CFC153F2F1A}"/>
-              </a:ext>
-            </a:extLst>
-          </p:cNvPr>
-          <p:cNvCxnSpPr>
-            <a:cxnSpLocks/>
-          </p:cNvCxnSpPr>
-          <p:nvPr/>
-        </p:nvCxnSpPr>
-        <p:spPr>
-          <a:xfrm>
-            <a:off x="1966165" y="3038326"/>
-            <a:ext cx="404440" cy="0"/>
-          </a:xfrm>
-          <a:prstGeom prst="line">
-            <a:avLst/>
-          </a:prstGeom>
-          <a:ln w="76200">
+        <p:sp>
+          <p:nvSpPr>
+            <p:cNvPr id="23" name="TextBox 22">
+              <a:extLst>
+                <a:ext uri="{FF2B5EF4-FFF2-40B4-BE49-F238E27FC236}">
+                  <a16:creationId xmlns:a16="http://schemas.microsoft.com/office/drawing/2014/main" id="{3B5D5793-03C9-03D8-0411-D17AB5CFDF55}"/>
+                </a:ext>
+              </a:extLst>
+            </p:cNvPr>
+            <p:cNvSpPr txBox="1"/>
+            <p:nvPr/>
+          </p:nvSpPr>
+          <p:spPr>
+            <a:xfrm>
+              <a:off x="349967" y="547070"/>
+              <a:ext cx="1875138" cy="461665"/>
+            </a:xfrm>
+            <a:prstGeom prst="rect">
+              <a:avLst/>
+            </a:prstGeom>
+            <a:noFill/>
+          </p:spPr>
+          <p:txBody>
+            <a:bodyPr wrap="square" rtlCol="0">
+              <a:spAutoFit/>
+            </a:bodyPr>
+            <a:lstStyle/>
+            <a:p>
+              <a:pPr algn="ctr"/>
+              <a:r>
+                <a:rPr lang="en-AU" sz="1200" b="1" dirty="0">
+                  <a:latin typeface="Arial Nova Cond" panose="020B0604020202020204" pitchFamily="34" charset="0"/>
+                </a:rPr>
+                <a:t>(A) Generic AR6 IPCC framework</a:t>
+              </a:r>
+            </a:p>
+          </p:txBody>
+        </p:sp>
+        <p:sp>
+          <p:nvSpPr>
+            <p:cNvPr id="24" name="TextBox 23">
+              <a:extLst>
+                <a:ext uri="{FF2B5EF4-FFF2-40B4-BE49-F238E27FC236}">
+                  <a16:creationId xmlns:a16="http://schemas.microsoft.com/office/drawing/2014/main" id="{A4D80F18-F860-BA02-9CD0-A655DC7E145F}"/>
+                </a:ext>
+              </a:extLst>
+            </p:cNvPr>
+            <p:cNvSpPr txBox="1"/>
+            <p:nvPr/>
+          </p:nvSpPr>
+          <p:spPr>
+            <a:xfrm>
+              <a:off x="2704761" y="536175"/>
+              <a:ext cx="4408915" cy="276999"/>
+            </a:xfrm>
+            <a:prstGeom prst="rect">
+              <a:avLst/>
+            </a:prstGeom>
+            <a:noFill/>
+          </p:spPr>
+          <p:txBody>
+            <a:bodyPr wrap="square" rtlCol="0">
+              <a:spAutoFit/>
+            </a:bodyPr>
+            <a:lstStyle/>
+            <a:p>
+              <a:pPr algn="ctr"/>
+              <a:r>
+                <a:rPr lang="en-AU" sz="1200" b="1" dirty="0">
+                  <a:latin typeface="Arial Nova Cond" panose="020B0604020202020204" pitchFamily="34" charset="0"/>
+                </a:rPr>
+                <a:t>(B) Agroecological risk framework</a:t>
+              </a:r>
+            </a:p>
+          </p:txBody>
+        </p:sp>
+        <p:pic>
+          <p:nvPicPr>
+            <p:cNvPr id="1028" name="Picture 4" descr="Outline Thermometer Icon. Red Hot Temperature Symbol Stock Vector -  Illustration of healthy, icon: 163743870">
+              <a:extLst>
+                <a:ext uri="{FF2B5EF4-FFF2-40B4-BE49-F238E27FC236}">
+                  <a16:creationId xmlns:a16="http://schemas.microsoft.com/office/drawing/2014/main" id="{BB96E1CE-8D13-032A-85CA-35CD1E40C6BD}"/>
+                </a:ext>
+              </a:extLst>
+            </p:cNvPr>
+            <p:cNvPicPr>
+              <a:picLocks noChangeAspect="1" noChangeArrowheads="1"/>
+            </p:cNvPicPr>
+            <p:nvPr/>
+          </p:nvPicPr>
+          <p:blipFill>
+            <a:blip r:embed="rId4">
+              <a:extLst>
+                <a:ext uri="{28A0092B-C50C-407E-A947-70E740481C1C}">
+                  <a14:useLocalDpi xmlns:a14="http://schemas.microsoft.com/office/drawing/2010/main" val="0"/>
+                </a:ext>
+              </a:extLst>
+            </a:blip>
+            <a:srcRect/>
+            <a:stretch>
+              <a:fillRect/>
+            </a:stretch>
+          </p:blipFill>
+          <p:spPr bwMode="auto">
+            <a:xfrm flipH="1">
+              <a:off x="2537555" y="1394384"/>
+              <a:ext cx="667154" cy="667154"/>
+            </a:xfrm>
+            <a:prstGeom prst="rect">
+              <a:avLst/>
+            </a:prstGeom>
+            <a:noFill/>
+            <a:extLst>
+              <a:ext uri="{909E8E84-426E-40DD-AFC4-6F175D3DCCD1}">
+                <a14:hiddenFill xmlns:a14="http://schemas.microsoft.com/office/drawing/2010/main">
+                  <a:solidFill>
+                    <a:srgbClr val="FFFFFF"/>
+                  </a:solidFill>
+                </a14:hiddenFill>
+              </a:ext>
+            </a:extLst>
+          </p:spPr>
+        </p:pic>
+        <p:pic>
+          <p:nvPicPr>
+            <p:cNvPr id="1030" name="Picture 6" descr="Ph Water Line Icon Vector Illustration Stock Illustration - Download Image  Now - Sea, pH value, Backgrounds - iStock">
+              <a:extLst>
+                <a:ext uri="{FF2B5EF4-FFF2-40B4-BE49-F238E27FC236}">
+                  <a16:creationId xmlns:a16="http://schemas.microsoft.com/office/drawing/2014/main" id="{7F65E054-EA7D-DFF9-3592-AF3AC366B135}"/>
+                </a:ext>
+              </a:extLst>
+            </p:cNvPr>
+            <p:cNvPicPr>
+              <a:picLocks noChangeAspect="1" noChangeArrowheads="1"/>
+            </p:cNvPicPr>
+            <p:nvPr/>
+          </p:nvPicPr>
+          <p:blipFill>
+            <a:blip r:embed="rId5">
+              <a:extLst>
+                <a:ext uri="{28A0092B-C50C-407E-A947-70E740481C1C}">
+                  <a14:useLocalDpi xmlns:a14="http://schemas.microsoft.com/office/drawing/2010/main" val="0"/>
+                </a:ext>
+              </a:extLst>
+            </a:blip>
+            <a:srcRect/>
+            <a:stretch>
+              <a:fillRect/>
+            </a:stretch>
+          </p:blipFill>
+          <p:spPr bwMode="auto">
+            <a:xfrm>
+              <a:off x="2552162" y="3199910"/>
+              <a:ext cx="669087" cy="669087"/>
+            </a:xfrm>
+            <a:prstGeom prst="rect">
+              <a:avLst/>
+            </a:prstGeom>
+            <a:noFill/>
+            <a:extLst>
+              <a:ext uri="{909E8E84-426E-40DD-AFC4-6F175D3DCCD1}">
+                <a14:hiddenFill xmlns:a14="http://schemas.microsoft.com/office/drawing/2010/main">
+                  <a:solidFill>
+                    <a:srgbClr val="FFFFFF"/>
+                  </a:solidFill>
+                </a14:hiddenFill>
+              </a:ext>
+            </a:extLst>
+          </p:spPr>
+        </p:pic>
+        <p:pic>
+          <p:nvPicPr>
+            <p:cNvPr id="1032" name="Picture 8" descr="Sea Temperature - Apps on Google Play">
+              <a:extLst>
+                <a:ext uri="{FF2B5EF4-FFF2-40B4-BE49-F238E27FC236}">
+                  <a16:creationId xmlns:a16="http://schemas.microsoft.com/office/drawing/2014/main" id="{14018988-8018-09C3-E11A-7256A69A3C64}"/>
+                </a:ext>
+              </a:extLst>
+            </p:cNvPr>
+            <p:cNvPicPr>
+              <a:picLocks noChangeAspect="1" noChangeArrowheads="1"/>
+            </p:cNvPicPr>
+            <p:nvPr/>
+          </p:nvPicPr>
+          <p:blipFill>
+            <a:blip r:embed="rId6">
+              <a:extLst>
+                <a:ext uri="{28A0092B-C50C-407E-A947-70E740481C1C}">
+                  <a14:useLocalDpi xmlns:a14="http://schemas.microsoft.com/office/drawing/2010/main" val="0"/>
+                </a:ext>
+              </a:extLst>
+            </a:blip>
+            <a:srcRect/>
+            <a:stretch>
+              <a:fillRect/>
+            </a:stretch>
+          </p:blipFill>
+          <p:spPr bwMode="auto">
+            <a:xfrm>
+              <a:off x="2558091" y="2673591"/>
+              <a:ext cx="584178" cy="584178"/>
+            </a:xfrm>
+            <a:prstGeom prst="rect">
+              <a:avLst/>
+            </a:prstGeom>
+            <a:noFill/>
+            <a:extLst>
+              <a:ext uri="{909E8E84-426E-40DD-AFC4-6F175D3DCCD1}">
+                <a14:hiddenFill xmlns:a14="http://schemas.microsoft.com/office/drawing/2010/main">
+                  <a:solidFill>
+                    <a:srgbClr val="FFFFFF"/>
+                  </a:solidFill>
+                </a14:hiddenFill>
+              </a:ext>
+            </a:extLst>
+          </p:spPr>
+        </p:pic>
+        <p:pic>
+          <p:nvPicPr>
+            <p:cNvPr id="1034" name="Picture 10" descr="Drought - Free nature icons">
+              <a:extLst>
+                <a:ext uri="{FF2B5EF4-FFF2-40B4-BE49-F238E27FC236}">
+                  <a16:creationId xmlns:a16="http://schemas.microsoft.com/office/drawing/2014/main" id="{155C8998-25AD-2E8D-52DF-4BA1987987D2}"/>
+                </a:ext>
+              </a:extLst>
+            </p:cNvPr>
+            <p:cNvPicPr>
+              <a:picLocks noChangeAspect="1" noChangeArrowheads="1"/>
+            </p:cNvPicPr>
+            <p:nvPr/>
+          </p:nvPicPr>
+          <p:blipFill>
+            <a:blip r:embed="rId7">
+              <a:extLst>
+                <a:ext uri="{28A0092B-C50C-407E-A947-70E740481C1C}">
+                  <a14:useLocalDpi xmlns:a14="http://schemas.microsoft.com/office/drawing/2010/main" val="0"/>
+                </a:ext>
+              </a:extLst>
+            </a:blip>
+            <a:srcRect/>
+            <a:stretch>
+              <a:fillRect/>
+            </a:stretch>
+          </p:blipFill>
+          <p:spPr bwMode="auto">
+            <a:xfrm>
+              <a:off x="2568648" y="3927247"/>
+              <a:ext cx="563063" cy="563063"/>
+            </a:xfrm>
+            <a:prstGeom prst="rect">
+              <a:avLst/>
+            </a:prstGeom>
+            <a:noFill/>
+            <a:extLst>
+              <a:ext uri="{909E8E84-426E-40DD-AFC4-6F175D3DCCD1}">
+                <a14:hiddenFill xmlns:a14="http://schemas.microsoft.com/office/drawing/2010/main">
+                  <a:solidFill>
+                    <a:srgbClr val="FFFFFF"/>
+                  </a:solidFill>
+                </a14:hiddenFill>
+              </a:ext>
+            </a:extLst>
+          </p:spPr>
+        </p:pic>
+        <p:sp>
+          <p:nvSpPr>
+            <p:cNvPr id="25" name="TextBox 24">
+              <a:extLst>
+                <a:ext uri="{FF2B5EF4-FFF2-40B4-BE49-F238E27FC236}">
+                  <a16:creationId xmlns:a16="http://schemas.microsoft.com/office/drawing/2014/main" id="{642B5C5A-56C4-A359-5CC6-9AD5BB13D46C}"/>
+                </a:ext>
+              </a:extLst>
+            </p:cNvPr>
+            <p:cNvSpPr txBox="1"/>
+            <p:nvPr/>
+          </p:nvSpPr>
+          <p:spPr>
+            <a:xfrm>
+              <a:off x="4478631" y="984559"/>
+              <a:ext cx="1342834" cy="261610"/>
+            </a:xfrm>
+            <a:prstGeom prst="rect">
+              <a:avLst/>
+            </a:prstGeom>
+            <a:noFill/>
+          </p:spPr>
+          <p:txBody>
+            <a:bodyPr wrap="square" rtlCol="0">
+              <a:spAutoFit/>
+            </a:bodyPr>
+            <a:lstStyle/>
+            <a:p>
+              <a:pPr algn="ctr"/>
+              <a:r>
+                <a:rPr lang="en-AU" sz="1100" b="1" dirty="0">
+                  <a:latin typeface="Arial Nova Cond" panose="020B0604020202020204" pitchFamily="34" charset="0"/>
+                </a:rPr>
+                <a:t>SYSTEMS AT RISK</a:t>
+              </a:r>
+            </a:p>
+          </p:txBody>
+        </p:sp>
+        <p:sp>
+          <p:nvSpPr>
+            <p:cNvPr id="26" name="Rectangle: Rounded Corners 25">
+              <a:extLst>
+                <a:ext uri="{FF2B5EF4-FFF2-40B4-BE49-F238E27FC236}">
+                  <a16:creationId xmlns:a16="http://schemas.microsoft.com/office/drawing/2014/main" id="{1F050C67-ED07-5A66-07CC-BD4434BCA770}"/>
+                </a:ext>
+              </a:extLst>
+            </p:cNvPr>
+            <p:cNvSpPr/>
+            <p:nvPr/>
+          </p:nvSpPr>
+          <p:spPr>
+            <a:xfrm>
+              <a:off x="4382998" y="1265703"/>
+              <a:ext cx="1562654" cy="3395403"/>
+            </a:xfrm>
+            <a:prstGeom prst="roundRect">
+              <a:avLst/>
+            </a:prstGeom>
+            <a:noFill/>
+            <a:ln w="19050">
+              <a:solidFill>
+                <a:schemeClr val="bg1">
+                  <a:lumMod val="85000"/>
+                </a:schemeClr>
+              </a:solidFill>
+              <a:prstDash val="sysDot"/>
+            </a:ln>
+          </p:spPr>
+          <p:style>
+            <a:lnRef idx="2">
+              <a:schemeClr val="accent1">
+                <a:shade val="50000"/>
+              </a:schemeClr>
+            </a:lnRef>
+            <a:fillRef idx="1">
+              <a:schemeClr val="accent1"/>
+            </a:fillRef>
+            <a:effectRef idx="0">
+              <a:schemeClr val="accent1"/>
+            </a:effectRef>
+            <a:fontRef idx="minor">
+              <a:schemeClr val="lt1"/>
+            </a:fontRef>
+          </p:style>
+          <p:txBody>
+            <a:bodyPr rtlCol="0" anchor="ctr"/>
+            <a:lstStyle/>
+            <a:p>
+              <a:pPr algn="ctr"/>
+              <a:endParaRPr lang="en-AU" sz="1100" b="1">
+                <a:solidFill>
+                  <a:schemeClr val="tx1"/>
+                </a:solidFill>
+                <a:latin typeface="Arial Nova Cond" panose="020B0604020202020204" pitchFamily="34" charset="0"/>
+              </a:endParaRPr>
+            </a:p>
+          </p:txBody>
+        </p:sp>
+        <p:sp>
+          <p:nvSpPr>
+            <p:cNvPr id="30" name="Multiplication Sign 29">
+              <a:extLst>
+                <a:ext uri="{FF2B5EF4-FFF2-40B4-BE49-F238E27FC236}">
+                  <a16:creationId xmlns:a16="http://schemas.microsoft.com/office/drawing/2014/main" id="{1FDD5E74-163A-E4C8-7653-EDE25B31A39F}"/>
+                </a:ext>
+              </a:extLst>
+            </p:cNvPr>
+            <p:cNvSpPr/>
+            <p:nvPr/>
+          </p:nvSpPr>
+          <p:spPr>
+            <a:xfrm>
+              <a:off x="4048906" y="2795021"/>
+              <a:ext cx="325294" cy="372425"/>
+            </a:xfrm>
+            <a:prstGeom prst="mathMultiply">
+              <a:avLst/>
+            </a:prstGeom>
             <a:solidFill>
               <a:schemeClr val="tx1"/>
             </a:solidFill>
-            <a:headEnd type="none" w="med" len="med"/>
-            <a:tailEnd type="triangle" w="med" len="med"/>
-          </a:ln>
-        </p:spPr>
-        <p:style>
-          <a:lnRef idx="1">
-            <a:schemeClr val="accent1"/>
-          </a:lnRef>
-          <a:fillRef idx="0">
-            <a:schemeClr val="accent1"/>
-          </a:fillRef>
-          <a:effectRef idx="0">
-            <a:schemeClr val="accent1"/>
-          </a:effectRef>
-          <a:fontRef idx="minor">
-            <a:schemeClr val="tx1"/>
-          </a:fontRef>
-        </p:style>
-      </p:cxnSp>
-      <p:sp>
-        <p:nvSpPr>
-          <p:cNvPr id="23" name="TextBox 22">
-            <a:extLst>
-              <a:ext uri="{FF2B5EF4-FFF2-40B4-BE49-F238E27FC236}">
-                <a16:creationId xmlns:a16="http://schemas.microsoft.com/office/drawing/2014/main" id="{3B5D5793-03C9-03D8-0411-D17AB5CFDF55}"/>
-              </a:ext>
-            </a:extLst>
-          </p:cNvPr>
-          <p:cNvSpPr txBox="1"/>
-          <p:nvPr/>
-        </p:nvSpPr>
-        <p:spPr>
-          <a:xfrm>
-            <a:off x="129985" y="4648101"/>
-            <a:ext cx="1721856" cy="830997"/>
-          </a:xfrm>
-          <a:prstGeom prst="rect">
-            <a:avLst/>
-          </a:prstGeom>
-          <a:noFill/>
-        </p:spPr>
-        <p:txBody>
-          <a:bodyPr wrap="square" rtlCol="0">
-            <a:spAutoFit/>
-          </a:bodyPr>
-          <a:lstStyle/>
-          <a:p>
-            <a:pPr algn="ctr"/>
-            <a:r>
-              <a:rPr lang="en-AU" sz="1600" b="1" dirty="0">
+            <a:ln>
+              <a:solidFill>
+                <a:schemeClr val="tx1"/>
+              </a:solidFill>
+            </a:ln>
+          </p:spPr>
+          <p:style>
+            <a:lnRef idx="2">
+              <a:schemeClr val="accent1">
+                <a:shade val="50000"/>
+              </a:schemeClr>
+            </a:lnRef>
+            <a:fillRef idx="1">
+              <a:schemeClr val="accent1"/>
+            </a:fillRef>
+            <a:effectRef idx="0">
+              <a:schemeClr val="accent1"/>
+            </a:effectRef>
+            <a:fontRef idx="minor">
+              <a:schemeClr val="lt1"/>
+            </a:fontRef>
+          </p:style>
+          <p:txBody>
+            <a:bodyPr rtlCol="0" anchor="ctr"/>
+            <a:lstStyle/>
+            <a:p>
+              <a:pPr algn="ctr"/>
+              <a:endParaRPr lang="en-AU" sz="1600"/>
+            </a:p>
+          </p:txBody>
+        </p:sp>
+        <p:sp>
+          <p:nvSpPr>
+            <p:cNvPr id="31" name="TextBox 30">
+              <a:extLst>
+                <a:ext uri="{FF2B5EF4-FFF2-40B4-BE49-F238E27FC236}">
+                  <a16:creationId xmlns:a16="http://schemas.microsoft.com/office/drawing/2014/main" id="{D33605A1-3EF9-2631-962A-B3BDD1262062}"/>
+                </a:ext>
+              </a:extLst>
+            </p:cNvPr>
+            <p:cNvSpPr txBox="1"/>
+            <p:nvPr/>
+          </p:nvSpPr>
+          <p:spPr>
+            <a:xfrm>
+              <a:off x="3045981" y="1548415"/>
+              <a:ext cx="874841" cy="430887"/>
+            </a:xfrm>
+            <a:prstGeom prst="rect">
+              <a:avLst/>
+            </a:prstGeom>
+            <a:noFill/>
+          </p:spPr>
+          <p:txBody>
+            <a:bodyPr wrap="square" rtlCol="0">
+              <a:spAutoFit/>
+            </a:bodyPr>
+            <a:lstStyle/>
+            <a:p>
+              <a:pPr algn="ctr"/>
+              <a:r>
+                <a:rPr lang="en-AU" sz="1050" b="1" dirty="0">
+                  <a:latin typeface="Arial Nova Cond" panose="020B0604020202020204" pitchFamily="34" charset="0"/>
+                </a:rPr>
+                <a:t>Warming trend</a:t>
+              </a:r>
+            </a:p>
+          </p:txBody>
+        </p:sp>
+        <p:sp>
+          <p:nvSpPr>
+            <p:cNvPr id="32" name="TextBox 31">
+              <a:extLst>
+                <a:ext uri="{FF2B5EF4-FFF2-40B4-BE49-F238E27FC236}">
+                  <a16:creationId xmlns:a16="http://schemas.microsoft.com/office/drawing/2014/main" id="{456014A5-794A-EE0A-F745-AD59E13E8A93}"/>
+                </a:ext>
+              </a:extLst>
+            </p:cNvPr>
+            <p:cNvSpPr txBox="1"/>
+            <p:nvPr/>
+          </p:nvSpPr>
+          <p:spPr>
+            <a:xfrm>
+              <a:off x="3105117" y="2124491"/>
+              <a:ext cx="874841" cy="423193"/>
+            </a:xfrm>
+            <a:prstGeom prst="rect">
+              <a:avLst/>
+            </a:prstGeom>
+            <a:noFill/>
+          </p:spPr>
+          <p:txBody>
+            <a:bodyPr wrap="square" rtlCol="0">
+              <a:spAutoFit/>
+            </a:bodyPr>
+            <a:lstStyle/>
+            <a:p>
+              <a:pPr algn="ctr"/>
+              <a:r>
+                <a:rPr lang="en-AU" sz="1100" b="1" dirty="0">
+                  <a:latin typeface="Arial Nova Cond" panose="020B0604020202020204" pitchFamily="34" charset="0"/>
+                </a:rPr>
+                <a:t>Extreme </a:t>
+              </a:r>
+              <a:r>
+                <a:rPr lang="en-AU" sz="1050" b="1" dirty="0">
+                  <a:latin typeface="Arial Nova Cond" panose="020B0604020202020204" pitchFamily="34" charset="0"/>
+                </a:rPr>
+                <a:t>temperature</a:t>
+              </a:r>
+              <a:endParaRPr lang="en-AU" sz="1100" b="1" dirty="0">
                 <a:latin typeface="Arial Nova Cond" panose="020B0604020202020204" pitchFamily="34" charset="0"/>
-              </a:rPr>
-              <a:t>(A)</a:t>
-            </a:r>
-          </a:p>
-          <a:p>
-            <a:pPr algn="ctr"/>
-            <a:r>
-              <a:rPr lang="en-AU" sz="1600" b="1" dirty="0">
+              </a:endParaRPr>
+            </a:p>
+          </p:txBody>
+        </p:sp>
+        <p:sp>
+          <p:nvSpPr>
+            <p:cNvPr id="33" name="TextBox 32">
+              <a:extLst>
+                <a:ext uri="{FF2B5EF4-FFF2-40B4-BE49-F238E27FC236}">
+                  <a16:creationId xmlns:a16="http://schemas.microsoft.com/office/drawing/2014/main" id="{41FF199B-6A07-466B-6807-21BA92C0A715}"/>
+                </a:ext>
+              </a:extLst>
+            </p:cNvPr>
+            <p:cNvSpPr txBox="1"/>
+            <p:nvPr/>
+          </p:nvSpPr>
+          <p:spPr>
+            <a:xfrm>
+              <a:off x="3105116" y="2761484"/>
+              <a:ext cx="874841" cy="415498"/>
+            </a:xfrm>
+            <a:prstGeom prst="rect">
+              <a:avLst/>
+            </a:prstGeom>
+            <a:noFill/>
+          </p:spPr>
+          <p:txBody>
+            <a:bodyPr wrap="square" rtlCol="0">
+              <a:spAutoFit/>
+            </a:bodyPr>
+            <a:lstStyle/>
+            <a:p>
+              <a:pPr algn="ctr"/>
+              <a:r>
+                <a:rPr lang="en-AU" sz="1050" b="1" dirty="0">
+                  <a:latin typeface="Arial Nova Cond" panose="020B0604020202020204" pitchFamily="34" charset="0"/>
+                </a:rPr>
+                <a:t>Sea surface temperature</a:t>
+              </a:r>
+            </a:p>
+          </p:txBody>
+        </p:sp>
+        <p:sp>
+          <p:nvSpPr>
+            <p:cNvPr id="34" name="TextBox 33">
+              <a:extLst>
+                <a:ext uri="{FF2B5EF4-FFF2-40B4-BE49-F238E27FC236}">
+                  <a16:creationId xmlns:a16="http://schemas.microsoft.com/office/drawing/2014/main" id="{DFD044A8-FA92-D338-1166-23F232882A81}"/>
+                </a:ext>
+              </a:extLst>
+            </p:cNvPr>
+            <p:cNvSpPr txBox="1"/>
+            <p:nvPr/>
+          </p:nvSpPr>
+          <p:spPr>
+            <a:xfrm>
+              <a:off x="3125646" y="3353158"/>
+              <a:ext cx="874841" cy="415498"/>
+            </a:xfrm>
+            <a:prstGeom prst="rect">
+              <a:avLst/>
+            </a:prstGeom>
+            <a:noFill/>
+          </p:spPr>
+          <p:txBody>
+            <a:bodyPr wrap="square" rtlCol="0">
+              <a:spAutoFit/>
+            </a:bodyPr>
+            <a:lstStyle/>
+            <a:p>
+              <a:pPr algn="ctr"/>
+              <a:r>
+                <a:rPr lang="en-AU" sz="1050" b="1" dirty="0">
+                  <a:latin typeface="Arial Nova Cond" panose="020B0604020202020204" pitchFamily="34" charset="0"/>
+                </a:rPr>
+                <a:t>Ocean acidification</a:t>
+              </a:r>
+            </a:p>
+          </p:txBody>
+        </p:sp>
+        <p:sp>
+          <p:nvSpPr>
+            <p:cNvPr id="35" name="TextBox 34">
+              <a:extLst>
+                <a:ext uri="{FF2B5EF4-FFF2-40B4-BE49-F238E27FC236}">
+                  <a16:creationId xmlns:a16="http://schemas.microsoft.com/office/drawing/2014/main" id="{5515AE14-81EE-E73E-EEFF-BFC820611D98}"/>
+                </a:ext>
+              </a:extLst>
+            </p:cNvPr>
+            <p:cNvSpPr txBox="1"/>
+            <p:nvPr/>
+          </p:nvSpPr>
+          <p:spPr>
+            <a:xfrm>
+              <a:off x="3157562" y="4078520"/>
+              <a:ext cx="874841" cy="430887"/>
+            </a:xfrm>
+            <a:prstGeom prst="rect">
+              <a:avLst/>
+            </a:prstGeom>
+            <a:noFill/>
+          </p:spPr>
+          <p:txBody>
+            <a:bodyPr wrap="square" rtlCol="0">
+              <a:spAutoFit/>
+            </a:bodyPr>
+            <a:lstStyle/>
+            <a:p>
+              <a:pPr algn="ctr"/>
+              <a:r>
+                <a:rPr lang="en-AU" sz="1100" b="1" dirty="0">
+                  <a:latin typeface="Arial Nova Cond" panose="020B0604020202020204" pitchFamily="34" charset="0"/>
+                </a:rPr>
+                <a:t>Drying extremes</a:t>
+              </a:r>
+            </a:p>
+          </p:txBody>
+        </p:sp>
+        <p:pic>
+          <p:nvPicPr>
+            <p:cNvPr id="1038" name="Picture 14" descr="Silhouette Ears Of Wheat Icon. Crop Symbol Isolated On White Background.  Illustration. Royalty Free SVG, Cliparts, Vectors, And Stock Illustration.  Image 62120455.">
+              <a:extLst>
+                <a:ext uri="{FF2B5EF4-FFF2-40B4-BE49-F238E27FC236}">
+                  <a16:creationId xmlns:a16="http://schemas.microsoft.com/office/drawing/2014/main" id="{E7114ADD-8202-8FF5-9978-298654B47E07}"/>
+                </a:ext>
+              </a:extLst>
+            </p:cNvPr>
+            <p:cNvPicPr>
+              <a:picLocks noChangeAspect="1" noChangeArrowheads="1"/>
+            </p:cNvPicPr>
+            <p:nvPr/>
+          </p:nvPicPr>
+          <p:blipFill>
+            <a:blip r:embed="rId8">
+              <a:extLst>
+                <a:ext uri="{28A0092B-C50C-407E-A947-70E740481C1C}">
+                  <a14:useLocalDpi xmlns:a14="http://schemas.microsoft.com/office/drawing/2010/main" val="0"/>
+                </a:ext>
+              </a:extLst>
+            </a:blip>
+            <a:srcRect/>
+            <a:stretch>
+              <a:fillRect/>
+            </a:stretch>
+          </p:blipFill>
+          <p:spPr bwMode="auto">
+            <a:xfrm>
+              <a:off x="4562022" y="1333862"/>
+              <a:ext cx="483535" cy="483535"/>
+            </a:xfrm>
+            <a:prstGeom prst="rect">
+              <a:avLst/>
+            </a:prstGeom>
+            <a:noFill/>
+            <a:extLst>
+              <a:ext uri="{909E8E84-426E-40DD-AFC4-6F175D3DCCD1}">
+                <a14:hiddenFill xmlns:a14="http://schemas.microsoft.com/office/drawing/2010/main">
+                  <a:solidFill>
+                    <a:srgbClr val="FFFFFF"/>
+                  </a:solidFill>
+                </a14:hiddenFill>
+              </a:ext>
+            </a:extLst>
+          </p:spPr>
+        </p:pic>
+        <p:sp>
+          <p:nvSpPr>
+            <p:cNvPr id="37" name="Rectangle: Rounded Corners 36">
+              <a:extLst>
+                <a:ext uri="{FF2B5EF4-FFF2-40B4-BE49-F238E27FC236}">
+                  <a16:creationId xmlns:a16="http://schemas.microsoft.com/office/drawing/2014/main" id="{12CB17DD-AF53-0C1B-675B-463B5D88EA75}"/>
+                </a:ext>
+              </a:extLst>
+            </p:cNvPr>
+            <p:cNvSpPr/>
+            <p:nvPr/>
+          </p:nvSpPr>
+          <p:spPr>
+            <a:xfrm>
+              <a:off x="6267115" y="1283381"/>
+              <a:ext cx="1515524" cy="3359793"/>
+            </a:xfrm>
+            <a:prstGeom prst="roundRect">
+              <a:avLst/>
+            </a:prstGeom>
+            <a:noFill/>
+            <a:ln w="19050">
+              <a:solidFill>
+                <a:schemeClr val="bg1">
+                  <a:lumMod val="85000"/>
+                </a:schemeClr>
+              </a:solidFill>
+              <a:prstDash val="sysDot"/>
+            </a:ln>
+          </p:spPr>
+          <p:style>
+            <a:lnRef idx="2">
+              <a:schemeClr val="accent1">
+                <a:shade val="50000"/>
+              </a:schemeClr>
+            </a:lnRef>
+            <a:fillRef idx="1">
+              <a:schemeClr val="accent1"/>
+            </a:fillRef>
+            <a:effectRef idx="0">
+              <a:schemeClr val="accent1"/>
+            </a:effectRef>
+            <a:fontRef idx="minor">
+              <a:schemeClr val="lt1"/>
+            </a:fontRef>
+          </p:style>
+          <p:txBody>
+            <a:bodyPr rtlCol="0" anchor="ctr"/>
+            <a:lstStyle/>
+            <a:p>
+              <a:pPr algn="ctr"/>
+              <a:endParaRPr lang="en-AU" sz="1100" b="1">
+                <a:solidFill>
+                  <a:schemeClr val="tx1"/>
+                </a:solidFill>
                 <a:latin typeface="Arial Nova Cond" panose="020B0604020202020204" pitchFamily="34" charset="0"/>
-              </a:rPr>
-              <a:t>Generic AR6 </a:t>
-            </a:r>
-          </a:p>
-          <a:p>
-            <a:pPr algn="ctr"/>
-            <a:r>
-              <a:rPr lang="en-AU" sz="1600" b="1" dirty="0">
-                <a:latin typeface="Arial Nova Cond" panose="020B0604020202020204" pitchFamily="34" charset="0"/>
-              </a:rPr>
-              <a:t>IPCC framework</a:t>
-            </a:r>
-          </a:p>
-        </p:txBody>
-      </p:sp>
-      <p:sp>
-        <p:nvSpPr>
-          <p:cNvPr id="24" name="TextBox 23">
-            <a:extLst>
-              <a:ext uri="{FF2B5EF4-FFF2-40B4-BE49-F238E27FC236}">
-                <a16:creationId xmlns:a16="http://schemas.microsoft.com/office/drawing/2014/main" id="{A4D80F18-F860-BA02-9CD0-A655DC7E145F}"/>
-              </a:ext>
-            </a:extLst>
-          </p:cNvPr>
-          <p:cNvSpPr txBox="1"/>
-          <p:nvPr/>
-        </p:nvSpPr>
-        <p:spPr>
-          <a:xfrm>
-            <a:off x="4211553" y="4738852"/>
-            <a:ext cx="2228722" cy="830997"/>
-          </a:xfrm>
-          <a:prstGeom prst="rect">
-            <a:avLst/>
-          </a:prstGeom>
-          <a:noFill/>
-        </p:spPr>
-        <p:txBody>
-          <a:bodyPr wrap="square" rtlCol="0">
-            <a:spAutoFit/>
-          </a:bodyPr>
-          <a:lstStyle/>
-          <a:p>
-            <a:pPr algn="ctr"/>
-            <a:r>
-              <a:rPr lang="en-AU" sz="1600" b="1" dirty="0">
-                <a:latin typeface="Arial Nova Cond" panose="020B0604020202020204" pitchFamily="34" charset="0"/>
-              </a:rPr>
-              <a:t>(B) </a:t>
-            </a:r>
-          </a:p>
-          <a:p>
-            <a:pPr algn="ctr"/>
-            <a:r>
-              <a:rPr lang="en-AU" sz="1600" b="1" dirty="0">
-                <a:latin typeface="Arial Nova Cond" panose="020B0604020202020204" pitchFamily="34" charset="0"/>
-              </a:rPr>
-              <a:t>Agroecological risk framework</a:t>
-            </a:r>
-          </a:p>
-        </p:txBody>
-      </p:sp>
-      <p:pic>
-        <p:nvPicPr>
-          <p:cNvPr id="1028" name="Picture 4" descr="Outline Thermometer Icon. Red Hot Temperature Symbol Stock Vector -  Illustration of healthy, icon: 163743870">
-            <a:extLst>
-              <a:ext uri="{FF2B5EF4-FFF2-40B4-BE49-F238E27FC236}">
-                <a16:creationId xmlns:a16="http://schemas.microsoft.com/office/drawing/2014/main" id="{BB96E1CE-8D13-032A-85CA-35CD1E40C6BD}"/>
-              </a:ext>
-            </a:extLst>
-          </p:cNvPr>
-          <p:cNvPicPr>
-            <a:picLocks noChangeAspect="1" noChangeArrowheads="1"/>
-          </p:cNvPicPr>
-          <p:nvPr/>
-        </p:nvPicPr>
-        <p:blipFill>
-          <a:blip r:embed="rId4">
-            <a:extLst>
-              <a:ext uri="{28A0092B-C50C-407E-A947-70E740481C1C}">
-                <a14:useLocalDpi xmlns:a14="http://schemas.microsoft.com/office/drawing/2010/main" val="0"/>
-              </a:ext>
-            </a:extLst>
-          </a:blip>
-          <a:srcRect/>
-          <a:stretch>
-            <a:fillRect/>
-          </a:stretch>
-        </p:blipFill>
-        <p:spPr bwMode="auto">
-          <a:xfrm flipH="1">
-            <a:off x="2537555" y="1394384"/>
-            <a:ext cx="667154" cy="667154"/>
-          </a:xfrm>
-          <a:prstGeom prst="rect">
-            <a:avLst/>
-          </a:prstGeom>
-          <a:noFill/>
-          <a:extLst>
-            <a:ext uri="{909E8E84-426E-40DD-AFC4-6F175D3DCCD1}">
-              <a14:hiddenFill xmlns:a14="http://schemas.microsoft.com/office/drawing/2010/main">
-                <a:solidFill>
-                  <a:srgbClr val="FFFFFF"/>
-                </a:solidFill>
-              </a14:hiddenFill>
-            </a:ext>
-          </a:extLst>
-        </p:spPr>
-      </p:pic>
-      <p:pic>
-        <p:nvPicPr>
-          <p:cNvPr id="1030" name="Picture 6" descr="Ph Water Line Icon Vector Illustration Stock Illustration - Download Image  Now - Sea, pH value, Backgrounds - iStock">
-            <a:extLst>
-              <a:ext uri="{FF2B5EF4-FFF2-40B4-BE49-F238E27FC236}">
-                <a16:creationId xmlns:a16="http://schemas.microsoft.com/office/drawing/2014/main" id="{7F65E054-EA7D-DFF9-3592-AF3AC366B135}"/>
-              </a:ext>
-            </a:extLst>
-          </p:cNvPr>
-          <p:cNvPicPr>
-            <a:picLocks noChangeAspect="1" noChangeArrowheads="1"/>
-          </p:cNvPicPr>
-          <p:nvPr/>
-        </p:nvPicPr>
-        <p:blipFill>
-          <a:blip r:embed="rId5">
-            <a:extLst>
-              <a:ext uri="{28A0092B-C50C-407E-A947-70E740481C1C}">
-                <a14:useLocalDpi xmlns:a14="http://schemas.microsoft.com/office/drawing/2010/main" val="0"/>
-              </a:ext>
-            </a:extLst>
-          </a:blip>
-          <a:srcRect/>
-          <a:stretch>
-            <a:fillRect/>
-          </a:stretch>
-        </p:blipFill>
-        <p:spPr bwMode="auto">
-          <a:xfrm>
-            <a:off x="2552162" y="3199910"/>
-            <a:ext cx="669087" cy="669087"/>
-          </a:xfrm>
-          <a:prstGeom prst="rect">
-            <a:avLst/>
-          </a:prstGeom>
-          <a:noFill/>
-          <a:extLst>
-            <a:ext uri="{909E8E84-426E-40DD-AFC4-6F175D3DCCD1}">
-              <a14:hiddenFill xmlns:a14="http://schemas.microsoft.com/office/drawing/2010/main">
-                <a:solidFill>
-                  <a:srgbClr val="FFFFFF"/>
-                </a:solidFill>
-              </a14:hiddenFill>
-            </a:ext>
-          </a:extLst>
-        </p:spPr>
-      </p:pic>
-      <p:pic>
-        <p:nvPicPr>
-          <p:cNvPr id="1032" name="Picture 8" descr="Sea Temperature - Apps on Google Play">
-            <a:extLst>
-              <a:ext uri="{FF2B5EF4-FFF2-40B4-BE49-F238E27FC236}">
-                <a16:creationId xmlns:a16="http://schemas.microsoft.com/office/drawing/2014/main" id="{14018988-8018-09C3-E11A-7256A69A3C64}"/>
-              </a:ext>
-            </a:extLst>
-          </p:cNvPr>
-          <p:cNvPicPr>
-            <a:picLocks noChangeAspect="1" noChangeArrowheads="1"/>
-          </p:cNvPicPr>
-          <p:nvPr/>
-        </p:nvPicPr>
-        <p:blipFill>
-          <a:blip r:embed="rId6">
-            <a:extLst>
-              <a:ext uri="{28A0092B-C50C-407E-A947-70E740481C1C}">
-                <a14:useLocalDpi xmlns:a14="http://schemas.microsoft.com/office/drawing/2010/main" val="0"/>
-              </a:ext>
-            </a:extLst>
-          </a:blip>
-          <a:srcRect/>
-          <a:stretch>
-            <a:fillRect/>
-          </a:stretch>
-        </p:blipFill>
-        <p:spPr bwMode="auto">
-          <a:xfrm>
-            <a:off x="2558091" y="2673591"/>
-            <a:ext cx="584178" cy="584178"/>
-          </a:xfrm>
-          <a:prstGeom prst="rect">
-            <a:avLst/>
-          </a:prstGeom>
-          <a:noFill/>
-          <a:extLst>
-            <a:ext uri="{909E8E84-426E-40DD-AFC4-6F175D3DCCD1}">
-              <a14:hiddenFill xmlns:a14="http://schemas.microsoft.com/office/drawing/2010/main">
-                <a:solidFill>
-                  <a:srgbClr val="FFFFFF"/>
-                </a:solidFill>
-              </a14:hiddenFill>
-            </a:ext>
-          </a:extLst>
-        </p:spPr>
-      </p:pic>
-      <p:pic>
-        <p:nvPicPr>
-          <p:cNvPr id="1034" name="Picture 10" descr="Drought - Free nature icons">
-            <a:extLst>
-              <a:ext uri="{FF2B5EF4-FFF2-40B4-BE49-F238E27FC236}">
-                <a16:creationId xmlns:a16="http://schemas.microsoft.com/office/drawing/2014/main" id="{155C8998-25AD-2E8D-52DF-4BA1987987D2}"/>
-              </a:ext>
-            </a:extLst>
-          </p:cNvPr>
-          <p:cNvPicPr>
-            <a:picLocks noChangeAspect="1" noChangeArrowheads="1"/>
-          </p:cNvPicPr>
-          <p:nvPr/>
-        </p:nvPicPr>
-        <p:blipFill>
-          <a:blip r:embed="rId7">
-            <a:extLst>
-              <a:ext uri="{28A0092B-C50C-407E-A947-70E740481C1C}">
-                <a14:useLocalDpi xmlns:a14="http://schemas.microsoft.com/office/drawing/2010/main" val="0"/>
-              </a:ext>
-            </a:extLst>
-          </a:blip>
-          <a:srcRect/>
-          <a:stretch>
-            <a:fillRect/>
-          </a:stretch>
-        </p:blipFill>
-        <p:spPr bwMode="auto">
-          <a:xfrm>
-            <a:off x="2568648" y="3927247"/>
-            <a:ext cx="563063" cy="563063"/>
-          </a:xfrm>
-          <a:prstGeom prst="rect">
-            <a:avLst/>
-          </a:prstGeom>
-          <a:noFill/>
-          <a:extLst>
-            <a:ext uri="{909E8E84-426E-40DD-AFC4-6F175D3DCCD1}">
-              <a14:hiddenFill xmlns:a14="http://schemas.microsoft.com/office/drawing/2010/main">
-                <a:solidFill>
-                  <a:srgbClr val="FFFFFF"/>
-                </a:solidFill>
-              </a14:hiddenFill>
-            </a:ext>
-          </a:extLst>
-        </p:spPr>
-      </p:pic>
-      <p:sp>
-        <p:nvSpPr>
-          <p:cNvPr id="25" name="TextBox 24">
-            <a:extLst>
-              <a:ext uri="{FF2B5EF4-FFF2-40B4-BE49-F238E27FC236}">
-                <a16:creationId xmlns:a16="http://schemas.microsoft.com/office/drawing/2014/main" id="{642B5C5A-56C4-A359-5CC6-9AD5BB13D46C}"/>
-              </a:ext>
-            </a:extLst>
-          </p:cNvPr>
-          <p:cNvSpPr txBox="1"/>
-          <p:nvPr/>
-        </p:nvSpPr>
-        <p:spPr>
-          <a:xfrm>
-            <a:off x="4478631" y="984559"/>
-            <a:ext cx="1342834" cy="261610"/>
-          </a:xfrm>
-          <a:prstGeom prst="rect">
-            <a:avLst/>
-          </a:prstGeom>
-          <a:noFill/>
-        </p:spPr>
-        <p:txBody>
-          <a:bodyPr wrap="square" rtlCol="0">
-            <a:spAutoFit/>
-          </a:bodyPr>
-          <a:lstStyle/>
-          <a:p>
-            <a:pPr algn="ctr"/>
-            <a:r>
-              <a:rPr lang="en-AU" sz="1100" b="1" dirty="0">
-                <a:latin typeface="Arial Nova Cond" panose="020B0604020202020204" pitchFamily="34" charset="0"/>
-              </a:rPr>
-              <a:t>SYSTEMS AT RISK</a:t>
-            </a:r>
-          </a:p>
-        </p:txBody>
-      </p:sp>
-      <p:sp>
-        <p:nvSpPr>
-          <p:cNvPr id="26" name="Rectangle: Rounded Corners 25">
-            <a:extLst>
-              <a:ext uri="{FF2B5EF4-FFF2-40B4-BE49-F238E27FC236}">
-                <a16:creationId xmlns:a16="http://schemas.microsoft.com/office/drawing/2014/main" id="{1F050C67-ED07-5A66-07CC-BD4434BCA770}"/>
-              </a:ext>
-            </a:extLst>
-          </p:cNvPr>
-          <p:cNvSpPr/>
-          <p:nvPr/>
-        </p:nvSpPr>
-        <p:spPr>
-          <a:xfrm>
-            <a:off x="4382998" y="1265703"/>
-            <a:ext cx="1562654" cy="3395403"/>
-          </a:xfrm>
-          <a:prstGeom prst="roundRect">
-            <a:avLst/>
-          </a:prstGeom>
-          <a:noFill/>
-          <a:ln>
+              </a:endParaRPr>
+            </a:p>
+          </p:txBody>
+        </p:sp>
+        <p:pic>
+          <p:nvPicPr>
+            <p:cNvPr id="1042" name="Picture 18" descr="Staghorn branching coral in coral reef line art vector icon for marine life  apps and websites Stock Vector | Adobe Stock">
+              <a:extLst>
+                <a:ext uri="{FF2B5EF4-FFF2-40B4-BE49-F238E27FC236}">
+                  <a16:creationId xmlns:a16="http://schemas.microsoft.com/office/drawing/2014/main" id="{6C79E2D9-5FBD-B27F-5238-ACDF05901B64}"/>
+                </a:ext>
+              </a:extLst>
+            </p:cNvPr>
+            <p:cNvPicPr>
+              <a:picLocks noChangeAspect="1" noChangeArrowheads="1"/>
+            </p:cNvPicPr>
+            <p:nvPr/>
+          </p:nvPicPr>
+          <p:blipFill rotWithShape="1">
+            <a:blip r:embed="rId9">
+              <a:extLst>
+                <a:ext uri="{28A0092B-C50C-407E-A947-70E740481C1C}">
+                  <a14:useLocalDpi xmlns:a14="http://schemas.microsoft.com/office/drawing/2010/main" val="0"/>
+                </a:ext>
+              </a:extLst>
+            </a:blip>
+            <a:srcRect l="8207"/>
+            <a:stretch/>
+          </p:blipFill>
+          <p:spPr bwMode="auto">
+            <a:xfrm>
+              <a:off x="4574713" y="1864366"/>
+              <a:ext cx="536650" cy="584630"/>
+            </a:xfrm>
+            <a:prstGeom prst="rect">
+              <a:avLst/>
+            </a:prstGeom>
+            <a:noFill/>
+            <a:extLst>
+              <a:ext uri="{909E8E84-426E-40DD-AFC4-6F175D3DCCD1}">
+                <a14:hiddenFill xmlns:a14="http://schemas.microsoft.com/office/drawing/2010/main">
+                  <a:solidFill>
+                    <a:srgbClr val="FFFFFF"/>
+                  </a:solidFill>
+                </a14:hiddenFill>
+              </a:ext>
+            </a:extLst>
+          </p:spPr>
+        </p:pic>
+        <p:sp>
+          <p:nvSpPr>
+            <p:cNvPr id="38" name="Multiplication Sign 37">
+              <a:extLst>
+                <a:ext uri="{FF2B5EF4-FFF2-40B4-BE49-F238E27FC236}">
+                  <a16:creationId xmlns:a16="http://schemas.microsoft.com/office/drawing/2014/main" id="{B68E108C-100A-F417-5C72-2AE9B544EFF2}"/>
+                </a:ext>
+              </a:extLst>
+            </p:cNvPr>
+            <p:cNvSpPr/>
+            <p:nvPr/>
+          </p:nvSpPr>
+          <p:spPr>
+            <a:xfrm>
+              <a:off x="5932295" y="2773681"/>
+              <a:ext cx="325294" cy="372425"/>
+            </a:xfrm>
+            <a:prstGeom prst="mathMultiply">
+              <a:avLst/>
+            </a:prstGeom>
             <a:solidFill>
               <a:schemeClr val="tx1"/>
             </a:solidFill>
-          </a:ln>
-        </p:spPr>
-        <p:style>
-          <a:lnRef idx="2">
-            <a:schemeClr val="accent1">
-              <a:shade val="50000"/>
-            </a:schemeClr>
-          </a:lnRef>
-          <a:fillRef idx="1">
-            <a:schemeClr val="accent1"/>
-          </a:fillRef>
-          <a:effectRef idx="0">
-            <a:schemeClr val="accent1"/>
-          </a:effectRef>
-          <a:fontRef idx="minor">
-            <a:schemeClr val="lt1"/>
-          </a:fontRef>
-        </p:style>
-        <p:txBody>
-          <a:bodyPr rtlCol="0" anchor="ctr"/>
-          <a:lstStyle/>
-          <a:p>
-            <a:pPr algn="ctr"/>
-            <a:endParaRPr lang="en-AU" sz="1100" b="1">
+            <a:ln>
               <a:solidFill>
                 <a:schemeClr val="tx1"/>
               </a:solidFill>
-              <a:latin typeface="Arial Nova Cond" panose="020B0604020202020204" pitchFamily="34" charset="0"/>
-            </a:endParaRPr>
-          </a:p>
-        </p:txBody>
-      </p:sp>
-      <p:sp>
-        <p:nvSpPr>
-          <p:cNvPr id="30" name="Multiplication Sign 29">
-            <a:extLst>
-              <a:ext uri="{FF2B5EF4-FFF2-40B4-BE49-F238E27FC236}">
-                <a16:creationId xmlns:a16="http://schemas.microsoft.com/office/drawing/2014/main" id="{1FDD5E74-163A-E4C8-7653-EDE25B31A39F}"/>
-              </a:ext>
-            </a:extLst>
-          </p:cNvPr>
-          <p:cNvSpPr/>
-          <p:nvPr/>
-        </p:nvSpPr>
-        <p:spPr>
-          <a:xfrm>
-            <a:off x="4048906" y="2795021"/>
-            <a:ext cx="325294" cy="372425"/>
-          </a:xfrm>
-          <a:prstGeom prst="mathMultiply">
-            <a:avLst/>
-          </a:prstGeom>
-          <a:solidFill>
-            <a:schemeClr val="tx1"/>
-          </a:solidFill>
-          <a:ln>
-            <a:solidFill>
-              <a:schemeClr val="tx1"/>
-            </a:solidFill>
-          </a:ln>
-        </p:spPr>
-        <p:style>
-          <a:lnRef idx="2">
-            <a:schemeClr val="accent1">
-              <a:shade val="50000"/>
-            </a:schemeClr>
-          </a:lnRef>
-          <a:fillRef idx="1">
-            <a:schemeClr val="accent1"/>
-          </a:fillRef>
-          <a:effectRef idx="0">
-            <a:schemeClr val="accent1"/>
-          </a:effectRef>
-          <a:fontRef idx="minor">
-            <a:schemeClr val="lt1"/>
-          </a:fontRef>
-        </p:style>
-        <p:txBody>
-          <a:bodyPr rtlCol="0" anchor="ctr"/>
-          <a:lstStyle/>
-          <a:p>
-            <a:pPr algn="ctr"/>
-            <a:endParaRPr lang="en-AU" sz="1600"/>
-          </a:p>
-        </p:txBody>
-      </p:sp>
-      <p:sp>
-        <p:nvSpPr>
-          <p:cNvPr id="31" name="TextBox 30">
-            <a:extLst>
-              <a:ext uri="{FF2B5EF4-FFF2-40B4-BE49-F238E27FC236}">
-                <a16:creationId xmlns:a16="http://schemas.microsoft.com/office/drawing/2014/main" id="{D33605A1-3EF9-2631-962A-B3BDD1262062}"/>
-              </a:ext>
-            </a:extLst>
-          </p:cNvPr>
-          <p:cNvSpPr txBox="1"/>
-          <p:nvPr/>
-        </p:nvSpPr>
-        <p:spPr>
-          <a:xfrm>
-            <a:off x="3045981" y="1548415"/>
-            <a:ext cx="874841" cy="430887"/>
-          </a:xfrm>
-          <a:prstGeom prst="rect">
-            <a:avLst/>
-          </a:prstGeom>
-          <a:noFill/>
-        </p:spPr>
-        <p:txBody>
-          <a:bodyPr wrap="square" rtlCol="0">
-            <a:spAutoFit/>
-          </a:bodyPr>
-          <a:lstStyle/>
-          <a:p>
-            <a:pPr algn="ctr"/>
-            <a:r>
-              <a:rPr lang="en-AU" sz="1050" b="1" dirty="0">
-                <a:latin typeface="Arial Nova Cond" panose="020B0604020202020204" pitchFamily="34" charset="0"/>
-              </a:rPr>
-              <a:t>Warming trend</a:t>
-            </a:r>
-          </a:p>
-        </p:txBody>
-      </p:sp>
-      <p:sp>
-        <p:nvSpPr>
-          <p:cNvPr id="32" name="TextBox 31">
-            <a:extLst>
-              <a:ext uri="{FF2B5EF4-FFF2-40B4-BE49-F238E27FC236}">
-                <a16:creationId xmlns:a16="http://schemas.microsoft.com/office/drawing/2014/main" id="{456014A5-794A-EE0A-F745-AD59E13E8A93}"/>
-              </a:ext>
-            </a:extLst>
-          </p:cNvPr>
-          <p:cNvSpPr txBox="1"/>
-          <p:nvPr/>
-        </p:nvSpPr>
-        <p:spPr>
-          <a:xfrm>
-            <a:off x="3105117" y="2124491"/>
-            <a:ext cx="874841" cy="423193"/>
-          </a:xfrm>
-          <a:prstGeom prst="rect">
-            <a:avLst/>
-          </a:prstGeom>
-          <a:noFill/>
-        </p:spPr>
-        <p:txBody>
-          <a:bodyPr wrap="square" rtlCol="0">
-            <a:spAutoFit/>
-          </a:bodyPr>
-          <a:lstStyle/>
-          <a:p>
-            <a:pPr algn="ctr"/>
-            <a:r>
-              <a:rPr lang="en-AU" sz="1100" b="1" dirty="0">
-                <a:latin typeface="Arial Nova Cond" panose="020B0604020202020204" pitchFamily="34" charset="0"/>
-              </a:rPr>
-              <a:t>Extreme </a:t>
-            </a:r>
-            <a:r>
-              <a:rPr lang="en-AU" sz="1050" b="1" dirty="0">
-                <a:latin typeface="Arial Nova Cond" panose="020B0604020202020204" pitchFamily="34" charset="0"/>
-              </a:rPr>
-              <a:t>temperature</a:t>
-            </a:r>
-            <a:endParaRPr lang="en-AU" sz="1100" b="1" dirty="0">
-              <a:latin typeface="Arial Nova Cond" panose="020B0604020202020204" pitchFamily="34" charset="0"/>
-            </a:endParaRPr>
-          </a:p>
-        </p:txBody>
-      </p:sp>
-      <p:sp>
-        <p:nvSpPr>
-          <p:cNvPr id="33" name="TextBox 32">
-            <a:extLst>
-              <a:ext uri="{FF2B5EF4-FFF2-40B4-BE49-F238E27FC236}">
-                <a16:creationId xmlns:a16="http://schemas.microsoft.com/office/drawing/2014/main" id="{41FF199B-6A07-466B-6807-21BA92C0A715}"/>
-              </a:ext>
-            </a:extLst>
-          </p:cNvPr>
-          <p:cNvSpPr txBox="1"/>
-          <p:nvPr/>
-        </p:nvSpPr>
-        <p:spPr>
-          <a:xfrm>
-            <a:off x="3105116" y="2761484"/>
-            <a:ext cx="874841" cy="415498"/>
-          </a:xfrm>
-          <a:prstGeom prst="rect">
-            <a:avLst/>
-          </a:prstGeom>
-          <a:noFill/>
-        </p:spPr>
-        <p:txBody>
-          <a:bodyPr wrap="square" rtlCol="0">
-            <a:spAutoFit/>
-          </a:bodyPr>
-          <a:lstStyle/>
-          <a:p>
-            <a:pPr algn="ctr"/>
-            <a:r>
-              <a:rPr lang="en-AU" sz="1050" b="1" dirty="0">
-                <a:latin typeface="Arial Nova Cond" panose="020B0604020202020204" pitchFamily="34" charset="0"/>
-              </a:rPr>
-              <a:t>Sea surface temperature</a:t>
-            </a:r>
-          </a:p>
-        </p:txBody>
-      </p:sp>
-      <p:sp>
-        <p:nvSpPr>
-          <p:cNvPr id="34" name="TextBox 33">
-            <a:extLst>
-              <a:ext uri="{FF2B5EF4-FFF2-40B4-BE49-F238E27FC236}">
-                <a16:creationId xmlns:a16="http://schemas.microsoft.com/office/drawing/2014/main" id="{DFD044A8-FA92-D338-1166-23F232882A81}"/>
-              </a:ext>
-            </a:extLst>
-          </p:cNvPr>
-          <p:cNvSpPr txBox="1"/>
-          <p:nvPr/>
-        </p:nvSpPr>
-        <p:spPr>
-          <a:xfrm>
-            <a:off x="3125646" y="3353158"/>
-            <a:ext cx="874841" cy="415498"/>
-          </a:xfrm>
-          <a:prstGeom prst="rect">
-            <a:avLst/>
-          </a:prstGeom>
-          <a:noFill/>
-        </p:spPr>
-        <p:txBody>
-          <a:bodyPr wrap="square" rtlCol="0">
-            <a:spAutoFit/>
-          </a:bodyPr>
-          <a:lstStyle/>
-          <a:p>
-            <a:pPr algn="ctr"/>
-            <a:r>
-              <a:rPr lang="en-AU" sz="1050" b="1" dirty="0">
-                <a:latin typeface="Arial Nova Cond" panose="020B0604020202020204" pitchFamily="34" charset="0"/>
-              </a:rPr>
-              <a:t>Ocean acidification</a:t>
-            </a:r>
-          </a:p>
-        </p:txBody>
-      </p:sp>
-      <p:sp>
-        <p:nvSpPr>
-          <p:cNvPr id="35" name="TextBox 34">
-            <a:extLst>
-              <a:ext uri="{FF2B5EF4-FFF2-40B4-BE49-F238E27FC236}">
-                <a16:creationId xmlns:a16="http://schemas.microsoft.com/office/drawing/2014/main" id="{5515AE14-81EE-E73E-EEFF-BFC820611D98}"/>
-              </a:ext>
-            </a:extLst>
-          </p:cNvPr>
-          <p:cNvSpPr txBox="1"/>
-          <p:nvPr/>
-        </p:nvSpPr>
-        <p:spPr>
-          <a:xfrm>
-            <a:off x="3157562" y="4078520"/>
-            <a:ext cx="874841" cy="430887"/>
-          </a:xfrm>
-          <a:prstGeom prst="rect">
-            <a:avLst/>
-          </a:prstGeom>
-          <a:noFill/>
-        </p:spPr>
-        <p:txBody>
-          <a:bodyPr wrap="square" rtlCol="0">
-            <a:spAutoFit/>
-          </a:bodyPr>
-          <a:lstStyle/>
-          <a:p>
-            <a:pPr algn="ctr"/>
-            <a:r>
-              <a:rPr lang="en-AU" sz="1100" b="1" dirty="0">
-                <a:latin typeface="Arial Nova Cond" panose="020B0604020202020204" pitchFamily="34" charset="0"/>
-              </a:rPr>
-              <a:t>Drying extremes</a:t>
-            </a:r>
-          </a:p>
-        </p:txBody>
-      </p:sp>
-      <p:pic>
-        <p:nvPicPr>
-          <p:cNvPr id="1038" name="Picture 14" descr="Silhouette Ears Of Wheat Icon. Crop Symbol Isolated On White Background.  Illustration. Royalty Free SVG, Cliparts, Vectors, And Stock Illustration.  Image 62120455.">
-            <a:extLst>
-              <a:ext uri="{FF2B5EF4-FFF2-40B4-BE49-F238E27FC236}">
-                <a16:creationId xmlns:a16="http://schemas.microsoft.com/office/drawing/2014/main" id="{E7114ADD-8202-8FF5-9978-298654B47E07}"/>
-              </a:ext>
-            </a:extLst>
-          </p:cNvPr>
-          <p:cNvPicPr>
-            <a:picLocks noChangeAspect="1" noChangeArrowheads="1"/>
-          </p:cNvPicPr>
-          <p:nvPr/>
-        </p:nvPicPr>
-        <p:blipFill>
-          <a:blip r:embed="rId8">
-            <a:extLst>
-              <a:ext uri="{28A0092B-C50C-407E-A947-70E740481C1C}">
-                <a14:useLocalDpi xmlns:a14="http://schemas.microsoft.com/office/drawing/2010/main" val="0"/>
-              </a:ext>
-            </a:extLst>
-          </a:blip>
-          <a:srcRect/>
-          <a:stretch>
-            <a:fillRect/>
-          </a:stretch>
-        </p:blipFill>
-        <p:spPr bwMode="auto">
-          <a:xfrm>
-            <a:off x="4562022" y="1333862"/>
-            <a:ext cx="483535" cy="483535"/>
-          </a:xfrm>
-          <a:prstGeom prst="rect">
-            <a:avLst/>
-          </a:prstGeom>
-          <a:noFill/>
-          <a:extLst>
-            <a:ext uri="{909E8E84-426E-40DD-AFC4-6F175D3DCCD1}">
-              <a14:hiddenFill xmlns:a14="http://schemas.microsoft.com/office/drawing/2010/main">
-                <a:solidFill>
-                  <a:srgbClr val="FFFFFF"/>
-                </a:solidFill>
-              </a14:hiddenFill>
-            </a:ext>
-          </a:extLst>
-        </p:spPr>
-      </p:pic>
-      <p:sp>
-        <p:nvSpPr>
-          <p:cNvPr id="37" name="Rectangle: Rounded Corners 36">
-            <a:extLst>
-              <a:ext uri="{FF2B5EF4-FFF2-40B4-BE49-F238E27FC236}">
-                <a16:creationId xmlns:a16="http://schemas.microsoft.com/office/drawing/2014/main" id="{12CB17DD-AF53-0C1B-675B-463B5D88EA75}"/>
-              </a:ext>
-            </a:extLst>
-          </p:cNvPr>
-          <p:cNvSpPr/>
-          <p:nvPr/>
-        </p:nvSpPr>
-        <p:spPr>
-          <a:xfrm>
-            <a:off x="6267115" y="1283381"/>
-            <a:ext cx="1515524" cy="3359793"/>
-          </a:xfrm>
-          <a:prstGeom prst="roundRect">
-            <a:avLst/>
-          </a:prstGeom>
-          <a:noFill/>
-          <a:ln>
-            <a:solidFill>
-              <a:schemeClr val="tx1"/>
-            </a:solidFill>
-          </a:ln>
-        </p:spPr>
-        <p:style>
-          <a:lnRef idx="2">
-            <a:schemeClr val="accent1">
-              <a:shade val="50000"/>
-            </a:schemeClr>
-          </a:lnRef>
-          <a:fillRef idx="1">
-            <a:schemeClr val="accent1"/>
-          </a:fillRef>
-          <a:effectRef idx="0">
-            <a:schemeClr val="accent1"/>
-          </a:effectRef>
-          <a:fontRef idx="minor">
-            <a:schemeClr val="lt1"/>
-          </a:fontRef>
-        </p:style>
-        <p:txBody>
-          <a:bodyPr rtlCol="0" anchor="ctr"/>
-          <a:lstStyle/>
-          <a:p>
-            <a:pPr algn="ctr"/>
-            <a:endParaRPr lang="en-AU" sz="1100" b="1">
-              <a:solidFill>
-                <a:schemeClr val="tx1"/>
-              </a:solidFill>
-              <a:latin typeface="Arial Nova Cond" panose="020B0604020202020204" pitchFamily="34" charset="0"/>
-            </a:endParaRPr>
-          </a:p>
-        </p:txBody>
-      </p:sp>
-      <p:pic>
-        <p:nvPicPr>
-          <p:cNvPr id="1042" name="Picture 18" descr="Staghorn branching coral in coral reef line art vector icon for marine life  apps and websites Stock Vector | Adobe Stock">
-            <a:extLst>
-              <a:ext uri="{FF2B5EF4-FFF2-40B4-BE49-F238E27FC236}">
-                <a16:creationId xmlns:a16="http://schemas.microsoft.com/office/drawing/2014/main" id="{6C79E2D9-5FBD-B27F-5238-ACDF05901B64}"/>
-              </a:ext>
-            </a:extLst>
-          </p:cNvPr>
-          <p:cNvPicPr>
-            <a:picLocks noChangeAspect="1" noChangeArrowheads="1"/>
-          </p:cNvPicPr>
-          <p:nvPr/>
-        </p:nvPicPr>
-        <p:blipFill rotWithShape="1">
-          <a:blip r:embed="rId9">
-            <a:extLst>
-              <a:ext uri="{28A0092B-C50C-407E-A947-70E740481C1C}">
-                <a14:useLocalDpi xmlns:a14="http://schemas.microsoft.com/office/drawing/2010/main" val="0"/>
-              </a:ext>
-            </a:extLst>
-          </a:blip>
-          <a:srcRect l="8207"/>
-          <a:stretch/>
-        </p:blipFill>
-        <p:spPr bwMode="auto">
-          <a:xfrm>
-            <a:off x="4574713" y="1864366"/>
-            <a:ext cx="536650" cy="584630"/>
-          </a:xfrm>
-          <a:prstGeom prst="rect">
-            <a:avLst/>
-          </a:prstGeom>
-          <a:noFill/>
-          <a:extLst>
-            <a:ext uri="{909E8E84-426E-40DD-AFC4-6F175D3DCCD1}">
-              <a14:hiddenFill xmlns:a14="http://schemas.microsoft.com/office/drawing/2010/main">
-                <a:solidFill>
-                  <a:srgbClr val="FFFFFF"/>
-                </a:solidFill>
-              </a14:hiddenFill>
-            </a:ext>
-          </a:extLst>
-        </p:spPr>
-      </p:pic>
-      <p:sp>
-        <p:nvSpPr>
-          <p:cNvPr id="38" name="Multiplication Sign 37">
-            <a:extLst>
-              <a:ext uri="{FF2B5EF4-FFF2-40B4-BE49-F238E27FC236}">
-                <a16:creationId xmlns:a16="http://schemas.microsoft.com/office/drawing/2014/main" id="{B68E108C-100A-F417-5C72-2AE9B544EFF2}"/>
-              </a:ext>
-            </a:extLst>
-          </p:cNvPr>
-          <p:cNvSpPr/>
-          <p:nvPr/>
-        </p:nvSpPr>
-        <p:spPr>
-          <a:xfrm>
-            <a:off x="5932295" y="2773681"/>
-            <a:ext cx="325294" cy="372425"/>
-          </a:xfrm>
-          <a:prstGeom prst="mathMultiply">
-            <a:avLst/>
-          </a:prstGeom>
-          <a:solidFill>
-            <a:schemeClr val="tx1"/>
-          </a:solidFill>
-          <a:ln>
-            <a:solidFill>
-              <a:schemeClr val="tx1"/>
-            </a:solidFill>
-          </a:ln>
-        </p:spPr>
-        <p:style>
-          <a:lnRef idx="2">
-            <a:schemeClr val="accent1">
-              <a:shade val="50000"/>
-            </a:schemeClr>
-          </a:lnRef>
-          <a:fillRef idx="1">
-            <a:schemeClr val="accent1"/>
-          </a:fillRef>
-          <a:effectRef idx="0">
-            <a:schemeClr val="accent1"/>
-          </a:effectRef>
-          <a:fontRef idx="minor">
-            <a:schemeClr val="lt1"/>
-          </a:fontRef>
-        </p:style>
-        <p:txBody>
-          <a:bodyPr rtlCol="0" anchor="ctr"/>
-          <a:lstStyle/>
-          <a:p>
-            <a:pPr algn="ctr"/>
-            <a:endParaRPr lang="en-AU" sz="1600"/>
-          </a:p>
-        </p:txBody>
-      </p:sp>
-      <p:sp>
-        <p:nvSpPr>
-          <p:cNvPr id="39" name="TextBox 38">
-            <a:extLst>
-              <a:ext uri="{FF2B5EF4-FFF2-40B4-BE49-F238E27FC236}">
-                <a16:creationId xmlns:a16="http://schemas.microsoft.com/office/drawing/2014/main" id="{AD4DD18B-3EBC-A9E6-7C72-8F94A7B1C4D8}"/>
-              </a:ext>
-            </a:extLst>
-          </p:cNvPr>
-          <p:cNvSpPr txBox="1"/>
-          <p:nvPr/>
-        </p:nvSpPr>
-        <p:spPr>
-          <a:xfrm>
-            <a:off x="4998901" y="1487418"/>
-            <a:ext cx="874841" cy="261610"/>
-          </a:xfrm>
-          <a:prstGeom prst="rect">
-            <a:avLst/>
-          </a:prstGeom>
-          <a:noFill/>
-        </p:spPr>
-        <p:txBody>
-          <a:bodyPr wrap="square" rtlCol="0">
-            <a:spAutoFit/>
-          </a:bodyPr>
-          <a:lstStyle/>
-          <a:p>
-            <a:pPr algn="ctr"/>
-            <a:r>
-              <a:rPr lang="en-AU" sz="1100" b="1" dirty="0">
-                <a:latin typeface="Arial Nova Cond" panose="020B0604020202020204" pitchFamily="34" charset="0"/>
-              </a:rPr>
-              <a:t>Crop</a:t>
-            </a:r>
-          </a:p>
-        </p:txBody>
-      </p:sp>
-      <p:sp>
-        <p:nvSpPr>
-          <p:cNvPr id="40" name="TextBox 39">
-            <a:extLst>
-              <a:ext uri="{FF2B5EF4-FFF2-40B4-BE49-F238E27FC236}">
-                <a16:creationId xmlns:a16="http://schemas.microsoft.com/office/drawing/2014/main" id="{33C4EBD3-2162-E99A-E73E-9A822A781BBA}"/>
-              </a:ext>
-            </a:extLst>
-          </p:cNvPr>
-          <p:cNvSpPr txBox="1"/>
-          <p:nvPr/>
-        </p:nvSpPr>
-        <p:spPr>
-          <a:xfrm>
-            <a:off x="5064529" y="2027755"/>
-            <a:ext cx="836921" cy="261610"/>
-          </a:xfrm>
-          <a:prstGeom prst="rect">
-            <a:avLst/>
-          </a:prstGeom>
-          <a:noFill/>
-        </p:spPr>
-        <p:txBody>
-          <a:bodyPr wrap="square" rtlCol="0">
-            <a:spAutoFit/>
-          </a:bodyPr>
-          <a:lstStyle/>
-          <a:p>
-            <a:pPr algn="ctr"/>
-            <a:r>
-              <a:rPr lang="en-AU" sz="1100" b="1" dirty="0">
-                <a:latin typeface="Arial Nova Cond" panose="020B0604020202020204" pitchFamily="34" charset="0"/>
-              </a:rPr>
-              <a:t>Coral reef</a:t>
-            </a:r>
-          </a:p>
-        </p:txBody>
-      </p:sp>
-      <p:sp>
-        <p:nvSpPr>
-          <p:cNvPr id="41" name="TextBox 40">
-            <a:extLst>
-              <a:ext uri="{FF2B5EF4-FFF2-40B4-BE49-F238E27FC236}">
-                <a16:creationId xmlns:a16="http://schemas.microsoft.com/office/drawing/2014/main" id="{ADFA678A-85CE-0531-6324-1F4FB8A08859}"/>
-              </a:ext>
-            </a:extLst>
-          </p:cNvPr>
-          <p:cNvSpPr txBox="1"/>
-          <p:nvPr/>
-        </p:nvSpPr>
-        <p:spPr>
-          <a:xfrm>
-            <a:off x="5067094" y="2698284"/>
-            <a:ext cx="874841" cy="261610"/>
-          </a:xfrm>
-          <a:prstGeom prst="rect">
-            <a:avLst/>
-          </a:prstGeom>
-          <a:noFill/>
-        </p:spPr>
-        <p:txBody>
-          <a:bodyPr wrap="square" rtlCol="0">
-            <a:spAutoFit/>
-          </a:bodyPr>
-          <a:lstStyle/>
-          <a:p>
-            <a:pPr algn="ctr"/>
-            <a:r>
-              <a:rPr lang="en-AU" sz="1100" b="1" dirty="0">
-                <a:latin typeface="Arial Nova Cond" panose="020B0604020202020204" pitchFamily="34" charset="0"/>
-              </a:rPr>
-              <a:t>Seagrass</a:t>
-            </a:r>
-          </a:p>
-        </p:txBody>
-      </p:sp>
-      <p:pic>
-        <p:nvPicPr>
-          <p:cNvPr id="1044" name="Picture 20" descr="Seagrass Vector Images – Browse 2,273 Stock Photos, Vectors, and Video |  Adobe Stock">
-            <a:extLst>
-              <a:ext uri="{FF2B5EF4-FFF2-40B4-BE49-F238E27FC236}">
-                <a16:creationId xmlns:a16="http://schemas.microsoft.com/office/drawing/2014/main" id="{DC65E418-2D17-F260-1AFB-9BAC87B5160A}"/>
-              </a:ext>
-            </a:extLst>
-          </p:cNvPr>
-          <p:cNvPicPr>
-            <a:picLocks noChangeAspect="1" noChangeArrowheads="1"/>
-          </p:cNvPicPr>
-          <p:nvPr/>
-        </p:nvPicPr>
-        <p:blipFill>
-          <a:blip r:embed="rId10">
-            <a:extLst>
-              <a:ext uri="{28A0092B-C50C-407E-A947-70E740481C1C}">
-                <a14:useLocalDpi xmlns:a14="http://schemas.microsoft.com/office/drawing/2010/main" val="0"/>
-              </a:ext>
-            </a:extLst>
-          </a:blip>
-          <a:srcRect/>
-          <a:stretch>
-            <a:fillRect/>
-          </a:stretch>
-        </p:blipFill>
-        <p:spPr bwMode="auto">
-          <a:xfrm>
-            <a:off x="4532288" y="2537339"/>
-            <a:ext cx="576851" cy="576851"/>
-          </a:xfrm>
-          <a:prstGeom prst="rect">
-            <a:avLst/>
-          </a:prstGeom>
-          <a:noFill/>
-          <a:extLst>
-            <a:ext uri="{909E8E84-426E-40DD-AFC4-6F175D3DCCD1}">
-              <a14:hiddenFill xmlns:a14="http://schemas.microsoft.com/office/drawing/2010/main">
-                <a:solidFill>
-                  <a:srgbClr val="FFFFFF"/>
-                </a:solidFill>
-              </a14:hiddenFill>
-            </a:ext>
-          </a:extLst>
-        </p:spPr>
-      </p:pic>
-      <p:pic>
-        <p:nvPicPr>
-          <p:cNvPr id="1046" name="Picture 22" descr="Mangrove Stock Illustrations – 1,656 Mangrove Stock Illustrations, Vectors  &amp; Clipart - Dreamstime">
-            <a:extLst>
-              <a:ext uri="{FF2B5EF4-FFF2-40B4-BE49-F238E27FC236}">
-                <a16:creationId xmlns:a16="http://schemas.microsoft.com/office/drawing/2014/main" id="{AF1D9210-D596-B0F8-BBA5-2155F84C1475}"/>
-              </a:ext>
-            </a:extLst>
-          </p:cNvPr>
-          <p:cNvPicPr>
-            <a:picLocks noChangeAspect="1" noChangeArrowheads="1"/>
-          </p:cNvPicPr>
-          <p:nvPr/>
-        </p:nvPicPr>
-        <p:blipFill rotWithShape="1">
-          <a:blip r:embed="rId11">
-            <a:extLst>
-              <a:ext uri="{28A0092B-C50C-407E-A947-70E740481C1C}">
-                <a14:useLocalDpi xmlns:a14="http://schemas.microsoft.com/office/drawing/2010/main" val="0"/>
-              </a:ext>
-            </a:extLst>
-          </a:blip>
-          <a:srcRect l="25423" t="23725" r="29072" b="22838"/>
-          <a:stretch/>
-        </p:blipFill>
-        <p:spPr bwMode="auto">
-          <a:xfrm>
-            <a:off x="4570541" y="3231967"/>
-            <a:ext cx="508359" cy="596964"/>
-          </a:xfrm>
-          <a:prstGeom prst="rect">
-            <a:avLst/>
-          </a:prstGeom>
-          <a:noFill/>
-          <a:extLst>
-            <a:ext uri="{909E8E84-426E-40DD-AFC4-6F175D3DCCD1}">
-              <a14:hiddenFill xmlns:a14="http://schemas.microsoft.com/office/drawing/2010/main">
-                <a:solidFill>
-                  <a:srgbClr val="FFFFFF"/>
-                </a:solidFill>
-              </a14:hiddenFill>
-            </a:ext>
-          </a:extLst>
-        </p:spPr>
-      </p:pic>
-      <p:grpSp>
-        <p:nvGrpSpPr>
-          <p:cNvPr id="43" name="Group 42">
-            <a:extLst>
-              <a:ext uri="{FF2B5EF4-FFF2-40B4-BE49-F238E27FC236}">
-                <a16:creationId xmlns:a16="http://schemas.microsoft.com/office/drawing/2014/main" id="{32B3A829-2387-511E-FC45-C57EA04EA69C}"/>
-              </a:ext>
-            </a:extLst>
-          </p:cNvPr>
-          <p:cNvGrpSpPr/>
-          <p:nvPr/>
-        </p:nvGrpSpPr>
-        <p:grpSpPr>
-          <a:xfrm>
-            <a:off x="4594088" y="3922868"/>
-            <a:ext cx="572981" cy="486620"/>
-            <a:chOff x="7730311" y="5228229"/>
-            <a:chExt cx="824176" cy="752677"/>
-          </a:xfrm>
-        </p:grpSpPr>
+            </a:ln>
+          </p:spPr>
+          <p:style>
+            <a:lnRef idx="2">
+              <a:schemeClr val="accent1">
+                <a:shade val="50000"/>
+              </a:schemeClr>
+            </a:lnRef>
+            <a:fillRef idx="1">
+              <a:schemeClr val="accent1"/>
+            </a:fillRef>
+            <a:effectRef idx="0">
+              <a:schemeClr val="accent1"/>
+            </a:effectRef>
+            <a:fontRef idx="minor">
+              <a:schemeClr val="lt1"/>
+            </a:fontRef>
+          </p:style>
+          <p:txBody>
+            <a:bodyPr rtlCol="0" anchor="ctr"/>
+            <a:lstStyle/>
+            <a:p>
+              <a:pPr algn="ctr"/>
+              <a:endParaRPr lang="en-AU" sz="1600"/>
+            </a:p>
+          </p:txBody>
+        </p:sp>
+        <p:sp>
+          <p:nvSpPr>
+            <p:cNvPr id="39" name="TextBox 38">
+              <a:extLst>
+                <a:ext uri="{FF2B5EF4-FFF2-40B4-BE49-F238E27FC236}">
+                  <a16:creationId xmlns:a16="http://schemas.microsoft.com/office/drawing/2014/main" id="{AD4DD18B-3EBC-A9E6-7C72-8F94A7B1C4D8}"/>
+                </a:ext>
+              </a:extLst>
+            </p:cNvPr>
+            <p:cNvSpPr txBox="1"/>
+            <p:nvPr/>
+          </p:nvSpPr>
+          <p:spPr>
+            <a:xfrm>
+              <a:off x="4998901" y="1487418"/>
+              <a:ext cx="874841" cy="261610"/>
+            </a:xfrm>
+            <a:prstGeom prst="rect">
+              <a:avLst/>
+            </a:prstGeom>
+            <a:noFill/>
+          </p:spPr>
+          <p:txBody>
+            <a:bodyPr wrap="square" rtlCol="0">
+              <a:spAutoFit/>
+            </a:bodyPr>
+            <a:lstStyle/>
+            <a:p>
+              <a:pPr algn="ctr"/>
+              <a:r>
+                <a:rPr lang="en-AU" sz="1100" b="1" dirty="0">
+                  <a:latin typeface="Arial Nova Cond" panose="020B0604020202020204" pitchFamily="34" charset="0"/>
+                </a:rPr>
+                <a:t>Crop</a:t>
+              </a:r>
+            </a:p>
+          </p:txBody>
+        </p:sp>
+        <p:sp>
+          <p:nvSpPr>
+            <p:cNvPr id="40" name="TextBox 39">
+              <a:extLst>
+                <a:ext uri="{FF2B5EF4-FFF2-40B4-BE49-F238E27FC236}">
+                  <a16:creationId xmlns:a16="http://schemas.microsoft.com/office/drawing/2014/main" id="{33C4EBD3-2162-E99A-E73E-9A822A781BBA}"/>
+                </a:ext>
+              </a:extLst>
+            </p:cNvPr>
+            <p:cNvSpPr txBox="1"/>
+            <p:nvPr/>
+          </p:nvSpPr>
+          <p:spPr>
+            <a:xfrm>
+              <a:off x="5064529" y="2027755"/>
+              <a:ext cx="836921" cy="261610"/>
+            </a:xfrm>
+            <a:prstGeom prst="rect">
+              <a:avLst/>
+            </a:prstGeom>
+            <a:noFill/>
+          </p:spPr>
+          <p:txBody>
+            <a:bodyPr wrap="square" rtlCol="0">
+              <a:spAutoFit/>
+            </a:bodyPr>
+            <a:lstStyle/>
+            <a:p>
+              <a:pPr algn="ctr"/>
+              <a:r>
+                <a:rPr lang="en-AU" sz="1100" b="1" dirty="0">
+                  <a:latin typeface="Arial Nova Cond" panose="020B0604020202020204" pitchFamily="34" charset="0"/>
+                </a:rPr>
+                <a:t>Coral reef</a:t>
+              </a:r>
+            </a:p>
+          </p:txBody>
+        </p:sp>
+        <p:sp>
+          <p:nvSpPr>
+            <p:cNvPr id="41" name="TextBox 40">
+              <a:extLst>
+                <a:ext uri="{FF2B5EF4-FFF2-40B4-BE49-F238E27FC236}">
+                  <a16:creationId xmlns:a16="http://schemas.microsoft.com/office/drawing/2014/main" id="{ADFA678A-85CE-0531-6324-1F4FB8A08859}"/>
+                </a:ext>
+              </a:extLst>
+            </p:cNvPr>
+            <p:cNvSpPr txBox="1"/>
+            <p:nvPr/>
+          </p:nvSpPr>
+          <p:spPr>
+            <a:xfrm>
+              <a:off x="5067094" y="2698284"/>
+              <a:ext cx="874841" cy="261610"/>
+            </a:xfrm>
+            <a:prstGeom prst="rect">
+              <a:avLst/>
+            </a:prstGeom>
+            <a:noFill/>
+          </p:spPr>
+          <p:txBody>
+            <a:bodyPr wrap="square" rtlCol="0">
+              <a:spAutoFit/>
+            </a:bodyPr>
+            <a:lstStyle/>
+            <a:p>
+              <a:pPr algn="ctr"/>
+              <a:r>
+                <a:rPr lang="en-AU" sz="1100" b="1" dirty="0">
+                  <a:latin typeface="Arial Nova Cond" panose="020B0604020202020204" pitchFamily="34" charset="0"/>
+                </a:rPr>
+                <a:t>Seagrass</a:t>
+              </a:r>
+            </a:p>
+          </p:txBody>
+        </p:sp>
+        <p:pic>
+          <p:nvPicPr>
+            <p:cNvPr id="1044" name="Picture 20" descr="Seagrass Vector Images – Browse 2,273 Stock Photos, Vectors, and Video |  Adobe Stock">
+              <a:extLst>
+                <a:ext uri="{FF2B5EF4-FFF2-40B4-BE49-F238E27FC236}">
+                  <a16:creationId xmlns:a16="http://schemas.microsoft.com/office/drawing/2014/main" id="{DC65E418-2D17-F260-1AFB-9BAC87B5160A}"/>
+                </a:ext>
+              </a:extLst>
+            </p:cNvPr>
+            <p:cNvPicPr>
+              <a:picLocks noChangeAspect="1" noChangeArrowheads="1"/>
+            </p:cNvPicPr>
+            <p:nvPr/>
+          </p:nvPicPr>
+          <p:blipFill>
+            <a:blip r:embed="rId10">
+              <a:extLst>
+                <a:ext uri="{28A0092B-C50C-407E-A947-70E740481C1C}">
+                  <a14:useLocalDpi xmlns:a14="http://schemas.microsoft.com/office/drawing/2010/main" val="0"/>
+                </a:ext>
+              </a:extLst>
+            </a:blip>
+            <a:srcRect/>
+            <a:stretch>
+              <a:fillRect/>
+            </a:stretch>
+          </p:blipFill>
+          <p:spPr bwMode="auto">
+            <a:xfrm>
+              <a:off x="4532288" y="2537339"/>
+              <a:ext cx="576851" cy="576851"/>
+            </a:xfrm>
+            <a:prstGeom prst="rect">
+              <a:avLst/>
+            </a:prstGeom>
+            <a:noFill/>
+            <a:extLst>
+              <a:ext uri="{909E8E84-426E-40DD-AFC4-6F175D3DCCD1}">
+                <a14:hiddenFill xmlns:a14="http://schemas.microsoft.com/office/drawing/2010/main">
+                  <a:solidFill>
+                    <a:srgbClr val="FFFFFF"/>
+                  </a:solidFill>
+                </a14:hiddenFill>
+              </a:ext>
+            </a:extLst>
+          </p:spPr>
+        </p:pic>
+        <p:pic>
+          <p:nvPicPr>
+            <p:cNvPr id="1046" name="Picture 22" descr="Mangrove Stock Illustrations – 1,656 Mangrove Stock Illustrations, Vectors  &amp; Clipart - Dreamstime">
+              <a:extLst>
+                <a:ext uri="{FF2B5EF4-FFF2-40B4-BE49-F238E27FC236}">
+                  <a16:creationId xmlns:a16="http://schemas.microsoft.com/office/drawing/2014/main" id="{AF1D9210-D596-B0F8-BBA5-2155F84C1475}"/>
+                </a:ext>
+              </a:extLst>
+            </p:cNvPr>
+            <p:cNvPicPr>
+              <a:picLocks noChangeAspect="1" noChangeArrowheads="1"/>
+            </p:cNvPicPr>
+            <p:nvPr/>
+          </p:nvPicPr>
+          <p:blipFill rotWithShape="1">
+            <a:blip r:embed="rId11">
+              <a:extLst>
+                <a:ext uri="{28A0092B-C50C-407E-A947-70E740481C1C}">
+                  <a14:useLocalDpi xmlns:a14="http://schemas.microsoft.com/office/drawing/2010/main" val="0"/>
+                </a:ext>
+              </a:extLst>
+            </a:blip>
+            <a:srcRect l="25423" t="23725" r="29072" b="22838"/>
+            <a:stretch/>
+          </p:blipFill>
+          <p:spPr bwMode="auto">
+            <a:xfrm>
+              <a:off x="4570541" y="3231967"/>
+              <a:ext cx="508359" cy="596964"/>
+            </a:xfrm>
+            <a:prstGeom prst="rect">
+              <a:avLst/>
+            </a:prstGeom>
+            <a:noFill/>
+            <a:extLst>
+              <a:ext uri="{909E8E84-426E-40DD-AFC4-6F175D3DCCD1}">
+                <a14:hiddenFill xmlns:a14="http://schemas.microsoft.com/office/drawing/2010/main">
+                  <a:solidFill>
+                    <a:srgbClr val="FFFFFF"/>
+                  </a:solidFill>
+                </a14:hiddenFill>
+              </a:ext>
+            </a:extLst>
+          </p:spPr>
+        </p:pic>
         <p:pic>
           <p:nvPicPr>
             <p:cNvPr id="42" name="Picture 18" descr="Staghorn branching coral in coral reef line art vector icon for marine life  apps and websites Stock Vector | Adobe Stock">
@@ -4681,8 +4707,8 @@
           </p:blipFill>
           <p:spPr bwMode="auto">
             <a:xfrm>
-              <a:off x="7730311" y="5228229"/>
-              <a:ext cx="598232" cy="540407"/>
+              <a:off x="4594088" y="3922868"/>
+              <a:ext cx="415901" cy="349383"/>
             </a:xfrm>
             <a:prstGeom prst="rect">
               <a:avLst/>
@@ -4726,8 +4752,8 @@
           </p:blipFill>
           <p:spPr bwMode="auto">
             <a:xfrm>
-              <a:off x="8047519" y="5673727"/>
-              <a:ext cx="506968" cy="307179"/>
+              <a:off x="4814616" y="4210891"/>
+              <a:ext cx="352453" cy="198597"/>
             </a:xfrm>
             <a:prstGeom prst="rect">
               <a:avLst/>
@@ -4744,518 +4770,443 @@
             </a:extLst>
           </p:spPr>
         </p:pic>
-      </p:grpSp>
-      <p:sp>
-        <p:nvSpPr>
-          <p:cNvPr id="44" name="TextBox 43">
-            <a:extLst>
-              <a:ext uri="{FF2B5EF4-FFF2-40B4-BE49-F238E27FC236}">
-                <a16:creationId xmlns:a16="http://schemas.microsoft.com/office/drawing/2014/main" id="{A498F38F-56E3-B5E6-23F3-93DEC5835940}"/>
-              </a:ext>
-            </a:extLst>
-          </p:cNvPr>
-          <p:cNvSpPr txBox="1"/>
-          <p:nvPr/>
-        </p:nvSpPr>
-        <p:spPr>
-          <a:xfrm>
-            <a:off x="5099749" y="3343950"/>
-            <a:ext cx="874841" cy="261610"/>
-          </a:xfrm>
-          <a:prstGeom prst="rect">
-            <a:avLst/>
-          </a:prstGeom>
-          <a:noFill/>
-        </p:spPr>
-        <p:txBody>
-          <a:bodyPr wrap="square" rtlCol="0">
-            <a:spAutoFit/>
-          </a:bodyPr>
-          <a:lstStyle/>
-          <a:p>
-            <a:pPr algn="ctr"/>
-            <a:r>
-              <a:rPr lang="en-AU" sz="1100" b="1" dirty="0">
-                <a:latin typeface="Arial Nova Cond" panose="020B0604020202020204" pitchFamily="34" charset="0"/>
-              </a:rPr>
-              <a:t>Mangrove</a:t>
-            </a:r>
-          </a:p>
-        </p:txBody>
-      </p:sp>
-      <p:sp>
-        <p:nvSpPr>
-          <p:cNvPr id="45" name="TextBox 44">
-            <a:extLst>
-              <a:ext uri="{FF2B5EF4-FFF2-40B4-BE49-F238E27FC236}">
-                <a16:creationId xmlns:a16="http://schemas.microsoft.com/office/drawing/2014/main" id="{8451A78B-ED4B-6338-B483-7A5F242BD53A}"/>
-              </a:ext>
-            </a:extLst>
-          </p:cNvPr>
-          <p:cNvSpPr txBox="1"/>
-          <p:nvPr/>
-        </p:nvSpPr>
-        <p:spPr>
-          <a:xfrm>
-            <a:off x="5182848" y="3960961"/>
-            <a:ext cx="874841" cy="430887"/>
-          </a:xfrm>
-          <a:prstGeom prst="rect">
-            <a:avLst/>
-          </a:prstGeom>
-          <a:noFill/>
-        </p:spPr>
-        <p:txBody>
-          <a:bodyPr wrap="square" rtlCol="0">
-            <a:spAutoFit/>
-          </a:bodyPr>
-          <a:lstStyle/>
-          <a:p>
-            <a:pPr algn="ctr"/>
-            <a:r>
-              <a:rPr lang="en-AU" sz="1100" b="1" dirty="0">
-                <a:latin typeface="Arial Nova Cond" panose="020B0604020202020204" pitchFamily="34" charset="0"/>
-              </a:rPr>
-              <a:t>Functional diversity</a:t>
-            </a:r>
-          </a:p>
-        </p:txBody>
-      </p:sp>
-      <p:sp>
-        <p:nvSpPr>
-          <p:cNvPr id="46" name="TextBox 45">
-            <a:extLst>
-              <a:ext uri="{FF2B5EF4-FFF2-40B4-BE49-F238E27FC236}">
-                <a16:creationId xmlns:a16="http://schemas.microsoft.com/office/drawing/2014/main" id="{CDA393F1-9962-103E-7AFB-9FB542039A84}"/>
-              </a:ext>
-            </a:extLst>
-          </p:cNvPr>
-          <p:cNvSpPr txBox="1"/>
-          <p:nvPr/>
-        </p:nvSpPr>
-        <p:spPr>
-          <a:xfrm>
-            <a:off x="6163145" y="1004266"/>
-            <a:ext cx="1683468" cy="261610"/>
-          </a:xfrm>
-          <a:prstGeom prst="rect">
-            <a:avLst/>
-          </a:prstGeom>
-          <a:noFill/>
-        </p:spPr>
-        <p:txBody>
-          <a:bodyPr wrap="square" rtlCol="0">
-            <a:spAutoFit/>
-          </a:bodyPr>
-          <a:lstStyle/>
-          <a:p>
-            <a:pPr algn="ctr"/>
-            <a:r>
-              <a:rPr lang="en-AU" sz="1100" b="1" dirty="0">
-                <a:latin typeface="Arial Nova Cond" panose="020B0604020202020204" pitchFamily="34" charset="0"/>
-              </a:rPr>
-              <a:t>SOCIAL VULNERABILITY</a:t>
-            </a:r>
-          </a:p>
-        </p:txBody>
-      </p:sp>
-      <p:cxnSp>
-        <p:nvCxnSpPr>
-          <p:cNvPr id="47" name="Straight Connector 46">
-            <a:extLst>
-              <a:ext uri="{FF2B5EF4-FFF2-40B4-BE49-F238E27FC236}">
-                <a16:creationId xmlns:a16="http://schemas.microsoft.com/office/drawing/2014/main" id="{8D4828DC-835E-00AE-E392-222191CFD2BF}"/>
-              </a:ext>
-            </a:extLst>
-          </p:cNvPr>
-          <p:cNvCxnSpPr>
-            <a:cxnSpLocks/>
-          </p:cNvCxnSpPr>
-          <p:nvPr/>
-        </p:nvCxnSpPr>
-        <p:spPr>
-          <a:xfrm>
-            <a:off x="7807408" y="2911803"/>
-            <a:ext cx="404440" cy="0"/>
-          </a:xfrm>
-          <a:prstGeom prst="line">
-            <a:avLst/>
-          </a:prstGeom>
-          <a:ln w="76200">
-            <a:solidFill>
+        <p:sp>
+          <p:nvSpPr>
+            <p:cNvPr id="44" name="TextBox 43">
+              <a:extLst>
+                <a:ext uri="{FF2B5EF4-FFF2-40B4-BE49-F238E27FC236}">
+                  <a16:creationId xmlns:a16="http://schemas.microsoft.com/office/drawing/2014/main" id="{A498F38F-56E3-B5E6-23F3-93DEC5835940}"/>
+                </a:ext>
+              </a:extLst>
+            </p:cNvPr>
+            <p:cNvSpPr txBox="1"/>
+            <p:nvPr/>
+          </p:nvSpPr>
+          <p:spPr>
+            <a:xfrm>
+              <a:off x="5099749" y="3343950"/>
+              <a:ext cx="874841" cy="261610"/>
+            </a:xfrm>
+            <a:prstGeom prst="rect">
+              <a:avLst/>
+            </a:prstGeom>
+            <a:noFill/>
+          </p:spPr>
+          <p:txBody>
+            <a:bodyPr wrap="square" rtlCol="0">
+              <a:spAutoFit/>
+            </a:bodyPr>
+            <a:lstStyle/>
+            <a:p>
+              <a:pPr algn="ctr"/>
+              <a:r>
+                <a:rPr lang="en-AU" sz="1100" b="1" dirty="0">
+                  <a:latin typeface="Arial Nova Cond" panose="020B0604020202020204" pitchFamily="34" charset="0"/>
+                </a:rPr>
+                <a:t>Mangrove</a:t>
+              </a:r>
+            </a:p>
+          </p:txBody>
+        </p:sp>
+        <p:sp>
+          <p:nvSpPr>
+            <p:cNvPr id="45" name="TextBox 44">
+              <a:extLst>
+                <a:ext uri="{FF2B5EF4-FFF2-40B4-BE49-F238E27FC236}">
+                  <a16:creationId xmlns:a16="http://schemas.microsoft.com/office/drawing/2014/main" id="{8451A78B-ED4B-6338-B483-7A5F242BD53A}"/>
+                </a:ext>
+              </a:extLst>
+            </p:cNvPr>
+            <p:cNvSpPr txBox="1"/>
+            <p:nvPr/>
+          </p:nvSpPr>
+          <p:spPr>
+            <a:xfrm>
+              <a:off x="5182848" y="3960961"/>
+              <a:ext cx="874841" cy="430887"/>
+            </a:xfrm>
+            <a:prstGeom prst="rect">
+              <a:avLst/>
+            </a:prstGeom>
+            <a:noFill/>
+          </p:spPr>
+          <p:txBody>
+            <a:bodyPr wrap="square" rtlCol="0">
+              <a:spAutoFit/>
+            </a:bodyPr>
+            <a:lstStyle/>
+            <a:p>
+              <a:pPr algn="ctr"/>
+              <a:r>
+                <a:rPr lang="en-AU" sz="1100" b="1" dirty="0">
+                  <a:latin typeface="Arial Nova Cond" panose="020B0604020202020204" pitchFamily="34" charset="0"/>
+                </a:rPr>
+                <a:t>Functional diversity</a:t>
+              </a:r>
+            </a:p>
+          </p:txBody>
+        </p:sp>
+        <p:sp>
+          <p:nvSpPr>
+            <p:cNvPr id="46" name="TextBox 45">
+              <a:extLst>
+                <a:ext uri="{FF2B5EF4-FFF2-40B4-BE49-F238E27FC236}">
+                  <a16:creationId xmlns:a16="http://schemas.microsoft.com/office/drawing/2014/main" id="{CDA393F1-9962-103E-7AFB-9FB542039A84}"/>
+                </a:ext>
+              </a:extLst>
+            </p:cNvPr>
+            <p:cNvSpPr txBox="1"/>
+            <p:nvPr/>
+          </p:nvSpPr>
+          <p:spPr>
+            <a:xfrm>
+              <a:off x="6163145" y="1004266"/>
+              <a:ext cx="1683468" cy="261610"/>
+            </a:xfrm>
+            <a:prstGeom prst="rect">
+              <a:avLst/>
+            </a:prstGeom>
+            <a:noFill/>
+          </p:spPr>
+          <p:txBody>
+            <a:bodyPr wrap="square" rtlCol="0">
+              <a:spAutoFit/>
+            </a:bodyPr>
+            <a:lstStyle/>
+            <a:p>
+              <a:pPr algn="ctr"/>
+              <a:r>
+                <a:rPr lang="en-AU" sz="1100" b="1" dirty="0">
+                  <a:latin typeface="Arial Nova Cond" panose="020B0604020202020204" pitchFamily="34" charset="0"/>
+                </a:rPr>
+                <a:t>SOCIAL VULNERABILITY</a:t>
+              </a:r>
+            </a:p>
+          </p:txBody>
+        </p:sp>
+        <p:pic>
+          <p:nvPicPr>
+            <p:cNvPr id="1057" name="Picture 1056" descr="A picture containing text, screenshot, design&#10;&#10;Description automatically generated">
+              <a:extLst>
+                <a:ext uri="{FF2B5EF4-FFF2-40B4-BE49-F238E27FC236}">
+                  <a16:creationId xmlns:a16="http://schemas.microsoft.com/office/drawing/2014/main" id="{21F16648-D7D3-E6B8-E6E1-71B7058E4F1A}"/>
+                </a:ext>
+              </a:extLst>
+            </p:cNvPr>
+            <p:cNvPicPr>
+              <a:picLocks noChangeAspect="1"/>
+            </p:cNvPicPr>
+            <p:nvPr/>
+          </p:nvPicPr>
+          <p:blipFill>
+            <a:blip r:embed="rId13">
+              <a:extLst>
+                <a:ext uri="{28A0092B-C50C-407E-A947-70E740481C1C}">
+                  <a14:useLocalDpi xmlns:a14="http://schemas.microsoft.com/office/drawing/2010/main" val="0"/>
+                </a:ext>
+              </a:extLst>
+            </a:blip>
+            <a:stretch>
+              <a:fillRect/>
+            </a:stretch>
+          </p:blipFill>
+          <p:spPr>
+            <a:xfrm>
+              <a:off x="9272981" y="1619920"/>
+              <a:ext cx="1904021" cy="2496270"/>
+            </a:xfrm>
+            <a:prstGeom prst="rect">
+              <a:avLst/>
+            </a:prstGeom>
+          </p:spPr>
+        </p:pic>
+        <p:sp>
+          <p:nvSpPr>
+            <p:cNvPr id="1058" name="TextBox 1057">
+              <a:extLst>
+                <a:ext uri="{FF2B5EF4-FFF2-40B4-BE49-F238E27FC236}">
+                  <a16:creationId xmlns:a16="http://schemas.microsoft.com/office/drawing/2014/main" id="{AEA91381-04AC-329B-8DBF-F2DE51B70B5B}"/>
+                </a:ext>
+              </a:extLst>
+            </p:cNvPr>
+            <p:cNvSpPr txBox="1"/>
+            <p:nvPr/>
+          </p:nvSpPr>
+          <p:spPr>
+            <a:xfrm>
+              <a:off x="7941576" y="1001040"/>
+              <a:ext cx="1163090" cy="261610"/>
+            </a:xfrm>
+            <a:prstGeom prst="rect">
+              <a:avLst/>
+            </a:prstGeom>
+            <a:noFill/>
+          </p:spPr>
+          <p:txBody>
+            <a:bodyPr wrap="square" rtlCol="0">
+              <a:spAutoFit/>
+            </a:bodyPr>
+            <a:lstStyle/>
+            <a:p>
+              <a:pPr algn="ctr"/>
+              <a:r>
+                <a:rPr lang="en-AU" sz="1100" b="1" dirty="0">
+                  <a:latin typeface="Arial Nova Cond" panose="020B0604020202020204" pitchFamily="34" charset="0"/>
+                </a:rPr>
+                <a:t>RISK ESTIMATE</a:t>
+              </a:r>
+            </a:p>
+          </p:txBody>
+        </p:sp>
+        <p:sp>
+          <p:nvSpPr>
+            <p:cNvPr id="1059" name="TextBox 1058">
+              <a:extLst>
+                <a:ext uri="{FF2B5EF4-FFF2-40B4-BE49-F238E27FC236}">
+                  <a16:creationId xmlns:a16="http://schemas.microsoft.com/office/drawing/2014/main" id="{7BC30CB2-3748-468D-B1B0-A35F9E74951B}"/>
+                </a:ext>
+              </a:extLst>
+            </p:cNvPr>
+            <p:cNvSpPr txBox="1"/>
+            <p:nvPr/>
+          </p:nvSpPr>
+          <p:spPr>
+            <a:xfrm>
+              <a:off x="9691062" y="986062"/>
+              <a:ext cx="1275164" cy="261610"/>
+            </a:xfrm>
+            <a:prstGeom prst="rect">
+              <a:avLst/>
+            </a:prstGeom>
+            <a:noFill/>
+          </p:spPr>
+          <p:txBody>
+            <a:bodyPr wrap="square" rtlCol="0">
+              <a:spAutoFit/>
+            </a:bodyPr>
+            <a:lstStyle/>
+            <a:p>
+              <a:pPr algn="ctr"/>
+              <a:r>
+                <a:rPr lang="en-AU" sz="1100" b="1" dirty="0">
+                  <a:latin typeface="Arial Nova Cond" panose="020B0604020202020204" pitchFamily="34" charset="0"/>
+                </a:rPr>
+                <a:t>OPTIONS SPACE</a:t>
+              </a:r>
+            </a:p>
+          </p:txBody>
+        </p:sp>
+        <p:cxnSp>
+          <p:nvCxnSpPr>
+            <p:cNvPr id="1061" name="Straight Arrow Connector 1060">
+              <a:extLst>
+                <a:ext uri="{FF2B5EF4-FFF2-40B4-BE49-F238E27FC236}">
+                  <a16:creationId xmlns:a16="http://schemas.microsoft.com/office/drawing/2014/main" id="{0E7633E3-90DB-709F-2303-DBA556519F79}"/>
+                </a:ext>
+              </a:extLst>
+            </p:cNvPr>
+            <p:cNvCxnSpPr>
+              <a:cxnSpLocks/>
+            </p:cNvCxnSpPr>
+            <p:nvPr/>
+          </p:nvCxnSpPr>
+          <p:spPr>
+            <a:xfrm>
+              <a:off x="9597103" y="1283381"/>
+              <a:ext cx="1667666" cy="0"/>
+            </a:xfrm>
+            <a:prstGeom prst="straightConnector1">
+              <a:avLst/>
+            </a:prstGeom>
+            <a:ln w="12700">
+              <a:solidFill>
+                <a:schemeClr val="tx1"/>
+              </a:solidFill>
+              <a:tailEnd type="triangle"/>
+            </a:ln>
+          </p:spPr>
+          <p:style>
+            <a:lnRef idx="1">
+              <a:schemeClr val="accent1"/>
+            </a:lnRef>
+            <a:fillRef idx="0">
+              <a:schemeClr val="accent1"/>
+            </a:fillRef>
+            <a:effectRef idx="0">
+              <a:schemeClr val="accent1"/>
+            </a:effectRef>
+            <a:fontRef idx="minor">
               <a:schemeClr val="tx1"/>
-            </a:solidFill>
-            <a:headEnd type="none" w="med" len="med"/>
-            <a:tailEnd type="triangle" w="med" len="med"/>
-          </a:ln>
-        </p:spPr>
-        <p:style>
-          <a:lnRef idx="1">
-            <a:schemeClr val="accent1"/>
-          </a:lnRef>
-          <a:fillRef idx="0">
-            <a:schemeClr val="accent1"/>
-          </a:fillRef>
-          <a:effectRef idx="0">
-            <a:schemeClr val="accent1"/>
-          </a:effectRef>
-          <a:fontRef idx="minor">
-            <a:schemeClr val="tx1"/>
-          </a:fontRef>
-        </p:style>
-      </p:cxnSp>
-      <p:pic>
-        <p:nvPicPr>
-          <p:cNvPr id="1057" name="Picture 1056" descr="A picture containing text, screenshot, design&#10;&#10;Description automatically generated">
-            <a:extLst>
-              <a:ext uri="{FF2B5EF4-FFF2-40B4-BE49-F238E27FC236}">
-                <a16:creationId xmlns:a16="http://schemas.microsoft.com/office/drawing/2014/main" id="{21F16648-D7D3-E6B8-E6E1-71B7058E4F1A}"/>
-              </a:ext>
-            </a:extLst>
-          </p:cNvPr>
-          <p:cNvPicPr>
-            <a:picLocks noChangeAspect="1"/>
-          </p:cNvPicPr>
-          <p:nvPr/>
-        </p:nvPicPr>
-        <p:blipFill>
-          <a:blip r:embed="rId13">
-            <a:extLst>
-              <a:ext uri="{28A0092B-C50C-407E-A947-70E740481C1C}">
-                <a14:useLocalDpi xmlns:a14="http://schemas.microsoft.com/office/drawing/2010/main" val="0"/>
-              </a:ext>
-            </a:extLst>
-          </a:blip>
-          <a:stretch>
-            <a:fillRect/>
-          </a:stretch>
-        </p:blipFill>
-        <p:spPr>
-          <a:xfrm>
-            <a:off x="9272981" y="1619920"/>
-            <a:ext cx="1904021" cy="2496270"/>
-          </a:xfrm>
-          <a:prstGeom prst="rect">
-            <a:avLst/>
-          </a:prstGeom>
-        </p:spPr>
-      </p:pic>
-      <p:sp>
-        <p:nvSpPr>
-          <p:cNvPr id="1058" name="TextBox 1057">
-            <a:extLst>
-              <a:ext uri="{FF2B5EF4-FFF2-40B4-BE49-F238E27FC236}">
-                <a16:creationId xmlns:a16="http://schemas.microsoft.com/office/drawing/2014/main" id="{AEA91381-04AC-329B-8DBF-F2DE51B70B5B}"/>
-              </a:ext>
-            </a:extLst>
-          </p:cNvPr>
-          <p:cNvSpPr txBox="1"/>
-          <p:nvPr/>
-        </p:nvSpPr>
-        <p:spPr>
-          <a:xfrm>
-            <a:off x="7941576" y="1001040"/>
-            <a:ext cx="1163090" cy="261610"/>
-          </a:xfrm>
-          <a:prstGeom prst="rect">
-            <a:avLst/>
-          </a:prstGeom>
-          <a:noFill/>
-        </p:spPr>
-        <p:txBody>
-          <a:bodyPr wrap="square" rtlCol="0">
-            <a:spAutoFit/>
-          </a:bodyPr>
-          <a:lstStyle/>
-          <a:p>
-            <a:pPr algn="ctr"/>
-            <a:r>
-              <a:rPr lang="en-AU" sz="1100" b="1" dirty="0">
-                <a:latin typeface="Arial Nova Cond" panose="020B0604020202020204" pitchFamily="34" charset="0"/>
-              </a:rPr>
-              <a:t>RISK ESTIMATE</a:t>
-            </a:r>
-          </a:p>
-        </p:txBody>
-      </p:sp>
-      <p:sp>
-        <p:nvSpPr>
-          <p:cNvPr id="1059" name="TextBox 1058">
-            <a:extLst>
-              <a:ext uri="{FF2B5EF4-FFF2-40B4-BE49-F238E27FC236}">
-                <a16:creationId xmlns:a16="http://schemas.microsoft.com/office/drawing/2014/main" id="{7BC30CB2-3748-468D-B1B0-A35F9E74951B}"/>
-              </a:ext>
-            </a:extLst>
-          </p:cNvPr>
-          <p:cNvSpPr txBox="1"/>
-          <p:nvPr/>
-        </p:nvSpPr>
-        <p:spPr>
-          <a:xfrm>
-            <a:off x="9691062" y="986062"/>
-            <a:ext cx="1275164" cy="261610"/>
-          </a:xfrm>
-          <a:prstGeom prst="rect">
-            <a:avLst/>
-          </a:prstGeom>
-          <a:noFill/>
-        </p:spPr>
-        <p:txBody>
-          <a:bodyPr wrap="square" rtlCol="0">
-            <a:spAutoFit/>
-          </a:bodyPr>
-          <a:lstStyle/>
-          <a:p>
-            <a:pPr algn="ctr"/>
-            <a:r>
-              <a:rPr lang="en-AU" sz="1100" b="1" dirty="0">
-                <a:latin typeface="Arial Nova Cond" panose="020B0604020202020204" pitchFamily="34" charset="0"/>
-              </a:rPr>
-              <a:t>OPTIONS SPACE</a:t>
-            </a:r>
-          </a:p>
-        </p:txBody>
-      </p:sp>
-      <p:cxnSp>
-        <p:nvCxnSpPr>
-          <p:cNvPr id="1061" name="Straight Arrow Connector 1060">
-            <a:extLst>
-              <a:ext uri="{FF2B5EF4-FFF2-40B4-BE49-F238E27FC236}">
-                <a16:creationId xmlns:a16="http://schemas.microsoft.com/office/drawing/2014/main" id="{0E7633E3-90DB-709F-2303-DBA556519F79}"/>
-              </a:ext>
-            </a:extLst>
-          </p:cNvPr>
-          <p:cNvCxnSpPr>
-            <a:cxnSpLocks/>
-          </p:cNvCxnSpPr>
-          <p:nvPr/>
-        </p:nvCxnSpPr>
-        <p:spPr>
-          <a:xfrm>
-            <a:off x="9597103" y="1283381"/>
-            <a:ext cx="1667666" cy="0"/>
-          </a:xfrm>
-          <a:prstGeom prst="straightConnector1">
-            <a:avLst/>
-          </a:prstGeom>
-          <a:ln w="12700">
-            <a:solidFill>
+            </a:fontRef>
+          </p:style>
+        </p:cxnSp>
+        <p:sp>
+          <p:nvSpPr>
+            <p:cNvPr id="1063" name="TextBox 1062">
+              <a:extLst>
+                <a:ext uri="{FF2B5EF4-FFF2-40B4-BE49-F238E27FC236}">
+                  <a16:creationId xmlns:a16="http://schemas.microsoft.com/office/drawing/2014/main" id="{8C6E6B6E-245F-2709-420D-F98085867EF5}"/>
+                </a:ext>
+              </a:extLst>
+            </p:cNvPr>
+            <p:cNvSpPr txBox="1"/>
+            <p:nvPr/>
+          </p:nvSpPr>
+          <p:spPr>
+            <a:xfrm>
+              <a:off x="9597103" y="1267432"/>
+              <a:ext cx="1485762" cy="369332"/>
+            </a:xfrm>
+            <a:prstGeom prst="rect">
+              <a:avLst/>
+            </a:prstGeom>
+            <a:noFill/>
+          </p:spPr>
+          <p:txBody>
+            <a:bodyPr wrap="square" rtlCol="0">
+              <a:spAutoFit/>
+            </a:bodyPr>
+            <a:lstStyle/>
+            <a:p>
+              <a:pPr algn="ctr"/>
+              <a:r>
+                <a:rPr lang="en-AU" sz="900" b="1" dirty="0">
+                  <a:latin typeface="Arial Nova Cond" panose="020B0604020202020204" pitchFamily="34" charset="0"/>
+                </a:rPr>
+                <a:t>Investment in effective </a:t>
+              </a:r>
+            </a:p>
+            <a:p>
+              <a:pPr algn="ctr"/>
+              <a:r>
+                <a:rPr lang="en-AU" sz="900" b="1" dirty="0">
+                  <a:latin typeface="Arial Nova Cond" panose="020B0604020202020204" pitchFamily="34" charset="0"/>
+                </a:rPr>
+                <a:t>vulnerability reduction</a:t>
+              </a:r>
+            </a:p>
+          </p:txBody>
+        </p:sp>
+        <p:cxnSp>
+          <p:nvCxnSpPr>
+            <p:cNvPr id="1064" name="Straight Arrow Connector 1063">
+              <a:extLst>
+                <a:ext uri="{FF2B5EF4-FFF2-40B4-BE49-F238E27FC236}">
+                  <a16:creationId xmlns:a16="http://schemas.microsoft.com/office/drawing/2014/main" id="{EAD9EE95-E927-34A1-F314-6A1612FCE3A7}"/>
+                </a:ext>
+              </a:extLst>
+            </p:cNvPr>
+            <p:cNvCxnSpPr>
+              <a:cxnSpLocks/>
+            </p:cNvCxnSpPr>
+            <p:nvPr/>
+          </p:nvCxnSpPr>
+          <p:spPr>
+            <a:xfrm flipV="1">
+              <a:off x="11326022" y="1643417"/>
+              <a:ext cx="0" cy="2060348"/>
+            </a:xfrm>
+            <a:prstGeom prst="straightConnector1">
+              <a:avLst/>
+            </a:prstGeom>
+            <a:ln w="12700">
+              <a:solidFill>
+                <a:schemeClr val="tx1"/>
+              </a:solidFill>
+              <a:tailEnd type="triangle"/>
+            </a:ln>
+          </p:spPr>
+          <p:style>
+            <a:lnRef idx="1">
+              <a:schemeClr val="accent1"/>
+            </a:lnRef>
+            <a:fillRef idx="0">
+              <a:schemeClr val="accent1"/>
+            </a:fillRef>
+            <a:effectRef idx="0">
+              <a:schemeClr val="accent1"/>
+            </a:effectRef>
+            <a:fontRef idx="minor">
               <a:schemeClr val="tx1"/>
-            </a:solidFill>
-            <a:tailEnd type="triangle"/>
-          </a:ln>
-        </p:spPr>
-        <p:style>
-          <a:lnRef idx="1">
-            <a:schemeClr val="accent1"/>
-          </a:lnRef>
-          <a:fillRef idx="0">
-            <a:schemeClr val="accent1"/>
-          </a:fillRef>
-          <a:effectRef idx="0">
-            <a:schemeClr val="accent1"/>
-          </a:effectRef>
-          <a:fontRef idx="minor">
-            <a:schemeClr val="tx1"/>
-          </a:fontRef>
-        </p:style>
-      </p:cxnSp>
-      <p:sp>
-        <p:nvSpPr>
-          <p:cNvPr id="1063" name="TextBox 1062">
-            <a:extLst>
-              <a:ext uri="{FF2B5EF4-FFF2-40B4-BE49-F238E27FC236}">
-                <a16:creationId xmlns:a16="http://schemas.microsoft.com/office/drawing/2014/main" id="{8C6E6B6E-245F-2709-420D-F98085867EF5}"/>
-              </a:ext>
-            </a:extLst>
-          </p:cNvPr>
-          <p:cNvSpPr txBox="1"/>
-          <p:nvPr/>
-        </p:nvSpPr>
-        <p:spPr>
-          <a:xfrm>
-            <a:off x="9597103" y="1267432"/>
-            <a:ext cx="1485762" cy="369332"/>
-          </a:xfrm>
-          <a:prstGeom prst="rect">
-            <a:avLst/>
-          </a:prstGeom>
-          <a:noFill/>
-        </p:spPr>
-        <p:txBody>
-          <a:bodyPr wrap="square" rtlCol="0">
-            <a:spAutoFit/>
-          </a:bodyPr>
-          <a:lstStyle/>
-          <a:p>
-            <a:pPr algn="ctr"/>
-            <a:r>
-              <a:rPr lang="en-AU" sz="900" b="1" dirty="0">
-                <a:latin typeface="Arial Nova Cond" panose="020B0604020202020204" pitchFamily="34" charset="0"/>
-              </a:rPr>
-              <a:t>Investment in effective </a:t>
-            </a:r>
-          </a:p>
-          <a:p>
-            <a:pPr algn="ctr"/>
-            <a:r>
-              <a:rPr lang="en-AU" sz="900" b="1" dirty="0">
-                <a:latin typeface="Arial Nova Cond" panose="020B0604020202020204" pitchFamily="34" charset="0"/>
-              </a:rPr>
-              <a:t>vulnerability reduction</a:t>
-            </a:r>
-          </a:p>
-        </p:txBody>
-      </p:sp>
-      <p:cxnSp>
-        <p:nvCxnSpPr>
-          <p:cNvPr id="1064" name="Straight Arrow Connector 1063">
-            <a:extLst>
-              <a:ext uri="{FF2B5EF4-FFF2-40B4-BE49-F238E27FC236}">
-                <a16:creationId xmlns:a16="http://schemas.microsoft.com/office/drawing/2014/main" id="{EAD9EE95-E927-34A1-F314-6A1612FCE3A7}"/>
-              </a:ext>
-            </a:extLst>
-          </p:cNvPr>
-          <p:cNvCxnSpPr>
-            <a:cxnSpLocks/>
-          </p:cNvCxnSpPr>
-          <p:nvPr/>
-        </p:nvCxnSpPr>
-        <p:spPr>
-          <a:xfrm flipV="1">
-            <a:off x="11326022" y="1643417"/>
-            <a:ext cx="0" cy="2060348"/>
-          </a:xfrm>
-          <a:prstGeom prst="straightConnector1">
-            <a:avLst/>
-          </a:prstGeom>
-          <a:ln w="12700">
-            <a:solidFill>
-              <a:schemeClr val="tx1"/>
-            </a:solidFill>
-            <a:tailEnd type="triangle"/>
-          </a:ln>
-        </p:spPr>
-        <p:style>
-          <a:lnRef idx="1">
-            <a:schemeClr val="accent1"/>
-          </a:lnRef>
-          <a:fillRef idx="0">
-            <a:schemeClr val="accent1"/>
-          </a:fillRef>
-          <a:effectRef idx="0">
-            <a:schemeClr val="accent1"/>
-          </a:effectRef>
-          <a:fontRef idx="minor">
-            <a:schemeClr val="tx1"/>
-          </a:fontRef>
-        </p:style>
-      </p:cxnSp>
-      <p:sp>
-        <p:nvSpPr>
-          <p:cNvPr id="1067" name="TextBox 1066">
-            <a:extLst>
-              <a:ext uri="{FF2B5EF4-FFF2-40B4-BE49-F238E27FC236}">
-                <a16:creationId xmlns:a16="http://schemas.microsoft.com/office/drawing/2014/main" id="{432FA28A-55B7-A10A-C929-4E9A70209926}"/>
-              </a:ext>
-            </a:extLst>
-          </p:cNvPr>
-          <p:cNvSpPr txBox="1"/>
-          <p:nvPr/>
-        </p:nvSpPr>
-        <p:spPr>
-          <a:xfrm rot="16200000">
-            <a:off x="10138218" y="2462008"/>
-            <a:ext cx="2144775" cy="230832"/>
-          </a:xfrm>
-          <a:prstGeom prst="rect">
-            <a:avLst/>
-          </a:prstGeom>
-          <a:noFill/>
-        </p:spPr>
-        <p:txBody>
-          <a:bodyPr wrap="square" rtlCol="0">
-            <a:spAutoFit/>
-          </a:bodyPr>
-          <a:lstStyle/>
-          <a:p>
-            <a:pPr algn="ctr"/>
-            <a:r>
-              <a:rPr lang="en-AU" sz="900" b="1" dirty="0">
-                <a:latin typeface="Arial Nova Cond" panose="020B0604020202020204" pitchFamily="34" charset="0"/>
-              </a:rPr>
-              <a:t>Investment in effective adaptation</a:t>
-            </a:r>
-          </a:p>
-        </p:txBody>
-      </p:sp>
-      <p:sp>
-        <p:nvSpPr>
-          <p:cNvPr id="1069" name="TextBox 1068">
-            <a:extLst>
-              <a:ext uri="{FF2B5EF4-FFF2-40B4-BE49-F238E27FC236}">
-                <a16:creationId xmlns:a16="http://schemas.microsoft.com/office/drawing/2014/main" id="{FF75A248-5F52-7301-D705-8486A3A2D223}"/>
-              </a:ext>
-            </a:extLst>
-          </p:cNvPr>
-          <p:cNvSpPr txBox="1"/>
-          <p:nvPr/>
-        </p:nvSpPr>
-        <p:spPr>
-          <a:xfrm>
-            <a:off x="8400351" y="4663265"/>
-            <a:ext cx="2554888" cy="584775"/>
-          </a:xfrm>
-          <a:prstGeom prst="rect">
-            <a:avLst/>
-          </a:prstGeom>
-          <a:noFill/>
-        </p:spPr>
-        <p:txBody>
-          <a:bodyPr wrap="square" rtlCol="0">
-            <a:spAutoFit/>
-          </a:bodyPr>
-          <a:lstStyle/>
-          <a:p>
-            <a:pPr algn="ctr"/>
-            <a:r>
-              <a:rPr lang="en-AU" sz="1600" b="1" dirty="0">
-                <a:latin typeface="Arial Nova Cond" panose="020B0604020202020204" pitchFamily="34" charset="0"/>
-              </a:rPr>
-              <a:t>(C) </a:t>
-            </a:r>
-          </a:p>
-          <a:p>
-            <a:pPr algn="ctr"/>
-            <a:r>
-              <a:rPr lang="en-AU" sz="1600" b="1" dirty="0">
-                <a:latin typeface="Arial Nova Cond" panose="020B0604020202020204" pitchFamily="34" charset="0"/>
-              </a:rPr>
-              <a:t>Results &amp; Policy Space</a:t>
-            </a:r>
-          </a:p>
-        </p:txBody>
-      </p:sp>
-      <p:grpSp>
-        <p:nvGrpSpPr>
-          <p:cNvPr id="1104" name="Group 1103">
-            <a:extLst>
-              <a:ext uri="{FF2B5EF4-FFF2-40B4-BE49-F238E27FC236}">
-                <a16:creationId xmlns:a16="http://schemas.microsoft.com/office/drawing/2014/main" id="{00300BA3-A132-B8C4-DCD8-4BEE0B433AC0}"/>
-              </a:ext>
-            </a:extLst>
-          </p:cNvPr>
-          <p:cNvGrpSpPr/>
-          <p:nvPr/>
-        </p:nvGrpSpPr>
-        <p:grpSpPr>
-          <a:xfrm>
-            <a:off x="8324782" y="1254338"/>
-            <a:ext cx="843033" cy="2716558"/>
-            <a:chOff x="9757617" y="1519847"/>
-            <a:chExt cx="939772" cy="3275723"/>
-          </a:xfrm>
-        </p:grpSpPr>
+            </a:fontRef>
+          </p:style>
+        </p:cxnSp>
+        <p:sp>
+          <p:nvSpPr>
+            <p:cNvPr id="1067" name="TextBox 1066">
+              <a:extLst>
+                <a:ext uri="{FF2B5EF4-FFF2-40B4-BE49-F238E27FC236}">
+                  <a16:creationId xmlns:a16="http://schemas.microsoft.com/office/drawing/2014/main" id="{432FA28A-55B7-A10A-C929-4E9A70209926}"/>
+                </a:ext>
+              </a:extLst>
+            </p:cNvPr>
+            <p:cNvSpPr txBox="1"/>
+            <p:nvPr/>
+          </p:nvSpPr>
+          <p:spPr>
+            <a:xfrm rot="16200000">
+              <a:off x="10138218" y="2462008"/>
+              <a:ext cx="2144775" cy="230832"/>
+            </a:xfrm>
+            <a:prstGeom prst="rect">
+              <a:avLst/>
+            </a:prstGeom>
+            <a:noFill/>
+          </p:spPr>
+          <p:txBody>
+            <a:bodyPr wrap="square" rtlCol="0">
+              <a:spAutoFit/>
+            </a:bodyPr>
+            <a:lstStyle/>
+            <a:p>
+              <a:pPr algn="ctr"/>
+              <a:r>
+                <a:rPr lang="en-AU" sz="900" b="1" dirty="0">
+                  <a:latin typeface="Arial Nova Cond" panose="020B0604020202020204" pitchFamily="34" charset="0"/>
+                </a:rPr>
+                <a:t>Investment in effective adaptation</a:t>
+              </a:r>
+            </a:p>
+          </p:txBody>
+        </p:sp>
+        <p:sp>
+          <p:nvSpPr>
+            <p:cNvPr id="1069" name="TextBox 1068">
+              <a:extLst>
+                <a:ext uri="{FF2B5EF4-FFF2-40B4-BE49-F238E27FC236}">
+                  <a16:creationId xmlns:a16="http://schemas.microsoft.com/office/drawing/2014/main" id="{FF75A248-5F52-7301-D705-8486A3A2D223}"/>
+                </a:ext>
+              </a:extLst>
+            </p:cNvPr>
+            <p:cNvSpPr txBox="1"/>
+            <p:nvPr/>
+          </p:nvSpPr>
+          <p:spPr>
+            <a:xfrm>
+              <a:off x="8257534" y="506984"/>
+              <a:ext cx="2554888" cy="276999"/>
+            </a:xfrm>
+            <a:prstGeom prst="rect">
+              <a:avLst/>
+            </a:prstGeom>
+            <a:noFill/>
+          </p:spPr>
+          <p:txBody>
+            <a:bodyPr wrap="square" rtlCol="0">
+              <a:spAutoFit/>
+            </a:bodyPr>
+            <a:lstStyle/>
+            <a:p>
+              <a:pPr algn="ctr"/>
+              <a:r>
+                <a:rPr lang="en-AU" sz="1200" b="1" dirty="0">
+                  <a:latin typeface="Arial Nova Cond" panose="020B0604020202020204" pitchFamily="34" charset="0"/>
+                </a:rPr>
+                <a:t>(C) Results &amp; Policy Space</a:t>
+              </a:r>
+            </a:p>
+          </p:txBody>
+        </p:sp>
         <p:grpSp>
           <p:nvGrpSpPr>
             <p:cNvPr id="1053" name="Group 1052">
@@ -5270,8 +5221,8 @@
           </p:nvGrpSpPr>
           <p:grpSpPr>
             <a:xfrm>
-              <a:off x="9757617" y="1577787"/>
-              <a:ext cx="676049" cy="2472120"/>
+              <a:off x="8324782" y="1302388"/>
+              <a:ext cx="606457" cy="2050130"/>
               <a:chOff x="9776407" y="1315616"/>
               <a:chExt cx="623187" cy="3503390"/>
             </a:xfrm>
@@ -5417,8 +5368,8 @@
               <a:noFill/>
               <a:ln>
                 <a:solidFill>
-                  <a:schemeClr val="bg2">
-                    <a:lumMod val="50000"/>
+                  <a:schemeClr val="bg1">
+                    <a:lumMod val="85000"/>
                   </a:schemeClr>
                 </a:solidFill>
               </a:ln>
@@ -5589,8 +5540,8 @@
           </p:nvSpPr>
           <p:spPr>
             <a:xfrm rot="16200000">
-              <a:off x="9514798" y="4228996"/>
-              <a:ext cx="850094" cy="283053"/>
+              <a:off x="8135760" y="3491446"/>
+              <a:ext cx="704983" cy="253916"/>
             </a:xfrm>
             <a:prstGeom prst="rect">
               <a:avLst/>
@@ -5627,8 +5578,8 @@
           </p:nvSpPr>
           <p:spPr>
             <a:xfrm rot="16200000">
-              <a:off x="9793029" y="4228996"/>
-              <a:ext cx="850094" cy="283053"/>
+              <a:off x="8385350" y="3491446"/>
+              <a:ext cx="704983" cy="253916"/>
             </a:xfrm>
             <a:prstGeom prst="rect">
               <a:avLst/>
@@ -5665,8 +5616,8 @@
           </p:nvSpPr>
           <p:spPr>
             <a:xfrm rot="16200000">
-              <a:off x="10226321" y="3795074"/>
-              <a:ext cx="680526" cy="261610"/>
+              <a:off x="8768295" y="3132321"/>
+              <a:ext cx="564360" cy="234680"/>
             </a:xfrm>
             <a:prstGeom prst="rect">
               <a:avLst/>
@@ -5703,8 +5654,8 @@
           </p:nvSpPr>
           <p:spPr>
             <a:xfrm rot="16200000">
-              <a:off x="10101001" y="2724036"/>
-              <a:ext cx="890727" cy="261610"/>
+              <a:off x="8662997" y="2244109"/>
+              <a:ext cx="738680" cy="234680"/>
             </a:xfrm>
             <a:prstGeom prst="rect">
               <a:avLst/>
@@ -5741,8 +5692,8 @@
           </p:nvSpPr>
           <p:spPr>
             <a:xfrm rot="16200000">
-              <a:off x="10272550" y="1683076"/>
-              <a:ext cx="588068" cy="261610"/>
+              <a:off x="8806632" y="1380840"/>
+              <a:ext cx="487685" cy="234680"/>
             </a:xfrm>
             <a:prstGeom prst="rect">
               <a:avLst/>
@@ -5765,33 +5716,735 @@
             </a:p>
           </p:txBody>
         </p:sp>
-      </p:grpSp>
-      <p:grpSp>
-        <p:nvGrpSpPr>
-          <p:cNvPr id="1105" name="Group 1104">
-            <a:extLst>
-              <a:ext uri="{FF2B5EF4-FFF2-40B4-BE49-F238E27FC236}">
-                <a16:creationId xmlns:a16="http://schemas.microsoft.com/office/drawing/2014/main" id="{1AB821BF-54E9-2F3D-E16A-355996E9F40B}"/>
-              </a:ext>
-            </a:extLst>
-          </p:cNvPr>
-          <p:cNvGrpSpPr/>
-          <p:nvPr/>
-        </p:nvGrpSpPr>
-        <p:grpSpPr>
-          <a:xfrm>
-            <a:off x="7941576" y="3905367"/>
-            <a:ext cx="1819420" cy="649578"/>
-            <a:chOff x="9561342" y="4813324"/>
-            <a:chExt cx="2028202" cy="783285"/>
-          </a:xfrm>
-        </p:grpSpPr>
+        <p:grpSp>
+          <p:nvGrpSpPr>
+            <p:cNvPr id="9" name="Group 8">
+              <a:extLst>
+                <a:ext uri="{FF2B5EF4-FFF2-40B4-BE49-F238E27FC236}">
+                  <a16:creationId xmlns:a16="http://schemas.microsoft.com/office/drawing/2014/main" id="{0FEFDAEA-E8E5-E6F3-F095-8411C746F947}"/>
+                </a:ext>
+              </a:extLst>
+            </p:cNvPr>
+            <p:cNvGrpSpPr/>
+            <p:nvPr/>
+          </p:nvGrpSpPr>
+          <p:grpSpPr>
+            <a:xfrm>
+              <a:off x="7941576" y="3905367"/>
+              <a:ext cx="1819420" cy="649578"/>
+              <a:chOff x="7941576" y="3905367"/>
+              <a:chExt cx="1819420" cy="649578"/>
+            </a:xfrm>
+          </p:grpSpPr>
+          <p:sp>
+            <p:nvSpPr>
+              <p:cNvPr id="1073" name="Rectangle 1072">
+                <a:extLst>
+                  <a:ext uri="{FF2B5EF4-FFF2-40B4-BE49-F238E27FC236}">
+                    <a16:creationId xmlns:a16="http://schemas.microsoft.com/office/drawing/2014/main" id="{0FB2C3FC-1148-0783-13F1-F58FF389DEE2}"/>
+                  </a:ext>
+                </a:extLst>
+              </p:cNvPr>
+              <p:cNvSpPr/>
+              <p:nvPr/>
+            </p:nvSpPr>
+            <p:spPr>
+              <a:xfrm>
+                <a:off x="7941576" y="4105766"/>
+                <a:ext cx="1007867" cy="141622"/>
+              </a:xfrm>
+              <a:prstGeom prst="rect">
+                <a:avLst/>
+              </a:prstGeom>
+              <a:solidFill>
+                <a:schemeClr val="accent4">
+                  <a:lumMod val="75000"/>
+                </a:schemeClr>
+              </a:solidFill>
+              <a:ln>
+                <a:noFill/>
+              </a:ln>
+            </p:spPr>
+            <p:style>
+              <a:lnRef idx="2">
+                <a:schemeClr val="accent1">
+                  <a:shade val="50000"/>
+                </a:schemeClr>
+              </a:lnRef>
+              <a:fillRef idx="1">
+                <a:schemeClr val="accent1"/>
+              </a:fillRef>
+              <a:effectRef idx="0">
+                <a:schemeClr val="accent1"/>
+              </a:effectRef>
+              <a:fontRef idx="minor">
+                <a:schemeClr val="lt1"/>
+              </a:fontRef>
+            </p:style>
+            <p:txBody>
+              <a:bodyPr rtlCol="0" anchor="ctr"/>
+              <a:lstStyle/>
+              <a:p>
+                <a:pPr algn="ctr"/>
+                <a:endParaRPr lang="en-AU">
+                  <a:latin typeface="Century" panose="02040604050505020304" pitchFamily="18" charset="0"/>
+                </a:endParaRPr>
+              </a:p>
+            </p:txBody>
+          </p:sp>
+          <p:sp>
+            <p:nvSpPr>
+              <p:cNvPr id="1074" name="Rectangle 1073">
+                <a:extLst>
+                  <a:ext uri="{FF2B5EF4-FFF2-40B4-BE49-F238E27FC236}">
+                    <a16:creationId xmlns:a16="http://schemas.microsoft.com/office/drawing/2014/main" id="{5D00E2BC-F7E0-6982-47D2-D5EFF6E4FD0D}"/>
+                  </a:ext>
+                </a:extLst>
+              </p:cNvPr>
+              <p:cNvSpPr/>
+              <p:nvPr/>
+            </p:nvSpPr>
+            <p:spPr>
+              <a:xfrm>
+                <a:off x="8953913" y="4106987"/>
+                <a:ext cx="466050" cy="141623"/>
+              </a:xfrm>
+              <a:prstGeom prst="rect">
+                <a:avLst/>
+              </a:prstGeom>
+              <a:pattFill prst="wdDnDiag">
+                <a:fgClr>
+                  <a:schemeClr val="accent4">
+                    <a:lumMod val="40000"/>
+                    <a:lumOff val="60000"/>
+                  </a:schemeClr>
+                </a:fgClr>
+                <a:bgClr>
+                  <a:schemeClr val="bg1"/>
+                </a:bgClr>
+              </a:pattFill>
+              <a:ln>
+                <a:noFill/>
+              </a:ln>
+            </p:spPr>
+            <p:style>
+              <a:lnRef idx="2">
+                <a:schemeClr val="accent1">
+                  <a:shade val="50000"/>
+                </a:schemeClr>
+              </a:lnRef>
+              <a:fillRef idx="1">
+                <a:schemeClr val="accent1"/>
+              </a:fillRef>
+              <a:effectRef idx="0">
+                <a:schemeClr val="accent1"/>
+              </a:effectRef>
+              <a:fontRef idx="minor">
+                <a:schemeClr val="lt1"/>
+              </a:fontRef>
+            </p:style>
+            <p:txBody>
+              <a:bodyPr rtlCol="0" anchor="ctr"/>
+              <a:lstStyle/>
+              <a:p>
+                <a:pPr algn="ctr"/>
+                <a:endParaRPr lang="en-AU">
+                  <a:latin typeface="Century" panose="02040604050505020304" pitchFamily="18" charset="0"/>
+                </a:endParaRPr>
+              </a:p>
+            </p:txBody>
+          </p:sp>
+          <p:sp>
+            <p:nvSpPr>
+              <p:cNvPr id="1076" name="TextBox 1075">
+                <a:extLst>
+                  <a:ext uri="{FF2B5EF4-FFF2-40B4-BE49-F238E27FC236}">
+                    <a16:creationId xmlns:a16="http://schemas.microsoft.com/office/drawing/2014/main" id="{86721CB2-E1F5-3562-1C5F-B4DF70745581}"/>
+                  </a:ext>
+                </a:extLst>
+              </p:cNvPr>
+              <p:cNvSpPr txBox="1"/>
+              <p:nvPr/>
+            </p:nvSpPr>
+            <p:spPr>
+              <a:xfrm>
+                <a:off x="9081647" y="4350754"/>
+                <a:ext cx="679349" cy="204191"/>
+              </a:xfrm>
+              <a:prstGeom prst="rect">
+                <a:avLst/>
+              </a:prstGeom>
+              <a:noFill/>
+            </p:spPr>
+            <p:txBody>
+              <a:bodyPr wrap="square" rtlCol="0">
+                <a:spAutoFit/>
+              </a:bodyPr>
+              <a:lstStyle/>
+              <a:p>
+                <a:pPr algn="ctr"/>
+                <a:r>
+                  <a:rPr lang="en-AU" sz="500" b="1" dirty="0">
+                    <a:latin typeface="Arial Nova Cond" panose="020B0604020202020204" pitchFamily="34" charset="0"/>
+                  </a:rPr>
+                  <a:t>Risk with current </a:t>
+                </a:r>
+              </a:p>
+              <a:p>
+                <a:pPr algn="ctr"/>
+                <a:r>
+                  <a:rPr lang="en-AU" sz="500" b="1" dirty="0">
+                    <a:latin typeface="Arial Nova Cond" panose="020B0604020202020204" pitchFamily="34" charset="0"/>
+                  </a:rPr>
+                  <a:t>level of adaption</a:t>
+                </a:r>
+              </a:p>
+            </p:txBody>
+          </p:sp>
+          <p:sp>
+            <p:nvSpPr>
+              <p:cNvPr id="1077" name="TextBox 1076">
+                <a:extLst>
+                  <a:ext uri="{FF2B5EF4-FFF2-40B4-BE49-F238E27FC236}">
+                    <a16:creationId xmlns:a16="http://schemas.microsoft.com/office/drawing/2014/main" id="{1DC45117-1974-397D-817E-0D54F0392126}"/>
+                  </a:ext>
+                </a:extLst>
+              </p:cNvPr>
+              <p:cNvSpPr txBox="1"/>
+              <p:nvPr/>
+            </p:nvSpPr>
+            <p:spPr>
+              <a:xfrm>
+                <a:off x="8400351" y="4350754"/>
+                <a:ext cx="789841" cy="204191"/>
+              </a:xfrm>
+              <a:prstGeom prst="rect">
+                <a:avLst/>
+              </a:prstGeom>
+              <a:noFill/>
+            </p:spPr>
+            <p:txBody>
+              <a:bodyPr wrap="square" rtlCol="0">
+                <a:spAutoFit/>
+              </a:bodyPr>
+              <a:lstStyle/>
+              <a:p>
+                <a:pPr algn="ctr"/>
+                <a:r>
+                  <a:rPr lang="en-AU" sz="500" b="1" dirty="0">
+                    <a:latin typeface="Arial Nova Cond" panose="020B0604020202020204" pitchFamily="34" charset="0"/>
+                  </a:rPr>
+                  <a:t>Risk with high potential adaptation</a:t>
+                </a:r>
+              </a:p>
+            </p:txBody>
+          </p:sp>
+          <p:cxnSp>
+            <p:nvCxnSpPr>
+              <p:cNvPr id="1079" name="Straight Arrow Connector 1078">
+                <a:extLst>
+                  <a:ext uri="{FF2B5EF4-FFF2-40B4-BE49-F238E27FC236}">
+                    <a16:creationId xmlns:a16="http://schemas.microsoft.com/office/drawing/2014/main" id="{3BC425E8-6F96-4032-A251-61B32C8AEE37}"/>
+                  </a:ext>
+                </a:extLst>
+              </p:cNvPr>
+              <p:cNvCxnSpPr>
+                <a:cxnSpLocks/>
+                <a:stCxn id="1076" idx="0"/>
+              </p:cNvCxnSpPr>
+              <p:nvPr/>
+            </p:nvCxnSpPr>
+            <p:spPr>
+              <a:xfrm flipH="1" flipV="1">
+                <a:off x="9420642" y="4248627"/>
+                <a:ext cx="679" cy="102127"/>
+              </a:xfrm>
+              <a:prstGeom prst="straightConnector1">
+                <a:avLst/>
+              </a:prstGeom>
+              <a:ln>
+                <a:solidFill>
+                  <a:schemeClr val="tx1"/>
+                </a:solidFill>
+                <a:tailEnd type="triangle"/>
+              </a:ln>
+            </p:spPr>
+            <p:style>
+              <a:lnRef idx="1">
+                <a:schemeClr val="accent1"/>
+              </a:lnRef>
+              <a:fillRef idx="0">
+                <a:schemeClr val="accent1"/>
+              </a:fillRef>
+              <a:effectRef idx="0">
+                <a:schemeClr val="accent1"/>
+              </a:effectRef>
+              <a:fontRef idx="minor">
+                <a:schemeClr val="tx1"/>
+              </a:fontRef>
+            </p:style>
+          </p:cxnSp>
+          <p:cxnSp>
+            <p:nvCxnSpPr>
+              <p:cNvPr id="1087" name="Straight Arrow Connector 1086">
+                <a:extLst>
+                  <a:ext uri="{FF2B5EF4-FFF2-40B4-BE49-F238E27FC236}">
+                    <a16:creationId xmlns:a16="http://schemas.microsoft.com/office/drawing/2014/main" id="{788FAB03-E0A0-C464-7D90-1295B19F8F79}"/>
+                  </a:ext>
+                </a:extLst>
+              </p:cNvPr>
+              <p:cNvCxnSpPr>
+                <a:cxnSpLocks/>
+              </p:cNvCxnSpPr>
+              <p:nvPr/>
+            </p:nvCxnSpPr>
+            <p:spPr>
+              <a:xfrm flipH="1" flipV="1">
+                <a:off x="8949443" y="4252818"/>
+                <a:ext cx="679" cy="102127"/>
+              </a:xfrm>
+              <a:prstGeom prst="straightConnector1">
+                <a:avLst/>
+              </a:prstGeom>
+              <a:ln>
+                <a:solidFill>
+                  <a:schemeClr val="tx1"/>
+                </a:solidFill>
+                <a:tailEnd type="triangle"/>
+              </a:ln>
+            </p:spPr>
+            <p:style>
+              <a:lnRef idx="1">
+                <a:schemeClr val="accent1"/>
+              </a:lnRef>
+              <a:fillRef idx="0">
+                <a:schemeClr val="accent1"/>
+              </a:fillRef>
+              <a:effectRef idx="0">
+                <a:schemeClr val="accent1"/>
+              </a:effectRef>
+              <a:fontRef idx="minor">
+                <a:schemeClr val="tx1"/>
+              </a:fontRef>
+            </p:style>
+          </p:cxnSp>
+          <p:cxnSp>
+            <p:nvCxnSpPr>
+              <p:cNvPr id="1089" name="Straight Arrow Connector 1088">
+                <a:extLst>
+                  <a:ext uri="{FF2B5EF4-FFF2-40B4-BE49-F238E27FC236}">
+                    <a16:creationId xmlns:a16="http://schemas.microsoft.com/office/drawing/2014/main" id="{9A1C1336-646E-A732-982F-FA6E7A8AE114}"/>
+                  </a:ext>
+                </a:extLst>
+              </p:cNvPr>
+              <p:cNvCxnSpPr>
+                <a:cxnSpLocks/>
+              </p:cNvCxnSpPr>
+              <p:nvPr/>
+            </p:nvCxnSpPr>
+            <p:spPr>
+              <a:xfrm flipH="1">
+                <a:off x="7941576" y="4056746"/>
+                <a:ext cx="997569" cy="0"/>
+              </a:xfrm>
+              <a:prstGeom prst="straightConnector1">
+                <a:avLst/>
+              </a:prstGeom>
+              <a:ln>
+                <a:solidFill>
+                  <a:srgbClr val="C00000"/>
+                </a:solidFill>
+                <a:tailEnd type="triangle"/>
+              </a:ln>
+            </p:spPr>
+            <p:style>
+              <a:lnRef idx="1">
+                <a:schemeClr val="accent1"/>
+              </a:lnRef>
+              <a:fillRef idx="0">
+                <a:schemeClr val="accent1"/>
+              </a:fillRef>
+              <a:effectRef idx="0">
+                <a:schemeClr val="accent1"/>
+              </a:effectRef>
+              <a:fontRef idx="minor">
+                <a:schemeClr val="tx1"/>
+              </a:fontRef>
+            </p:style>
+          </p:cxnSp>
+          <p:cxnSp>
+            <p:nvCxnSpPr>
+              <p:cNvPr id="1092" name="Straight Connector 1091">
+                <a:extLst>
+                  <a:ext uri="{FF2B5EF4-FFF2-40B4-BE49-F238E27FC236}">
+                    <a16:creationId xmlns:a16="http://schemas.microsoft.com/office/drawing/2014/main" id="{1110698E-BFEF-C83B-12E0-993928A53380}"/>
+                  </a:ext>
+                </a:extLst>
+              </p:cNvPr>
+              <p:cNvCxnSpPr>
+                <a:cxnSpLocks/>
+              </p:cNvCxnSpPr>
+              <p:nvPr/>
+            </p:nvCxnSpPr>
+            <p:spPr>
+              <a:xfrm flipV="1">
+                <a:off x="7941576" y="4007911"/>
+                <a:ext cx="0" cy="97671"/>
+              </a:xfrm>
+              <a:prstGeom prst="line">
+                <a:avLst/>
+              </a:prstGeom>
+              <a:ln>
+                <a:solidFill>
+                  <a:schemeClr val="tx1"/>
+                </a:solidFill>
+                <a:prstDash val="sysDash"/>
+              </a:ln>
+            </p:spPr>
+            <p:style>
+              <a:lnRef idx="1">
+                <a:schemeClr val="accent1"/>
+              </a:lnRef>
+              <a:fillRef idx="0">
+                <a:schemeClr val="accent1"/>
+              </a:fillRef>
+              <a:effectRef idx="0">
+                <a:schemeClr val="accent1"/>
+              </a:effectRef>
+              <a:fontRef idx="minor">
+                <a:schemeClr val="tx1"/>
+              </a:fontRef>
+            </p:style>
+          </p:cxnSp>
+          <p:cxnSp>
+            <p:nvCxnSpPr>
+              <p:cNvPr id="1094" name="Straight Connector 1093">
+                <a:extLst>
+                  <a:ext uri="{FF2B5EF4-FFF2-40B4-BE49-F238E27FC236}">
+                    <a16:creationId xmlns:a16="http://schemas.microsoft.com/office/drawing/2014/main" id="{B022F252-2937-72F5-86BB-C12EE6F495EB}"/>
+                  </a:ext>
+                </a:extLst>
+              </p:cNvPr>
+              <p:cNvCxnSpPr>
+                <a:cxnSpLocks/>
+              </p:cNvCxnSpPr>
+              <p:nvPr/>
+            </p:nvCxnSpPr>
+            <p:spPr>
+              <a:xfrm flipV="1">
+                <a:off x="8949443" y="4005427"/>
+                <a:ext cx="0" cy="97671"/>
+              </a:xfrm>
+              <a:prstGeom prst="line">
+                <a:avLst/>
+              </a:prstGeom>
+              <a:ln>
+                <a:solidFill>
+                  <a:schemeClr val="tx1"/>
+                </a:solidFill>
+                <a:prstDash val="sysDash"/>
+              </a:ln>
+            </p:spPr>
+            <p:style>
+              <a:lnRef idx="1">
+                <a:schemeClr val="accent1"/>
+              </a:lnRef>
+              <a:fillRef idx="0">
+                <a:schemeClr val="accent1"/>
+              </a:fillRef>
+              <a:effectRef idx="0">
+                <a:schemeClr val="accent1"/>
+              </a:effectRef>
+              <a:fontRef idx="minor">
+                <a:schemeClr val="tx1"/>
+              </a:fontRef>
+            </p:style>
+          </p:cxnSp>
+          <p:sp>
+            <p:nvSpPr>
+              <p:cNvPr id="1096" name="TextBox 1095">
+                <a:extLst>
+                  <a:ext uri="{FF2B5EF4-FFF2-40B4-BE49-F238E27FC236}">
+                    <a16:creationId xmlns:a16="http://schemas.microsoft.com/office/drawing/2014/main" id="{1890ED88-0A2E-75F9-E629-0B79153E1FF0}"/>
+                  </a:ext>
+                </a:extLst>
+              </p:cNvPr>
+              <p:cNvSpPr txBox="1"/>
+              <p:nvPr/>
+            </p:nvSpPr>
+            <p:spPr>
+              <a:xfrm>
+                <a:off x="8015968" y="3905367"/>
+                <a:ext cx="859083" cy="140381"/>
+              </a:xfrm>
+              <a:prstGeom prst="rect">
+                <a:avLst/>
+              </a:prstGeom>
+              <a:noFill/>
+            </p:spPr>
+            <p:txBody>
+              <a:bodyPr wrap="square" rtlCol="0">
+                <a:spAutoFit/>
+              </a:bodyPr>
+              <a:lstStyle/>
+              <a:p>
+                <a:pPr algn="ctr"/>
+                <a:r>
+                  <a:rPr lang="en-AU" sz="500" b="1" dirty="0">
+                    <a:latin typeface="Arial Nova Cond" panose="020B0604020202020204" pitchFamily="34" charset="0"/>
+                  </a:rPr>
+                  <a:t>Potential residual risk</a:t>
+                </a:r>
+              </a:p>
+            </p:txBody>
+          </p:sp>
+        </p:grpSp>
         <p:sp>
           <p:nvSpPr>
-            <p:cNvPr id="1073" name="Rectangle 1072">
+            <p:cNvPr id="1098" name="TextBox 1097">
               <a:extLst>
                 <a:ext uri="{FF2B5EF4-FFF2-40B4-BE49-F238E27FC236}">
-                  <a16:creationId xmlns:a16="http://schemas.microsoft.com/office/drawing/2014/main" id="{0FB2C3FC-1148-0783-13F1-F58FF389DEE2}"/>
+                  <a16:creationId xmlns:a16="http://schemas.microsoft.com/office/drawing/2014/main" id="{90F5F754-D807-FE1F-3472-D0D2667710B5}"/>
+                </a:ext>
+              </a:extLst>
+            </p:cNvPr>
+            <p:cNvSpPr txBox="1"/>
+            <p:nvPr/>
+          </p:nvSpPr>
+          <p:spPr>
+            <a:xfrm>
+              <a:off x="6579052" y="2025580"/>
+              <a:ext cx="1090001" cy="769441"/>
+            </a:xfrm>
+            <a:prstGeom prst="rect">
+              <a:avLst/>
+            </a:prstGeom>
+            <a:noFill/>
+          </p:spPr>
+          <p:txBody>
+            <a:bodyPr wrap="square" rtlCol="0">
+              <a:spAutoFit/>
+            </a:bodyPr>
+            <a:lstStyle/>
+            <a:p>
+              <a:pPr marL="171450" indent="-171450">
+                <a:buFont typeface="Arial" panose="020B0604020202020204" pitchFamily="34" charset="0"/>
+                <a:buChar char="•"/>
+              </a:pPr>
+              <a:r>
+                <a:rPr lang="en-AU" sz="1100" b="1" dirty="0">
+                  <a:latin typeface="Arial Nova Cond" panose="020B0604020202020204" pitchFamily="34" charset="0"/>
+                </a:rPr>
+                <a:t>Livelihood</a:t>
+              </a:r>
+            </a:p>
+            <a:p>
+              <a:pPr marL="171450" indent="-171450">
+                <a:buFont typeface="Arial" panose="020B0604020202020204" pitchFamily="34" charset="0"/>
+                <a:buChar char="•"/>
+              </a:pPr>
+              <a:r>
+                <a:rPr lang="en-AU" sz="1100" b="1" dirty="0">
+                  <a:latin typeface="Arial Nova Cond" panose="020B0604020202020204" pitchFamily="34" charset="0"/>
+                </a:rPr>
+                <a:t>Demography</a:t>
+              </a:r>
+            </a:p>
+            <a:p>
+              <a:pPr marL="171450" indent="-171450">
+                <a:buFont typeface="Arial" panose="020B0604020202020204" pitchFamily="34" charset="0"/>
+                <a:buChar char="•"/>
+              </a:pPr>
+              <a:r>
+                <a:rPr lang="en-AU" sz="1100" b="1" dirty="0">
+                  <a:latin typeface="Arial Nova Cond" panose="020B0604020202020204" pitchFamily="34" charset="0"/>
+                </a:rPr>
+                <a:t>Health</a:t>
+              </a:r>
+            </a:p>
+            <a:p>
+              <a:pPr marL="171450" indent="-171450">
+                <a:buFont typeface="Arial" panose="020B0604020202020204" pitchFamily="34" charset="0"/>
+                <a:buChar char="•"/>
+              </a:pPr>
+              <a:r>
+                <a:rPr lang="en-AU" sz="1100" b="1" dirty="0">
+                  <a:latin typeface="Arial Nova Cond" panose="020B0604020202020204" pitchFamily="34" charset="0"/>
+                </a:rPr>
+                <a:t>Cultural</a:t>
+              </a:r>
+            </a:p>
+          </p:txBody>
+        </p:sp>
+        <p:sp>
+          <p:nvSpPr>
+            <p:cNvPr id="1101" name="TextBox 1100">
+              <a:extLst>
+                <a:ext uri="{FF2B5EF4-FFF2-40B4-BE49-F238E27FC236}">
+                  <a16:creationId xmlns:a16="http://schemas.microsoft.com/office/drawing/2014/main" id="{2B3D0653-3E68-5537-5DE8-46FEE067D167}"/>
+                </a:ext>
+              </a:extLst>
+            </p:cNvPr>
+            <p:cNvSpPr txBox="1"/>
+            <p:nvPr/>
+          </p:nvSpPr>
+          <p:spPr>
+            <a:xfrm>
+              <a:off x="6633052" y="3628199"/>
+              <a:ext cx="1174356" cy="938719"/>
+            </a:xfrm>
+            <a:prstGeom prst="rect">
+              <a:avLst/>
+            </a:prstGeom>
+            <a:noFill/>
+          </p:spPr>
+          <p:txBody>
+            <a:bodyPr wrap="square" rtlCol="0">
+              <a:spAutoFit/>
+            </a:bodyPr>
+            <a:lstStyle/>
+            <a:p>
+              <a:pPr marL="171450" indent="-171450">
+                <a:buFont typeface="Arial" panose="020B0604020202020204" pitchFamily="34" charset="0"/>
+                <a:buChar char="•"/>
+              </a:pPr>
+              <a:r>
+                <a:rPr lang="en-AU" sz="1100" b="1" dirty="0">
+                  <a:latin typeface="Arial Nova Cond" panose="020B0604020202020204" pitchFamily="34" charset="0"/>
+                </a:rPr>
+                <a:t>Organisation</a:t>
+              </a:r>
+            </a:p>
+            <a:p>
+              <a:pPr marL="171450" indent="-171450">
+                <a:buFont typeface="Arial" panose="020B0604020202020204" pitchFamily="34" charset="0"/>
+                <a:buChar char="•"/>
+              </a:pPr>
+              <a:r>
+                <a:rPr lang="en-AU" sz="1100" b="1" dirty="0">
+                  <a:latin typeface="Arial Nova Cond" panose="020B0604020202020204" pitchFamily="34" charset="0"/>
+                </a:rPr>
+                <a:t>Flexibility</a:t>
+              </a:r>
+            </a:p>
+            <a:p>
+              <a:pPr marL="171450" indent="-171450">
+                <a:buFont typeface="Arial" panose="020B0604020202020204" pitchFamily="34" charset="0"/>
+                <a:buChar char="•"/>
+              </a:pPr>
+              <a:r>
+                <a:rPr lang="en-AU" sz="1100" b="1" dirty="0">
+                  <a:latin typeface="Arial Nova Cond" panose="020B0604020202020204" pitchFamily="34" charset="0"/>
+                </a:rPr>
+                <a:t>Agency</a:t>
+              </a:r>
+            </a:p>
+            <a:p>
+              <a:pPr marL="171450" indent="-171450">
+                <a:buFont typeface="Arial" panose="020B0604020202020204" pitchFamily="34" charset="0"/>
+                <a:buChar char="•"/>
+              </a:pPr>
+              <a:r>
+                <a:rPr lang="en-AU" sz="1100" b="1" dirty="0">
+                  <a:latin typeface="Arial Nova Cond" panose="020B0604020202020204" pitchFamily="34" charset="0"/>
+                </a:rPr>
+                <a:t>Learning</a:t>
+              </a:r>
+            </a:p>
+            <a:p>
+              <a:pPr marL="171450" indent="-171450">
+                <a:buFont typeface="Arial" panose="020B0604020202020204" pitchFamily="34" charset="0"/>
+                <a:buChar char="•"/>
+              </a:pPr>
+              <a:r>
+                <a:rPr lang="en-AU" sz="1100" b="1" dirty="0">
+                  <a:latin typeface="Arial Nova Cond" panose="020B0604020202020204" pitchFamily="34" charset="0"/>
+                </a:rPr>
+                <a:t>Assets</a:t>
+              </a:r>
+            </a:p>
+          </p:txBody>
+        </p:sp>
+        <p:sp>
+          <p:nvSpPr>
+            <p:cNvPr id="1102" name="TextBox 1101">
+              <a:extLst>
+                <a:ext uri="{FF2B5EF4-FFF2-40B4-BE49-F238E27FC236}">
+                  <a16:creationId xmlns:a16="http://schemas.microsoft.com/office/drawing/2014/main" id="{6B128F90-01F5-602C-BAA1-14687D2B2470}"/>
+                </a:ext>
+              </a:extLst>
+            </p:cNvPr>
+            <p:cNvSpPr txBox="1"/>
+            <p:nvPr/>
+          </p:nvSpPr>
+          <p:spPr>
+            <a:xfrm>
+              <a:off x="6285424" y="1533025"/>
+              <a:ext cx="1394949" cy="461665"/>
+            </a:xfrm>
+            <a:prstGeom prst="rect">
+              <a:avLst/>
+            </a:prstGeom>
+            <a:noFill/>
+          </p:spPr>
+          <p:txBody>
+            <a:bodyPr wrap="square" rtlCol="0">
+              <a:spAutoFit/>
+            </a:bodyPr>
+            <a:lstStyle/>
+            <a:p>
+              <a:r>
+                <a:rPr lang="en-AU" sz="1200" b="1" dirty="0">
+                  <a:latin typeface="Arial Nova Cond" panose="020B0604020202020204" pitchFamily="34" charset="0"/>
+                </a:rPr>
+                <a:t>Adaptative capacity (AC)</a:t>
+              </a:r>
+            </a:p>
+          </p:txBody>
+        </p:sp>
+        <p:sp>
+          <p:nvSpPr>
+            <p:cNvPr id="1103" name="TextBox 1102">
+              <a:extLst>
+                <a:ext uri="{FF2B5EF4-FFF2-40B4-BE49-F238E27FC236}">
+                  <a16:creationId xmlns:a16="http://schemas.microsoft.com/office/drawing/2014/main" id="{69DA2019-E462-B0D8-56F3-7C17ED610300}"/>
+                </a:ext>
+              </a:extLst>
+            </p:cNvPr>
+            <p:cNvSpPr txBox="1"/>
+            <p:nvPr/>
+          </p:nvSpPr>
+          <p:spPr>
+            <a:xfrm>
+              <a:off x="6315559" y="3246261"/>
+              <a:ext cx="1394949" cy="276999"/>
+            </a:xfrm>
+            <a:prstGeom prst="rect">
+              <a:avLst/>
+            </a:prstGeom>
+            <a:noFill/>
+          </p:spPr>
+          <p:txBody>
+            <a:bodyPr wrap="square" rtlCol="0">
+              <a:spAutoFit/>
+            </a:bodyPr>
+            <a:lstStyle/>
+            <a:p>
+              <a:r>
+                <a:rPr lang="en-AU" sz="1200" b="1" dirty="0">
+                  <a:latin typeface="Arial Nova Cond" panose="020B0604020202020204" pitchFamily="34" charset="0"/>
+                </a:rPr>
+                <a:t>Sensitivity (SS)</a:t>
+              </a:r>
+            </a:p>
+          </p:txBody>
+        </p:sp>
+        <p:sp>
+          <p:nvSpPr>
+            <p:cNvPr id="6" name="Rectangle 5">
+              <a:extLst>
+                <a:ext uri="{FF2B5EF4-FFF2-40B4-BE49-F238E27FC236}">
+                  <a16:creationId xmlns:a16="http://schemas.microsoft.com/office/drawing/2014/main" id="{3316888B-0964-55B0-49D3-D3F38659E6C8}"/>
                 </a:ext>
               </a:extLst>
             </p:cNvPr>
@@ -5800,19 +6453,20 @@
           </p:nvSpPr>
           <p:spPr>
             <a:xfrm>
-              <a:off x="9561342" y="5054973"/>
-              <a:ext cx="1123522" cy="170773"/>
+              <a:off x="7916001" y="482421"/>
+              <a:ext cx="3584602" cy="4343007"/>
             </a:xfrm>
             <a:prstGeom prst="rect">
               <a:avLst/>
             </a:prstGeom>
-            <a:solidFill>
-              <a:schemeClr val="accent4">
-                <a:lumMod val="75000"/>
-              </a:schemeClr>
-            </a:solidFill>
-            <a:ln>
-              <a:noFill/>
+            <a:noFill/>
+            <a:ln w="19050">
+              <a:solidFill>
+                <a:schemeClr val="tx1">
+                  <a:lumMod val="75000"/>
+                  <a:lumOff val="25000"/>
+                </a:schemeClr>
+              </a:solidFill>
             </a:ln>
           </p:spPr>
           <p:style>
@@ -5836,659 +6490,11 @@
             <a:lstStyle/>
             <a:p>
               <a:pPr algn="ctr"/>
-              <a:endParaRPr lang="en-AU">
-                <a:latin typeface="Century" panose="02040604050505020304" pitchFamily="18" charset="0"/>
-              </a:endParaRPr>
-            </a:p>
-          </p:txBody>
-        </p:sp>
-        <p:sp>
-          <p:nvSpPr>
-            <p:cNvPr id="1074" name="Rectangle 1073">
-              <a:extLst>
-                <a:ext uri="{FF2B5EF4-FFF2-40B4-BE49-F238E27FC236}">
-                  <a16:creationId xmlns:a16="http://schemas.microsoft.com/office/drawing/2014/main" id="{5D00E2BC-F7E0-6982-47D2-D5EFF6E4FD0D}"/>
-                </a:ext>
-              </a:extLst>
-            </p:cNvPr>
-            <p:cNvSpPr/>
-            <p:nvPr/>
-          </p:nvSpPr>
-          <p:spPr>
-            <a:xfrm>
-              <a:off x="10689847" y="5056445"/>
-              <a:ext cx="519530" cy="170774"/>
-            </a:xfrm>
-            <a:prstGeom prst="rect">
-              <a:avLst/>
-            </a:prstGeom>
-            <a:pattFill prst="wdDnDiag">
-              <a:fgClr>
-                <a:schemeClr val="accent4">
-                  <a:lumMod val="40000"/>
-                  <a:lumOff val="60000"/>
-                </a:schemeClr>
-              </a:fgClr>
-              <a:bgClr>
-                <a:schemeClr val="bg1"/>
-              </a:bgClr>
-            </a:pattFill>
-            <a:ln>
-              <a:noFill/>
-            </a:ln>
-          </p:spPr>
-          <p:style>
-            <a:lnRef idx="2">
-              <a:schemeClr val="accent1">
-                <a:shade val="50000"/>
-              </a:schemeClr>
-            </a:lnRef>
-            <a:fillRef idx="1">
-              <a:schemeClr val="accent1"/>
-            </a:fillRef>
-            <a:effectRef idx="0">
-              <a:schemeClr val="accent1"/>
-            </a:effectRef>
-            <a:fontRef idx="minor">
-              <a:schemeClr val="lt1"/>
-            </a:fontRef>
-          </p:style>
-          <p:txBody>
-            <a:bodyPr rtlCol="0" anchor="ctr"/>
-            <a:lstStyle/>
-            <a:p>
-              <a:pPr algn="ctr"/>
-              <a:endParaRPr lang="en-AU">
-                <a:latin typeface="Century" panose="02040604050505020304" pitchFamily="18" charset="0"/>
-              </a:endParaRPr>
-            </a:p>
-          </p:txBody>
-        </p:sp>
-        <p:sp>
-          <p:nvSpPr>
-            <p:cNvPr id="1076" name="TextBox 1075">
-              <a:extLst>
-                <a:ext uri="{FF2B5EF4-FFF2-40B4-BE49-F238E27FC236}">
-                  <a16:creationId xmlns:a16="http://schemas.microsoft.com/office/drawing/2014/main" id="{86721CB2-E1F5-3562-1C5F-B4DF70745581}"/>
-                </a:ext>
-              </a:extLst>
-            </p:cNvPr>
-            <p:cNvSpPr txBox="1"/>
-            <p:nvPr/>
-          </p:nvSpPr>
-          <p:spPr>
-            <a:xfrm>
-              <a:off x="10832238" y="5350388"/>
-              <a:ext cx="757306" cy="246221"/>
-            </a:xfrm>
-            <a:prstGeom prst="rect">
-              <a:avLst/>
-            </a:prstGeom>
-            <a:noFill/>
-          </p:spPr>
-          <p:txBody>
-            <a:bodyPr wrap="square" rtlCol="0">
-              <a:spAutoFit/>
-            </a:bodyPr>
-            <a:lstStyle/>
-            <a:p>
-              <a:pPr algn="ctr"/>
-              <a:r>
-                <a:rPr lang="en-AU" sz="500" b="1" dirty="0">
-                  <a:latin typeface="Arial Nova Cond" panose="020B0604020202020204" pitchFamily="34" charset="0"/>
-                </a:rPr>
-                <a:t>Risk with current </a:t>
-              </a:r>
-            </a:p>
-            <a:p>
-              <a:pPr algn="ctr"/>
-              <a:r>
-                <a:rPr lang="en-AU" sz="500" b="1" dirty="0">
-                  <a:latin typeface="Arial Nova Cond" panose="020B0604020202020204" pitchFamily="34" charset="0"/>
-                </a:rPr>
-                <a:t>level of adaption</a:t>
-              </a:r>
-            </a:p>
-          </p:txBody>
-        </p:sp>
-        <p:sp>
-          <p:nvSpPr>
-            <p:cNvPr id="1077" name="TextBox 1076">
-              <a:extLst>
-                <a:ext uri="{FF2B5EF4-FFF2-40B4-BE49-F238E27FC236}">
-                  <a16:creationId xmlns:a16="http://schemas.microsoft.com/office/drawing/2014/main" id="{1DC45117-1974-397D-817E-0D54F0392126}"/>
-                </a:ext>
-              </a:extLst>
-            </p:cNvPr>
-            <p:cNvSpPr txBox="1"/>
-            <p:nvPr/>
-          </p:nvSpPr>
-          <p:spPr>
-            <a:xfrm>
-              <a:off x="10072762" y="5350388"/>
-              <a:ext cx="880477" cy="246221"/>
-            </a:xfrm>
-            <a:prstGeom prst="rect">
-              <a:avLst/>
-            </a:prstGeom>
-            <a:noFill/>
-          </p:spPr>
-          <p:txBody>
-            <a:bodyPr wrap="square" rtlCol="0">
-              <a:spAutoFit/>
-            </a:bodyPr>
-            <a:lstStyle/>
-            <a:p>
-              <a:pPr algn="ctr"/>
-              <a:r>
-                <a:rPr lang="en-AU" sz="500" b="1" dirty="0">
-                  <a:latin typeface="Arial Nova Cond" panose="020B0604020202020204" pitchFamily="34" charset="0"/>
-                </a:rPr>
-                <a:t>Risk with high potential adaptation</a:t>
-              </a:r>
-            </a:p>
-          </p:txBody>
-        </p:sp>
-        <p:cxnSp>
-          <p:nvCxnSpPr>
-            <p:cNvPr id="1079" name="Straight Arrow Connector 1078">
-              <a:extLst>
-                <a:ext uri="{FF2B5EF4-FFF2-40B4-BE49-F238E27FC236}">
-                  <a16:creationId xmlns:a16="http://schemas.microsoft.com/office/drawing/2014/main" id="{3BC425E8-6F96-4032-A251-61B32C8AEE37}"/>
-                </a:ext>
-              </a:extLst>
-            </p:cNvPr>
-            <p:cNvCxnSpPr>
-              <a:cxnSpLocks/>
-              <a:stCxn id="1076" idx="0"/>
-            </p:cNvCxnSpPr>
-            <p:nvPr/>
-          </p:nvCxnSpPr>
-          <p:spPr>
-            <a:xfrm flipH="1" flipV="1">
-              <a:off x="11210134" y="5227239"/>
-              <a:ext cx="757" cy="123149"/>
-            </a:xfrm>
-            <a:prstGeom prst="straightConnector1">
-              <a:avLst/>
-            </a:prstGeom>
-            <a:ln>
-              <a:solidFill>
-                <a:schemeClr val="tx1"/>
-              </a:solidFill>
-              <a:tailEnd type="triangle"/>
-            </a:ln>
-          </p:spPr>
-          <p:style>
-            <a:lnRef idx="1">
-              <a:schemeClr val="accent1"/>
-            </a:lnRef>
-            <a:fillRef idx="0">
-              <a:schemeClr val="accent1"/>
-            </a:fillRef>
-            <a:effectRef idx="0">
-              <a:schemeClr val="accent1"/>
-            </a:effectRef>
-            <a:fontRef idx="minor">
-              <a:schemeClr val="tx1"/>
-            </a:fontRef>
-          </p:style>
-        </p:cxnSp>
-        <p:cxnSp>
-          <p:nvCxnSpPr>
-            <p:cNvPr id="1087" name="Straight Arrow Connector 1086">
-              <a:extLst>
-                <a:ext uri="{FF2B5EF4-FFF2-40B4-BE49-F238E27FC236}">
-                  <a16:creationId xmlns:a16="http://schemas.microsoft.com/office/drawing/2014/main" id="{788FAB03-E0A0-C464-7D90-1295B19F8F79}"/>
-                </a:ext>
-              </a:extLst>
-            </p:cNvPr>
-            <p:cNvCxnSpPr>
-              <a:cxnSpLocks/>
-            </p:cNvCxnSpPr>
-            <p:nvPr/>
-          </p:nvCxnSpPr>
-          <p:spPr>
-            <a:xfrm flipH="1" flipV="1">
-              <a:off x="10684864" y="5232293"/>
-              <a:ext cx="757" cy="123149"/>
-            </a:xfrm>
-            <a:prstGeom prst="straightConnector1">
-              <a:avLst/>
-            </a:prstGeom>
-            <a:ln>
-              <a:solidFill>
-                <a:schemeClr val="tx1"/>
-              </a:solidFill>
-              <a:tailEnd type="triangle"/>
-            </a:ln>
-          </p:spPr>
-          <p:style>
-            <a:lnRef idx="1">
-              <a:schemeClr val="accent1"/>
-            </a:lnRef>
-            <a:fillRef idx="0">
-              <a:schemeClr val="accent1"/>
-            </a:fillRef>
-            <a:effectRef idx="0">
-              <a:schemeClr val="accent1"/>
-            </a:effectRef>
-            <a:fontRef idx="minor">
-              <a:schemeClr val="tx1"/>
-            </a:fontRef>
-          </p:style>
-        </p:cxnSp>
-        <p:cxnSp>
-          <p:nvCxnSpPr>
-            <p:cNvPr id="1089" name="Straight Arrow Connector 1088">
-              <a:extLst>
-                <a:ext uri="{FF2B5EF4-FFF2-40B4-BE49-F238E27FC236}">
-                  <a16:creationId xmlns:a16="http://schemas.microsoft.com/office/drawing/2014/main" id="{9A1C1336-646E-A732-982F-FA6E7A8AE114}"/>
-                </a:ext>
-              </a:extLst>
-            </p:cNvPr>
-            <p:cNvCxnSpPr>
-              <a:cxnSpLocks/>
-            </p:cNvCxnSpPr>
-            <p:nvPr/>
-          </p:nvCxnSpPr>
-          <p:spPr>
-            <a:xfrm flipH="1">
-              <a:off x="9561342" y="4995862"/>
-              <a:ext cx="1112042" cy="0"/>
-            </a:xfrm>
-            <a:prstGeom prst="straightConnector1">
-              <a:avLst/>
-            </a:prstGeom>
-            <a:ln>
-              <a:solidFill>
-                <a:srgbClr val="C00000"/>
-              </a:solidFill>
-              <a:tailEnd type="triangle"/>
-            </a:ln>
-          </p:spPr>
-          <p:style>
-            <a:lnRef idx="1">
-              <a:schemeClr val="accent1"/>
-            </a:lnRef>
-            <a:fillRef idx="0">
-              <a:schemeClr val="accent1"/>
-            </a:fillRef>
-            <a:effectRef idx="0">
-              <a:schemeClr val="accent1"/>
-            </a:effectRef>
-            <a:fontRef idx="minor">
-              <a:schemeClr val="tx1"/>
-            </a:fontRef>
-          </p:style>
-        </p:cxnSp>
-        <p:cxnSp>
-          <p:nvCxnSpPr>
-            <p:cNvPr id="1092" name="Straight Connector 1091">
-              <a:extLst>
-                <a:ext uri="{FF2B5EF4-FFF2-40B4-BE49-F238E27FC236}">
-                  <a16:creationId xmlns:a16="http://schemas.microsoft.com/office/drawing/2014/main" id="{1110698E-BFEF-C83B-12E0-993928A53380}"/>
-                </a:ext>
-              </a:extLst>
-            </p:cNvPr>
-            <p:cNvCxnSpPr>
-              <a:cxnSpLocks/>
-            </p:cNvCxnSpPr>
-            <p:nvPr/>
-          </p:nvCxnSpPr>
-          <p:spPr>
-            <a:xfrm flipV="1">
-              <a:off x="9561342" y="4936975"/>
-              <a:ext cx="0" cy="117775"/>
-            </a:xfrm>
-            <a:prstGeom prst="line">
-              <a:avLst/>
-            </a:prstGeom>
-            <a:ln>
-              <a:solidFill>
-                <a:schemeClr val="tx1"/>
-              </a:solidFill>
-              <a:prstDash val="sysDash"/>
-            </a:ln>
-          </p:spPr>
-          <p:style>
-            <a:lnRef idx="1">
-              <a:schemeClr val="accent1"/>
-            </a:lnRef>
-            <a:fillRef idx="0">
-              <a:schemeClr val="accent1"/>
-            </a:fillRef>
-            <a:effectRef idx="0">
-              <a:schemeClr val="accent1"/>
-            </a:effectRef>
-            <a:fontRef idx="minor">
-              <a:schemeClr val="tx1"/>
-            </a:fontRef>
-          </p:style>
-        </p:cxnSp>
-        <p:cxnSp>
-          <p:nvCxnSpPr>
-            <p:cNvPr id="1094" name="Straight Connector 1093">
-              <a:extLst>
-                <a:ext uri="{FF2B5EF4-FFF2-40B4-BE49-F238E27FC236}">
-                  <a16:creationId xmlns:a16="http://schemas.microsoft.com/office/drawing/2014/main" id="{B022F252-2937-72F5-86BB-C12EE6F495EB}"/>
-                </a:ext>
-              </a:extLst>
-            </p:cNvPr>
-            <p:cNvCxnSpPr>
-              <a:cxnSpLocks/>
-            </p:cNvCxnSpPr>
-            <p:nvPr/>
-          </p:nvCxnSpPr>
-          <p:spPr>
-            <a:xfrm flipV="1">
-              <a:off x="10684864" y="4933980"/>
-              <a:ext cx="0" cy="117775"/>
-            </a:xfrm>
-            <a:prstGeom prst="line">
-              <a:avLst/>
-            </a:prstGeom>
-            <a:ln>
-              <a:solidFill>
-                <a:schemeClr val="tx1"/>
-              </a:solidFill>
-              <a:prstDash val="sysDash"/>
-            </a:ln>
-          </p:spPr>
-          <p:style>
-            <a:lnRef idx="1">
-              <a:schemeClr val="accent1"/>
-            </a:lnRef>
-            <a:fillRef idx="0">
-              <a:schemeClr val="accent1"/>
-            </a:fillRef>
-            <a:effectRef idx="0">
-              <a:schemeClr val="accent1"/>
-            </a:effectRef>
-            <a:fontRef idx="minor">
-              <a:schemeClr val="tx1"/>
-            </a:fontRef>
-          </p:style>
-        </p:cxnSp>
-        <p:sp>
-          <p:nvSpPr>
-            <p:cNvPr id="1096" name="TextBox 1095">
-              <a:extLst>
-                <a:ext uri="{FF2B5EF4-FFF2-40B4-BE49-F238E27FC236}">
-                  <a16:creationId xmlns:a16="http://schemas.microsoft.com/office/drawing/2014/main" id="{1890ED88-0A2E-75F9-E629-0B79153E1FF0}"/>
-                </a:ext>
-              </a:extLst>
-            </p:cNvPr>
-            <p:cNvSpPr txBox="1"/>
-            <p:nvPr/>
-          </p:nvSpPr>
-          <p:spPr>
-            <a:xfrm>
-              <a:off x="9644271" y="4813324"/>
-              <a:ext cx="957665" cy="169277"/>
-            </a:xfrm>
-            <a:prstGeom prst="rect">
-              <a:avLst/>
-            </a:prstGeom>
-            <a:noFill/>
-          </p:spPr>
-          <p:txBody>
-            <a:bodyPr wrap="square" rtlCol="0">
-              <a:spAutoFit/>
-            </a:bodyPr>
-            <a:lstStyle/>
-            <a:p>
-              <a:pPr algn="ctr"/>
-              <a:r>
-                <a:rPr lang="en-AU" sz="500" b="1" dirty="0">
-                  <a:latin typeface="Arial Nova Cond" panose="020B0604020202020204" pitchFamily="34" charset="0"/>
-                </a:rPr>
-                <a:t>Potential residual risk</a:t>
-              </a:r>
+              <a:endParaRPr lang="en-AU"/>
             </a:p>
           </p:txBody>
         </p:sp>
       </p:grpSp>
-      <p:sp>
-        <p:nvSpPr>
-          <p:cNvPr id="1098" name="TextBox 1097">
-            <a:extLst>
-              <a:ext uri="{FF2B5EF4-FFF2-40B4-BE49-F238E27FC236}">
-                <a16:creationId xmlns:a16="http://schemas.microsoft.com/office/drawing/2014/main" id="{90F5F754-D807-FE1F-3472-D0D2667710B5}"/>
-              </a:ext>
-            </a:extLst>
-          </p:cNvPr>
-          <p:cNvSpPr txBox="1"/>
-          <p:nvPr/>
-        </p:nvSpPr>
-        <p:spPr>
-          <a:xfrm>
-            <a:off x="6579052" y="2025580"/>
-            <a:ext cx="1090001" cy="769441"/>
-          </a:xfrm>
-          <a:prstGeom prst="rect">
-            <a:avLst/>
-          </a:prstGeom>
-          <a:noFill/>
-        </p:spPr>
-        <p:txBody>
-          <a:bodyPr wrap="square" rtlCol="0">
-            <a:spAutoFit/>
-          </a:bodyPr>
-          <a:lstStyle/>
-          <a:p>
-            <a:pPr marL="171450" indent="-171450">
-              <a:buFont typeface="Arial" panose="020B0604020202020204" pitchFamily="34" charset="0"/>
-              <a:buChar char="•"/>
-            </a:pPr>
-            <a:r>
-              <a:rPr lang="en-AU" sz="1100" b="1" dirty="0">
-                <a:latin typeface="Arial Nova Cond" panose="020B0604020202020204" pitchFamily="34" charset="0"/>
-              </a:rPr>
-              <a:t>Livelihood</a:t>
-            </a:r>
-          </a:p>
-          <a:p>
-            <a:pPr marL="171450" indent="-171450">
-              <a:buFont typeface="Arial" panose="020B0604020202020204" pitchFamily="34" charset="0"/>
-              <a:buChar char="•"/>
-            </a:pPr>
-            <a:r>
-              <a:rPr lang="en-AU" sz="1100" b="1" dirty="0">
-                <a:latin typeface="Arial Nova Cond" panose="020B0604020202020204" pitchFamily="34" charset="0"/>
-              </a:rPr>
-              <a:t>Demography</a:t>
-            </a:r>
-          </a:p>
-          <a:p>
-            <a:pPr marL="171450" indent="-171450">
-              <a:buFont typeface="Arial" panose="020B0604020202020204" pitchFamily="34" charset="0"/>
-              <a:buChar char="•"/>
-            </a:pPr>
-            <a:r>
-              <a:rPr lang="en-AU" sz="1100" b="1" dirty="0">
-                <a:latin typeface="Arial Nova Cond" panose="020B0604020202020204" pitchFamily="34" charset="0"/>
-              </a:rPr>
-              <a:t>Health</a:t>
-            </a:r>
-          </a:p>
-          <a:p>
-            <a:pPr marL="171450" indent="-171450">
-              <a:buFont typeface="Arial" panose="020B0604020202020204" pitchFamily="34" charset="0"/>
-              <a:buChar char="•"/>
-            </a:pPr>
-            <a:r>
-              <a:rPr lang="en-AU" sz="1100" b="1" dirty="0">
-                <a:latin typeface="Arial Nova Cond" panose="020B0604020202020204" pitchFamily="34" charset="0"/>
-              </a:rPr>
-              <a:t>Cultural</a:t>
-            </a:r>
-          </a:p>
-        </p:txBody>
-      </p:sp>
-      <p:sp>
-        <p:nvSpPr>
-          <p:cNvPr id="1101" name="TextBox 1100">
-            <a:extLst>
-              <a:ext uri="{FF2B5EF4-FFF2-40B4-BE49-F238E27FC236}">
-                <a16:creationId xmlns:a16="http://schemas.microsoft.com/office/drawing/2014/main" id="{2B3D0653-3E68-5537-5DE8-46FEE067D167}"/>
-              </a:ext>
-            </a:extLst>
-          </p:cNvPr>
-          <p:cNvSpPr txBox="1"/>
-          <p:nvPr/>
-        </p:nvSpPr>
-        <p:spPr>
-          <a:xfrm>
-            <a:off x="6633052" y="3628199"/>
-            <a:ext cx="1174356" cy="938719"/>
-          </a:xfrm>
-          <a:prstGeom prst="rect">
-            <a:avLst/>
-          </a:prstGeom>
-          <a:noFill/>
-        </p:spPr>
-        <p:txBody>
-          <a:bodyPr wrap="square" rtlCol="0">
-            <a:spAutoFit/>
-          </a:bodyPr>
-          <a:lstStyle/>
-          <a:p>
-            <a:pPr marL="171450" indent="-171450">
-              <a:buFont typeface="Arial" panose="020B0604020202020204" pitchFamily="34" charset="0"/>
-              <a:buChar char="•"/>
-            </a:pPr>
-            <a:r>
-              <a:rPr lang="en-AU" sz="1100" b="1" dirty="0">
-                <a:latin typeface="Arial Nova Cond" panose="020B0604020202020204" pitchFamily="34" charset="0"/>
-              </a:rPr>
-              <a:t>Organisation</a:t>
-            </a:r>
-          </a:p>
-          <a:p>
-            <a:pPr marL="171450" indent="-171450">
-              <a:buFont typeface="Arial" panose="020B0604020202020204" pitchFamily="34" charset="0"/>
-              <a:buChar char="•"/>
-            </a:pPr>
-            <a:r>
-              <a:rPr lang="en-AU" sz="1100" b="1" dirty="0">
-                <a:latin typeface="Arial Nova Cond" panose="020B0604020202020204" pitchFamily="34" charset="0"/>
-              </a:rPr>
-              <a:t>Flexibility</a:t>
-            </a:r>
-          </a:p>
-          <a:p>
-            <a:pPr marL="171450" indent="-171450">
-              <a:buFont typeface="Arial" panose="020B0604020202020204" pitchFamily="34" charset="0"/>
-              <a:buChar char="•"/>
-            </a:pPr>
-            <a:r>
-              <a:rPr lang="en-AU" sz="1100" b="1" dirty="0">
-                <a:latin typeface="Arial Nova Cond" panose="020B0604020202020204" pitchFamily="34" charset="0"/>
-              </a:rPr>
-              <a:t>Agency</a:t>
-            </a:r>
-          </a:p>
-          <a:p>
-            <a:pPr marL="171450" indent="-171450">
-              <a:buFont typeface="Arial" panose="020B0604020202020204" pitchFamily="34" charset="0"/>
-              <a:buChar char="•"/>
-            </a:pPr>
-            <a:r>
-              <a:rPr lang="en-AU" sz="1100" b="1" dirty="0">
-                <a:latin typeface="Arial Nova Cond" panose="020B0604020202020204" pitchFamily="34" charset="0"/>
-              </a:rPr>
-              <a:t>Learning</a:t>
-            </a:r>
-          </a:p>
-          <a:p>
-            <a:pPr marL="171450" indent="-171450">
-              <a:buFont typeface="Arial" panose="020B0604020202020204" pitchFamily="34" charset="0"/>
-              <a:buChar char="•"/>
-            </a:pPr>
-            <a:r>
-              <a:rPr lang="en-AU" sz="1100" b="1" dirty="0">
-                <a:latin typeface="Arial Nova Cond" panose="020B0604020202020204" pitchFamily="34" charset="0"/>
-              </a:rPr>
-              <a:t>Assets</a:t>
-            </a:r>
-          </a:p>
-        </p:txBody>
-      </p:sp>
-      <p:sp>
-        <p:nvSpPr>
-          <p:cNvPr id="1102" name="TextBox 1101">
-            <a:extLst>
-              <a:ext uri="{FF2B5EF4-FFF2-40B4-BE49-F238E27FC236}">
-                <a16:creationId xmlns:a16="http://schemas.microsoft.com/office/drawing/2014/main" id="{6B128F90-01F5-602C-BAA1-14687D2B2470}"/>
-              </a:ext>
-            </a:extLst>
-          </p:cNvPr>
-          <p:cNvSpPr txBox="1"/>
-          <p:nvPr/>
-        </p:nvSpPr>
-        <p:spPr>
-          <a:xfrm>
-            <a:off x="6285424" y="1533025"/>
-            <a:ext cx="1394949" cy="461665"/>
-          </a:xfrm>
-          <a:prstGeom prst="rect">
-            <a:avLst/>
-          </a:prstGeom>
-          <a:noFill/>
-        </p:spPr>
-        <p:txBody>
-          <a:bodyPr wrap="square" rtlCol="0">
-            <a:spAutoFit/>
-          </a:bodyPr>
-          <a:lstStyle/>
-          <a:p>
-            <a:r>
-              <a:rPr lang="en-AU" sz="1200" b="1" dirty="0">
-                <a:latin typeface="Arial Nova Cond" panose="020B0604020202020204" pitchFamily="34" charset="0"/>
-              </a:rPr>
-              <a:t>Adaptative capacity (AC)</a:t>
-            </a:r>
-          </a:p>
-        </p:txBody>
-      </p:sp>
-      <p:sp>
-        <p:nvSpPr>
-          <p:cNvPr id="1103" name="TextBox 1102">
-            <a:extLst>
-              <a:ext uri="{FF2B5EF4-FFF2-40B4-BE49-F238E27FC236}">
-                <a16:creationId xmlns:a16="http://schemas.microsoft.com/office/drawing/2014/main" id="{69DA2019-E462-B0D8-56F3-7C17ED610300}"/>
-              </a:ext>
-            </a:extLst>
-          </p:cNvPr>
-          <p:cNvSpPr txBox="1"/>
-          <p:nvPr/>
-        </p:nvSpPr>
-        <p:spPr>
-          <a:xfrm>
-            <a:off x="6315559" y="3246261"/>
-            <a:ext cx="1394949" cy="276999"/>
-          </a:xfrm>
-          <a:prstGeom prst="rect">
-            <a:avLst/>
-          </a:prstGeom>
-          <a:noFill/>
-        </p:spPr>
-        <p:txBody>
-          <a:bodyPr wrap="square" rtlCol="0">
-            <a:spAutoFit/>
-          </a:bodyPr>
-          <a:lstStyle/>
-          <a:p>
-            <a:r>
-              <a:rPr lang="en-AU" sz="1200" b="1" dirty="0">
-                <a:latin typeface="Arial Nova Cond" panose="020B0604020202020204" pitchFamily="34" charset="0"/>
-              </a:rPr>
-              <a:t>Sensitivity (SS)</a:t>
-            </a:r>
-          </a:p>
-        </p:txBody>
-      </p:sp>
     </p:spTree>
     <p:extLst>
       <p:ext uri="{BB962C8B-B14F-4D97-AF65-F5344CB8AC3E}">
@@ -6499,131 +6505,6 @@
   <p:clrMapOvr>
     <a:masterClrMapping/>
   </p:clrMapOvr>
-  <p:timing>
-    <p:tnLst>
-      <p:par>
-        <p:cTn id="1" dur="indefinite" restart="never" nodeType="tmRoot">
-          <p:childTnLst>
-            <p:seq concurrent="1" nextAc="seek">
-              <p:cTn id="2" dur="indefinite" nodeType="mainSeq">
-                <p:childTnLst>
-                  <p:par>
-                    <p:cTn id="3" fill="hold">
-                      <p:stCondLst>
-                        <p:cond delay="indefinite"/>
-                        <p:cond evt="onBegin" delay="0">
-                          <p:tn val="2"/>
-                        </p:cond>
-                      </p:stCondLst>
-                      <p:childTnLst>
-                        <p:par>
-                          <p:cTn id="4" fill="hold">
-                            <p:stCondLst>
-                              <p:cond delay="0"/>
-                            </p:stCondLst>
-                            <p:childTnLst>
-                              <p:par>
-                                <p:cTn id="5" presetID="22" presetClass="entr" presetSubtype="4" fill="hold" grpId="0" nodeType="withEffect">
-                                  <p:stCondLst>
-                                    <p:cond delay="0"/>
-                                  </p:stCondLst>
-                                  <p:childTnLst>
-                                    <p:set>
-                                      <p:cBhvr>
-                                        <p:cTn id="6" dur="1" fill="hold">
-                                          <p:stCondLst>
-                                            <p:cond delay="0"/>
-                                          </p:stCondLst>
-                                        </p:cTn>
-                                        <p:tgtEl>
-                                          <p:spTgt spid="24"/>
-                                        </p:tgtEl>
-                                        <p:attrNameLst>
-                                          <p:attrName>style.visibility</p:attrName>
-                                        </p:attrNameLst>
-                                      </p:cBhvr>
-                                      <p:to>
-                                        <p:strVal val="visible"/>
-                                      </p:to>
-                                    </p:set>
-                                    <p:animEffect transition="in" filter="wipe(down)">
-                                      <p:cBhvr>
-                                        <p:cTn id="7" dur="500"/>
-                                        <p:tgtEl>
-                                          <p:spTgt spid="24"/>
-                                        </p:tgtEl>
-                                      </p:cBhvr>
-                                    </p:animEffect>
-                                  </p:childTnLst>
-                                </p:cTn>
-                              </p:par>
-                              <p:par>
-                                <p:cTn id="8" presetID="22" presetClass="entr" presetSubtype="4" fill="hold" grpId="0" nodeType="withEffect">
-                                  <p:stCondLst>
-                                    <p:cond delay="0"/>
-                                  </p:stCondLst>
-                                  <p:childTnLst>
-                                    <p:set>
-                                      <p:cBhvr>
-                                        <p:cTn id="9" dur="1" fill="hold">
-                                          <p:stCondLst>
-                                            <p:cond delay="0"/>
-                                          </p:stCondLst>
-                                        </p:cTn>
-                                        <p:tgtEl>
-                                          <p:spTgt spid="1069"/>
-                                        </p:tgtEl>
-                                        <p:attrNameLst>
-                                          <p:attrName>style.visibility</p:attrName>
-                                        </p:attrNameLst>
-                                      </p:cBhvr>
-                                      <p:to>
-                                        <p:strVal val="visible"/>
-                                      </p:to>
-                                    </p:set>
-                                    <p:animEffect transition="in" filter="wipe(down)">
-                                      <p:cBhvr>
-                                        <p:cTn id="10" dur="500"/>
-                                        <p:tgtEl>
-                                          <p:spTgt spid="1069"/>
-                                        </p:tgtEl>
-                                      </p:cBhvr>
-                                    </p:animEffect>
-                                  </p:childTnLst>
-                                </p:cTn>
-                              </p:par>
-                            </p:childTnLst>
-                          </p:cTn>
-                        </p:par>
-                      </p:childTnLst>
-                    </p:cTn>
-                  </p:par>
-                </p:childTnLst>
-              </p:cTn>
-              <p:prevCondLst>
-                <p:cond evt="onPrev" delay="0">
-                  <p:tgtEl>
-                    <p:sldTgt/>
-                  </p:tgtEl>
-                </p:cond>
-              </p:prevCondLst>
-              <p:nextCondLst>
-                <p:cond evt="onNext" delay="0">
-                  <p:tgtEl>
-                    <p:sldTgt/>
-                  </p:tgtEl>
-                </p:cond>
-              </p:nextCondLst>
-            </p:seq>
-          </p:childTnLst>
-        </p:cTn>
-      </p:par>
-    </p:tnLst>
-    <p:bldLst>
-      <p:bldP spid="24" grpId="0"/>
-      <p:bldP spid="1069" grpId="0"/>
-    </p:bldLst>
-  </p:timing>
 </p:sld>
 </file>
 
